--- a/notion/UI 구상 및 기능 구현.pptx
+++ b/notion/UI 구상 및 기능 구현.pptx
@@ -5,9 +5,12 @@
     <p:sldMasterId id="2147483648" r:id="rId1"/>
   </p:sldMasterIdLst>
   <p:sldIdLst>
-    <p:sldId id="257" r:id="rId2"/>
-    <p:sldId id="258" r:id="rId3"/>
-    <p:sldId id="256" r:id="rId4"/>
+    <p:sldId id="263" r:id="rId2"/>
+    <p:sldId id="260" r:id="rId3"/>
+    <p:sldId id="257" r:id="rId4"/>
+    <p:sldId id="261" r:id="rId5"/>
+    <p:sldId id="259" r:id="rId6"/>
+    <p:sldId id="262" r:id="rId7"/>
   </p:sldIdLst>
   <p:sldSz cx="12192000" cy="6858000"/>
   <p:notesSz cx="6858000" cy="9144000"/>
@@ -114,6 +117,968 @@
 </p:presentation>
 </file>
 
+<file path=ppt/charts/chart1.xml><?xml version="1.0" encoding="utf-8"?>
+<c:chartSpace xmlns:c="http://schemas.openxmlformats.org/drawingml/2006/chart" xmlns:a="http://schemas.openxmlformats.org/drawingml/2006/main" xmlns:r="http://schemas.openxmlformats.org/officeDocument/2006/relationships" xmlns:c16r2="http://schemas.microsoft.com/office/drawing/2015/06/chart">
+  <c:date1904 val="0"/>
+  <c:lang val="ko-KR"/>
+  <c:roundedCorners val="0"/>
+  <mc:AlternateContent xmlns:mc="http://schemas.openxmlformats.org/markup-compatibility/2006">
+    <mc:Choice xmlns:c14="http://schemas.microsoft.com/office/drawing/2007/8/2/chart" Requires="c14">
+      <c14:style val="102"/>
+    </mc:Choice>
+    <mc:Fallback>
+      <c:style val="2"/>
+    </mc:Fallback>
+  </mc:AlternateContent>
+  <c:chart>
+    <c:title>
+      <c:overlay val="0"/>
+      <c:spPr>
+        <a:noFill/>
+        <a:ln>
+          <a:noFill/>
+        </a:ln>
+        <a:effectLst/>
+      </c:spPr>
+      <c:txPr>
+        <a:bodyPr rot="0" spcFirstLastPara="1" vertOverflow="ellipsis" vert="horz" wrap="square" anchor="ctr" anchorCtr="1"/>
+        <a:lstStyle/>
+        <a:p>
+          <a:pPr>
+            <a:defRPr sz="1862" b="0" i="0" u="none" strike="noStrike" kern="1200" spc="0" baseline="0">
+              <a:solidFill>
+                <a:schemeClr val="tx1">
+                  <a:lumMod val="65000"/>
+                  <a:lumOff val="35000"/>
+                </a:schemeClr>
+              </a:solidFill>
+              <a:latin typeface="+mn-lt"/>
+              <a:ea typeface="+mn-ea"/>
+              <a:cs typeface="+mn-cs"/>
+            </a:defRPr>
+          </a:pPr>
+          <a:endParaRPr lang="ko-KR"/>
+        </a:p>
+      </c:txPr>
+    </c:title>
+    <c:autoTitleDeleted val="0"/>
+    <c:plotArea>
+      <c:layout/>
+      <c:lineChart>
+        <c:grouping val="standard"/>
+        <c:varyColors val="0"/>
+        <c:ser>
+          <c:idx val="0"/>
+          <c:order val="0"/>
+          <c:tx>
+            <c:strRef>
+              <c:f>Sheet1!$B$1</c:f>
+              <c:strCache>
+                <c:ptCount val="1"/>
+                <c:pt idx="0">
+                  <c:v>체중</c:v>
+                </c:pt>
+              </c:strCache>
+            </c:strRef>
+          </c:tx>
+          <c:spPr>
+            <a:ln w="28575" cap="rnd">
+              <a:solidFill>
+                <a:schemeClr val="accent1"/>
+              </a:solidFill>
+              <a:round/>
+            </a:ln>
+            <a:effectLst/>
+          </c:spPr>
+          <c:marker>
+            <c:symbol val="none"/>
+          </c:marker>
+          <c:cat>
+            <c:numRef>
+              <c:f>Sheet1!$A$2:$A$8</c:f>
+              <c:numCache>
+                <c:formatCode>m/d/yyyy</c:formatCode>
+                <c:ptCount val="7"/>
+                <c:pt idx="0">
+                  <c:v>45089</c:v>
+                </c:pt>
+                <c:pt idx="1">
+                  <c:v>45090</c:v>
+                </c:pt>
+                <c:pt idx="2">
+                  <c:v>45091</c:v>
+                </c:pt>
+                <c:pt idx="3">
+                  <c:v>45092</c:v>
+                </c:pt>
+                <c:pt idx="4">
+                  <c:v>45093</c:v>
+                </c:pt>
+                <c:pt idx="5" formatCode="mm&quot;월&quot;\ dd&quot;일&quot;">
+                  <c:v>45094</c:v>
+                </c:pt>
+                <c:pt idx="6">
+                  <c:v>45095</c:v>
+                </c:pt>
+              </c:numCache>
+            </c:numRef>
+          </c:cat>
+          <c:val>
+            <c:numRef>
+              <c:f>Sheet1!$B$2:$B$8</c:f>
+              <c:numCache>
+                <c:formatCode>General</c:formatCode>
+                <c:ptCount val="7"/>
+                <c:pt idx="0">
+                  <c:v>65.3</c:v>
+                </c:pt>
+                <c:pt idx="1">
+                  <c:v>65</c:v>
+                </c:pt>
+                <c:pt idx="2">
+                  <c:v>66</c:v>
+                </c:pt>
+                <c:pt idx="3">
+                  <c:v>65.5</c:v>
+                </c:pt>
+                <c:pt idx="4">
+                  <c:v>65</c:v>
+                </c:pt>
+                <c:pt idx="5">
+                  <c:v>64.8</c:v>
+                </c:pt>
+                <c:pt idx="6">
+                  <c:v>64.5</c:v>
+                </c:pt>
+              </c:numCache>
+            </c:numRef>
+          </c:val>
+          <c:smooth val="0"/>
+          <c:extLst>
+            <c:ext xmlns:c16="http://schemas.microsoft.com/office/drawing/2014/chart" uri="{C3380CC4-5D6E-409C-BE32-E72D297353CC}">
+              <c16:uniqueId val="{00000000-A7EB-4295-BE3E-E4F912520D19}"/>
+            </c:ext>
+          </c:extLst>
+        </c:ser>
+        <c:ser>
+          <c:idx val="1"/>
+          <c:order val="1"/>
+          <c:tx>
+            <c:strRef>
+              <c:f>Sheet1!$C$1</c:f>
+              <c:strCache>
+                <c:ptCount val="1"/>
+                <c:pt idx="0">
+                  <c:v>BMI</c:v>
+                </c:pt>
+              </c:strCache>
+            </c:strRef>
+          </c:tx>
+          <c:spPr>
+            <a:ln w="28575" cap="rnd">
+              <a:solidFill>
+                <a:schemeClr val="accent2"/>
+              </a:solidFill>
+              <a:round/>
+            </a:ln>
+            <a:effectLst/>
+          </c:spPr>
+          <c:marker>
+            <c:symbol val="none"/>
+          </c:marker>
+          <c:cat>
+            <c:numRef>
+              <c:f>Sheet1!$A$2:$A$8</c:f>
+              <c:numCache>
+                <c:formatCode>m/d/yyyy</c:formatCode>
+                <c:ptCount val="7"/>
+                <c:pt idx="0">
+                  <c:v>45089</c:v>
+                </c:pt>
+                <c:pt idx="1">
+                  <c:v>45090</c:v>
+                </c:pt>
+                <c:pt idx="2">
+                  <c:v>45091</c:v>
+                </c:pt>
+                <c:pt idx="3">
+                  <c:v>45092</c:v>
+                </c:pt>
+                <c:pt idx="4">
+                  <c:v>45093</c:v>
+                </c:pt>
+                <c:pt idx="5" formatCode="mm&quot;월&quot;\ dd&quot;일&quot;">
+                  <c:v>45094</c:v>
+                </c:pt>
+                <c:pt idx="6">
+                  <c:v>45095</c:v>
+                </c:pt>
+              </c:numCache>
+            </c:numRef>
+          </c:cat>
+          <c:val>
+            <c:numRef>
+              <c:f>Sheet1!$C$2:$C$8</c:f>
+              <c:numCache>
+                <c:formatCode>General</c:formatCode>
+                <c:ptCount val="7"/>
+              </c:numCache>
+            </c:numRef>
+          </c:val>
+          <c:smooth val="0"/>
+          <c:extLst>
+            <c:ext xmlns:c16="http://schemas.microsoft.com/office/drawing/2014/chart" uri="{C3380CC4-5D6E-409C-BE32-E72D297353CC}">
+              <c16:uniqueId val="{00000001-A7EB-4295-BE3E-E4F912520D19}"/>
+            </c:ext>
+          </c:extLst>
+        </c:ser>
+        <c:dLbls>
+          <c:showLegendKey val="0"/>
+          <c:showVal val="0"/>
+          <c:showCatName val="0"/>
+          <c:showSerName val="0"/>
+          <c:showPercent val="0"/>
+          <c:showBubbleSize val="0"/>
+        </c:dLbls>
+        <c:smooth val="0"/>
+        <c:axId val="1037653391"/>
+        <c:axId val="1037650991"/>
+      </c:lineChart>
+      <c:dateAx>
+        <c:axId val="1037653391"/>
+        <c:scaling>
+          <c:orientation val="minMax"/>
+        </c:scaling>
+        <c:delete val="0"/>
+        <c:axPos val="b"/>
+        <c:numFmt formatCode="m/d/yyyy" sourceLinked="1"/>
+        <c:majorTickMark val="none"/>
+        <c:minorTickMark val="none"/>
+        <c:tickLblPos val="nextTo"/>
+        <c:spPr>
+          <a:noFill/>
+          <a:ln w="9525" cap="flat" cmpd="sng" algn="ctr">
+            <a:solidFill>
+              <a:schemeClr val="tx1">
+                <a:lumMod val="15000"/>
+                <a:lumOff val="85000"/>
+              </a:schemeClr>
+            </a:solidFill>
+            <a:round/>
+          </a:ln>
+          <a:effectLst/>
+        </c:spPr>
+        <c:txPr>
+          <a:bodyPr rot="-60000000" spcFirstLastPara="1" vertOverflow="ellipsis" vert="horz" wrap="square" anchor="ctr" anchorCtr="1"/>
+          <a:lstStyle/>
+          <a:p>
+            <a:pPr>
+              <a:defRPr sz="1197" b="0" i="0" u="none" strike="noStrike" kern="1200" baseline="0">
+                <a:solidFill>
+                  <a:schemeClr val="tx1">
+                    <a:lumMod val="65000"/>
+                    <a:lumOff val="35000"/>
+                  </a:schemeClr>
+                </a:solidFill>
+                <a:latin typeface="+mn-lt"/>
+                <a:ea typeface="+mn-ea"/>
+                <a:cs typeface="+mn-cs"/>
+              </a:defRPr>
+            </a:pPr>
+            <a:endParaRPr lang="ko-KR"/>
+          </a:p>
+        </c:txPr>
+        <c:crossAx val="1037650991"/>
+        <c:crosses val="autoZero"/>
+        <c:auto val="1"/>
+        <c:lblOffset val="100"/>
+        <c:baseTimeUnit val="days"/>
+      </c:dateAx>
+      <c:valAx>
+        <c:axId val="1037650991"/>
+        <c:scaling>
+          <c:orientation val="minMax"/>
+        </c:scaling>
+        <c:delete val="0"/>
+        <c:axPos val="l"/>
+        <c:majorGridlines>
+          <c:spPr>
+            <a:ln w="9525" cap="flat" cmpd="sng" algn="ctr">
+              <a:solidFill>
+                <a:schemeClr val="tx1">
+                  <a:lumMod val="15000"/>
+                  <a:lumOff val="85000"/>
+                </a:schemeClr>
+              </a:solidFill>
+              <a:round/>
+            </a:ln>
+            <a:effectLst/>
+          </c:spPr>
+        </c:majorGridlines>
+        <c:numFmt formatCode="General" sourceLinked="1"/>
+        <c:majorTickMark val="none"/>
+        <c:minorTickMark val="none"/>
+        <c:tickLblPos val="nextTo"/>
+        <c:spPr>
+          <a:noFill/>
+          <a:ln>
+            <a:noFill/>
+          </a:ln>
+          <a:effectLst/>
+        </c:spPr>
+        <c:txPr>
+          <a:bodyPr rot="-60000000" spcFirstLastPara="1" vertOverflow="ellipsis" vert="horz" wrap="square" anchor="ctr" anchorCtr="1"/>
+          <a:lstStyle/>
+          <a:p>
+            <a:pPr>
+              <a:defRPr sz="1197" b="0" i="0" u="none" strike="noStrike" kern="1200" baseline="0">
+                <a:solidFill>
+                  <a:schemeClr val="tx1">
+                    <a:lumMod val="65000"/>
+                    <a:lumOff val="35000"/>
+                  </a:schemeClr>
+                </a:solidFill>
+                <a:latin typeface="+mn-lt"/>
+                <a:ea typeface="+mn-ea"/>
+                <a:cs typeface="+mn-cs"/>
+              </a:defRPr>
+            </a:pPr>
+            <a:endParaRPr lang="ko-KR"/>
+          </a:p>
+        </c:txPr>
+        <c:crossAx val="1037653391"/>
+        <c:crosses val="autoZero"/>
+        <c:crossBetween val="between"/>
+      </c:valAx>
+      <c:spPr>
+        <a:noFill/>
+        <a:ln>
+          <a:noFill/>
+        </a:ln>
+        <a:effectLst/>
+      </c:spPr>
+    </c:plotArea>
+    <c:legend>
+      <c:legendPos val="b"/>
+      <c:overlay val="0"/>
+      <c:spPr>
+        <a:noFill/>
+        <a:ln>
+          <a:noFill/>
+        </a:ln>
+        <a:effectLst/>
+      </c:spPr>
+      <c:txPr>
+        <a:bodyPr rot="0" spcFirstLastPara="1" vertOverflow="ellipsis" vert="horz" wrap="square" anchor="ctr" anchorCtr="1"/>
+        <a:lstStyle/>
+        <a:p>
+          <a:pPr>
+            <a:defRPr sz="1197" b="0" i="0" u="none" strike="noStrike" kern="1200" baseline="0">
+              <a:solidFill>
+                <a:schemeClr val="tx1">
+                  <a:lumMod val="65000"/>
+                  <a:lumOff val="35000"/>
+                </a:schemeClr>
+              </a:solidFill>
+              <a:latin typeface="+mn-lt"/>
+              <a:ea typeface="+mn-ea"/>
+              <a:cs typeface="+mn-cs"/>
+            </a:defRPr>
+          </a:pPr>
+          <a:endParaRPr lang="ko-KR"/>
+        </a:p>
+      </c:txPr>
+    </c:legend>
+    <c:plotVisOnly val="1"/>
+    <c:dispBlanksAs val="gap"/>
+    <c:extLst>
+      <c:ext xmlns:c16r3="http://schemas.microsoft.com/office/drawing/2017/03/chart" uri="{56B9EC1D-385E-4148-901F-78D8002777C0}">
+        <c16r3:dataDisplayOptions16>
+          <c16r3:dispNaAsBlank val="1"/>
+        </c16r3:dataDisplayOptions16>
+      </c:ext>
+    </c:extLst>
+    <c:showDLblsOverMax val="0"/>
+  </c:chart>
+  <c:spPr>
+    <a:noFill/>
+    <a:ln>
+      <a:noFill/>
+    </a:ln>
+    <a:effectLst/>
+  </c:spPr>
+  <c:txPr>
+    <a:bodyPr/>
+    <a:lstStyle/>
+    <a:p>
+      <a:pPr>
+        <a:defRPr/>
+      </a:pPr>
+      <a:endParaRPr lang="ko-KR"/>
+    </a:p>
+  </c:txPr>
+  <c:externalData r:id="rId3">
+    <c:autoUpdate val="0"/>
+  </c:externalData>
+</c:chartSpace>
+</file>
+
+<file path=ppt/charts/colors1.xml><?xml version="1.0" encoding="utf-8"?>
+<cs:colorStyle xmlns:cs="http://schemas.microsoft.com/office/drawing/2012/chartStyle" xmlns:a="http://schemas.openxmlformats.org/drawingml/2006/main" meth="cycle" id="10">
+  <a:schemeClr val="accent1"/>
+  <a:schemeClr val="accent2"/>
+  <a:schemeClr val="accent3"/>
+  <a:schemeClr val="accent4"/>
+  <a:schemeClr val="accent5"/>
+  <a:schemeClr val="accent6"/>
+  <cs:variation/>
+  <cs:variation>
+    <a:lumMod val="60000"/>
+  </cs:variation>
+  <cs:variation>
+    <a:lumMod val="80000"/>
+    <a:lumOff val="20000"/>
+  </cs:variation>
+  <cs:variation>
+    <a:lumMod val="80000"/>
+  </cs:variation>
+  <cs:variation>
+    <a:lumMod val="60000"/>
+    <a:lumOff val="40000"/>
+  </cs:variation>
+  <cs:variation>
+    <a:lumMod val="50000"/>
+  </cs:variation>
+  <cs:variation>
+    <a:lumMod val="70000"/>
+    <a:lumOff val="30000"/>
+  </cs:variation>
+  <cs:variation>
+    <a:lumMod val="70000"/>
+  </cs:variation>
+  <cs:variation>
+    <a:lumMod val="50000"/>
+    <a:lumOff val="50000"/>
+  </cs:variation>
+</cs:colorStyle>
+</file>
+
+<file path=ppt/charts/style1.xml><?xml version="1.0" encoding="utf-8"?>
+<cs:chartStyle xmlns:cs="http://schemas.microsoft.com/office/drawing/2012/chartStyle" xmlns:a="http://schemas.openxmlformats.org/drawingml/2006/main" id="227">
+  <cs:axisTitle>
+    <cs:lnRef idx="0"/>
+    <cs:fillRef idx="0"/>
+    <cs:effectRef idx="0"/>
+    <cs:fontRef idx="minor">
+      <a:schemeClr val="tx1">
+        <a:lumMod val="65000"/>
+        <a:lumOff val="35000"/>
+      </a:schemeClr>
+    </cs:fontRef>
+    <cs:defRPr sz="1330" kern="1200"/>
+  </cs:axisTitle>
+  <cs:categoryAxis>
+    <cs:lnRef idx="0"/>
+    <cs:fillRef idx="0"/>
+    <cs:effectRef idx="0"/>
+    <cs:fontRef idx="minor">
+      <a:schemeClr val="tx1">
+        <a:lumMod val="65000"/>
+        <a:lumOff val="35000"/>
+      </a:schemeClr>
+    </cs:fontRef>
+    <cs:spPr>
+      <a:ln w="9525" cap="flat" cmpd="sng" algn="ctr">
+        <a:solidFill>
+          <a:schemeClr val="tx1">
+            <a:lumMod val="15000"/>
+            <a:lumOff val="85000"/>
+          </a:schemeClr>
+        </a:solidFill>
+        <a:round/>
+      </a:ln>
+    </cs:spPr>
+    <cs:defRPr sz="1197" kern="1200"/>
+  </cs:categoryAxis>
+  <cs:chartArea mods="allowNoFillOverride allowNoLineOverride">
+    <cs:lnRef idx="0"/>
+    <cs:fillRef idx="0"/>
+    <cs:effectRef idx="0"/>
+    <cs:fontRef idx="minor">
+      <a:schemeClr val="tx1"/>
+    </cs:fontRef>
+    <cs:spPr>
+      <a:solidFill>
+        <a:schemeClr val="bg1"/>
+      </a:solidFill>
+      <a:ln w="9525" cap="flat" cmpd="sng" algn="ctr">
+        <a:solidFill>
+          <a:schemeClr val="tx1">
+            <a:lumMod val="15000"/>
+            <a:lumOff val="85000"/>
+          </a:schemeClr>
+        </a:solidFill>
+        <a:round/>
+      </a:ln>
+    </cs:spPr>
+    <cs:defRPr sz="1330" kern="1200"/>
+  </cs:chartArea>
+  <cs:dataLabel>
+    <cs:lnRef idx="0"/>
+    <cs:fillRef idx="0"/>
+    <cs:effectRef idx="0"/>
+    <cs:fontRef idx="minor">
+      <a:schemeClr val="tx1">
+        <a:lumMod val="75000"/>
+        <a:lumOff val="25000"/>
+      </a:schemeClr>
+    </cs:fontRef>
+    <cs:defRPr sz="1197" kern="1200"/>
+  </cs:dataLabel>
+  <cs:dataLabelCallout>
+    <cs:lnRef idx="0"/>
+    <cs:fillRef idx="0"/>
+    <cs:effectRef idx="0"/>
+    <cs:fontRef idx="minor">
+      <a:schemeClr val="dk1">
+        <a:lumMod val="65000"/>
+        <a:lumOff val="35000"/>
+      </a:schemeClr>
+    </cs:fontRef>
+    <cs:spPr>
+      <a:solidFill>
+        <a:schemeClr val="lt1"/>
+      </a:solidFill>
+      <a:ln>
+        <a:solidFill>
+          <a:schemeClr val="dk1">
+            <a:lumMod val="25000"/>
+            <a:lumOff val="75000"/>
+          </a:schemeClr>
+        </a:solidFill>
+      </a:ln>
+    </cs:spPr>
+    <cs:defRPr sz="1197" kern="1200"/>
+    <cs:bodyPr rot="0" spcFirstLastPara="1" vertOverflow="clip" horzOverflow="clip" vert="horz" wrap="square" lIns="36576" tIns="18288" rIns="36576" bIns="18288" anchor="ctr" anchorCtr="1">
+      <a:spAutoFit/>
+    </cs:bodyPr>
+  </cs:dataLabelCallout>
+  <cs:dataPoint>
+    <cs:lnRef idx="0"/>
+    <cs:fillRef idx="1">
+      <cs:styleClr val="auto"/>
+    </cs:fillRef>
+    <cs:effectRef idx="0"/>
+    <cs:fontRef idx="minor">
+      <a:schemeClr val="tx1"/>
+    </cs:fontRef>
+    <cs:spPr>
+      <a:solidFill>
+        <a:schemeClr val="phClr"/>
+      </a:solidFill>
+    </cs:spPr>
+  </cs:dataPoint>
+  <cs:dataPoint3D>
+    <cs:lnRef idx="0"/>
+    <cs:fillRef idx="1">
+      <cs:styleClr val="auto"/>
+    </cs:fillRef>
+    <cs:effectRef idx="0"/>
+    <cs:fontRef idx="minor">
+      <a:schemeClr val="tx1"/>
+    </cs:fontRef>
+    <cs:spPr>
+      <a:solidFill>
+        <a:schemeClr val="phClr"/>
+      </a:solidFill>
+    </cs:spPr>
+  </cs:dataPoint3D>
+  <cs:dataPointLine>
+    <cs:lnRef idx="0">
+      <cs:styleClr val="auto"/>
+    </cs:lnRef>
+    <cs:fillRef idx="1"/>
+    <cs:effectRef idx="0"/>
+    <cs:fontRef idx="minor">
+      <a:schemeClr val="tx1"/>
+    </cs:fontRef>
+    <cs:spPr>
+      <a:ln w="28575" cap="rnd">
+        <a:solidFill>
+          <a:schemeClr val="phClr"/>
+        </a:solidFill>
+        <a:round/>
+      </a:ln>
+    </cs:spPr>
+  </cs:dataPointLine>
+  <cs:dataPointMarker>
+    <cs:lnRef idx="0">
+      <cs:styleClr val="auto"/>
+    </cs:lnRef>
+    <cs:fillRef idx="1">
+      <cs:styleClr val="auto"/>
+    </cs:fillRef>
+    <cs:effectRef idx="0"/>
+    <cs:fontRef idx="minor">
+      <a:schemeClr val="tx1"/>
+    </cs:fontRef>
+    <cs:spPr>
+      <a:solidFill>
+        <a:schemeClr val="phClr"/>
+      </a:solidFill>
+      <a:ln w="9525">
+        <a:solidFill>
+          <a:schemeClr val="phClr"/>
+        </a:solidFill>
+      </a:ln>
+    </cs:spPr>
+  </cs:dataPointMarker>
+  <cs:dataPointMarkerLayout symbol="circle" size="5"/>
+  <cs:dataPointWireframe>
+    <cs:lnRef idx="0">
+      <cs:styleClr val="auto"/>
+    </cs:lnRef>
+    <cs:fillRef idx="1"/>
+    <cs:effectRef idx="0"/>
+    <cs:fontRef idx="minor">
+      <a:schemeClr val="tx1"/>
+    </cs:fontRef>
+    <cs:spPr>
+      <a:ln w="9525" cap="rnd">
+        <a:solidFill>
+          <a:schemeClr val="phClr"/>
+        </a:solidFill>
+        <a:round/>
+      </a:ln>
+    </cs:spPr>
+  </cs:dataPointWireframe>
+  <cs:dataTable>
+    <cs:lnRef idx="0"/>
+    <cs:fillRef idx="0"/>
+    <cs:effectRef idx="0"/>
+    <cs:fontRef idx="minor">
+      <a:schemeClr val="tx1">
+        <a:lumMod val="65000"/>
+        <a:lumOff val="35000"/>
+      </a:schemeClr>
+    </cs:fontRef>
+    <cs:spPr>
+      <a:noFill/>
+      <a:ln w="9525" cap="flat" cmpd="sng" algn="ctr">
+        <a:solidFill>
+          <a:schemeClr val="tx1">
+            <a:lumMod val="15000"/>
+            <a:lumOff val="85000"/>
+          </a:schemeClr>
+        </a:solidFill>
+        <a:round/>
+      </a:ln>
+    </cs:spPr>
+    <cs:defRPr sz="1197" kern="1200"/>
+  </cs:dataTable>
+  <cs:downBar>
+    <cs:lnRef idx="0"/>
+    <cs:fillRef idx="0"/>
+    <cs:effectRef idx="0"/>
+    <cs:fontRef idx="minor">
+      <a:schemeClr val="dk1"/>
+    </cs:fontRef>
+    <cs:spPr>
+      <a:solidFill>
+        <a:schemeClr val="dk1">
+          <a:lumMod val="65000"/>
+          <a:lumOff val="35000"/>
+        </a:schemeClr>
+      </a:solidFill>
+      <a:ln w="9525">
+        <a:solidFill>
+          <a:schemeClr val="tx1">
+            <a:lumMod val="65000"/>
+            <a:lumOff val="35000"/>
+          </a:schemeClr>
+        </a:solidFill>
+      </a:ln>
+    </cs:spPr>
+  </cs:downBar>
+  <cs:dropLine>
+    <cs:lnRef idx="0"/>
+    <cs:fillRef idx="0"/>
+    <cs:effectRef idx="0"/>
+    <cs:fontRef idx="minor">
+      <a:schemeClr val="tx1"/>
+    </cs:fontRef>
+    <cs:spPr>
+      <a:ln w="9525" cap="flat" cmpd="sng" algn="ctr">
+        <a:solidFill>
+          <a:schemeClr val="tx1">
+            <a:lumMod val="35000"/>
+            <a:lumOff val="65000"/>
+          </a:schemeClr>
+        </a:solidFill>
+        <a:round/>
+      </a:ln>
+    </cs:spPr>
+  </cs:dropLine>
+  <cs:errorBar>
+    <cs:lnRef idx="0"/>
+    <cs:fillRef idx="0"/>
+    <cs:effectRef idx="0"/>
+    <cs:fontRef idx="minor">
+      <a:schemeClr val="tx1"/>
+    </cs:fontRef>
+    <cs:spPr>
+      <a:ln w="9525" cap="flat" cmpd="sng" algn="ctr">
+        <a:solidFill>
+          <a:schemeClr val="tx1">
+            <a:lumMod val="65000"/>
+            <a:lumOff val="35000"/>
+          </a:schemeClr>
+        </a:solidFill>
+        <a:round/>
+      </a:ln>
+    </cs:spPr>
+  </cs:errorBar>
+  <cs:floor>
+    <cs:lnRef idx="0"/>
+    <cs:fillRef idx="0"/>
+    <cs:effectRef idx="0"/>
+    <cs:fontRef idx="minor">
+      <a:schemeClr val="tx1"/>
+    </cs:fontRef>
+    <cs:spPr>
+      <a:noFill/>
+      <a:ln>
+        <a:noFill/>
+      </a:ln>
+    </cs:spPr>
+  </cs:floor>
+  <cs:gridlineMajor>
+    <cs:lnRef idx="0"/>
+    <cs:fillRef idx="0"/>
+    <cs:effectRef idx="0"/>
+    <cs:fontRef idx="minor">
+      <a:schemeClr val="tx1"/>
+    </cs:fontRef>
+    <cs:spPr>
+      <a:ln w="9525" cap="flat" cmpd="sng" algn="ctr">
+        <a:solidFill>
+          <a:schemeClr val="tx1">
+            <a:lumMod val="15000"/>
+            <a:lumOff val="85000"/>
+          </a:schemeClr>
+        </a:solidFill>
+        <a:round/>
+      </a:ln>
+    </cs:spPr>
+  </cs:gridlineMajor>
+  <cs:gridlineMinor>
+    <cs:lnRef idx="0"/>
+    <cs:fillRef idx="0"/>
+    <cs:effectRef idx="0"/>
+    <cs:fontRef idx="minor">
+      <a:schemeClr val="tx1"/>
+    </cs:fontRef>
+    <cs:spPr>
+      <a:ln w="9525" cap="flat" cmpd="sng" algn="ctr">
+        <a:solidFill>
+          <a:schemeClr val="tx1">
+            <a:lumMod val="5000"/>
+            <a:lumOff val="95000"/>
+          </a:schemeClr>
+        </a:solidFill>
+        <a:round/>
+      </a:ln>
+    </cs:spPr>
+  </cs:gridlineMinor>
+  <cs:hiLoLine>
+    <cs:lnRef idx="0"/>
+    <cs:fillRef idx="0"/>
+    <cs:effectRef idx="0"/>
+    <cs:fontRef idx="minor">
+      <a:schemeClr val="tx1"/>
+    </cs:fontRef>
+    <cs:spPr>
+      <a:ln w="9525" cap="flat" cmpd="sng" algn="ctr">
+        <a:solidFill>
+          <a:schemeClr val="tx1">
+            <a:lumMod val="75000"/>
+            <a:lumOff val="25000"/>
+          </a:schemeClr>
+        </a:solidFill>
+        <a:round/>
+      </a:ln>
+    </cs:spPr>
+  </cs:hiLoLine>
+  <cs:leaderLine>
+    <cs:lnRef idx="0"/>
+    <cs:fillRef idx="0"/>
+    <cs:effectRef idx="0"/>
+    <cs:fontRef idx="minor">
+      <a:schemeClr val="tx1"/>
+    </cs:fontRef>
+    <cs:spPr>
+      <a:ln w="9525" cap="flat" cmpd="sng" algn="ctr">
+        <a:solidFill>
+          <a:schemeClr val="tx1">
+            <a:lumMod val="35000"/>
+            <a:lumOff val="65000"/>
+          </a:schemeClr>
+        </a:solidFill>
+        <a:round/>
+      </a:ln>
+    </cs:spPr>
+  </cs:leaderLine>
+  <cs:legend>
+    <cs:lnRef idx="0"/>
+    <cs:fillRef idx="0"/>
+    <cs:effectRef idx="0"/>
+    <cs:fontRef idx="minor">
+      <a:schemeClr val="tx1">
+        <a:lumMod val="65000"/>
+        <a:lumOff val="35000"/>
+      </a:schemeClr>
+    </cs:fontRef>
+    <cs:defRPr sz="1197" kern="1200"/>
+  </cs:legend>
+  <cs:plotArea mods="allowNoFillOverride allowNoLineOverride">
+    <cs:lnRef idx="0"/>
+    <cs:fillRef idx="0"/>
+    <cs:effectRef idx="0"/>
+    <cs:fontRef idx="minor">
+      <a:schemeClr val="tx1"/>
+    </cs:fontRef>
+  </cs:plotArea>
+  <cs:plotArea3D mods="allowNoFillOverride allowNoLineOverride">
+    <cs:lnRef idx="0"/>
+    <cs:fillRef idx="0"/>
+    <cs:effectRef idx="0"/>
+    <cs:fontRef idx="minor">
+      <a:schemeClr val="tx1"/>
+    </cs:fontRef>
+  </cs:plotArea3D>
+  <cs:seriesAxis>
+    <cs:lnRef idx="0"/>
+    <cs:fillRef idx="0"/>
+    <cs:effectRef idx="0"/>
+    <cs:fontRef idx="minor">
+      <a:schemeClr val="tx1">
+        <a:lumMod val="65000"/>
+        <a:lumOff val="35000"/>
+      </a:schemeClr>
+    </cs:fontRef>
+    <cs:defRPr sz="1197" kern="1200"/>
+  </cs:seriesAxis>
+  <cs:seriesLine>
+    <cs:lnRef idx="0"/>
+    <cs:fillRef idx="0"/>
+    <cs:effectRef idx="0"/>
+    <cs:fontRef idx="minor">
+      <a:schemeClr val="tx1"/>
+    </cs:fontRef>
+    <cs:spPr>
+      <a:ln w="9525" cap="flat" cmpd="sng" algn="ctr">
+        <a:solidFill>
+          <a:schemeClr val="tx1">
+            <a:lumMod val="35000"/>
+            <a:lumOff val="65000"/>
+          </a:schemeClr>
+        </a:solidFill>
+        <a:round/>
+      </a:ln>
+    </cs:spPr>
+  </cs:seriesLine>
+  <cs:title>
+    <cs:lnRef idx="0"/>
+    <cs:fillRef idx="0"/>
+    <cs:effectRef idx="0"/>
+    <cs:fontRef idx="minor">
+      <a:schemeClr val="tx1">
+        <a:lumMod val="65000"/>
+        <a:lumOff val="35000"/>
+      </a:schemeClr>
+    </cs:fontRef>
+    <cs:defRPr sz="1862" b="0" kern="1200" spc="0" baseline="0"/>
+  </cs:title>
+  <cs:trendline>
+    <cs:lnRef idx="0">
+      <cs:styleClr val="auto"/>
+    </cs:lnRef>
+    <cs:fillRef idx="0"/>
+    <cs:effectRef idx="0"/>
+    <cs:fontRef idx="minor">
+      <a:schemeClr val="tx1"/>
+    </cs:fontRef>
+    <cs:spPr>
+      <a:ln w="19050" cap="rnd">
+        <a:solidFill>
+          <a:schemeClr val="phClr"/>
+        </a:solidFill>
+        <a:prstDash val="sysDot"/>
+      </a:ln>
+    </cs:spPr>
+  </cs:trendline>
+  <cs:trendlineLabel>
+    <cs:lnRef idx="0"/>
+    <cs:fillRef idx="0"/>
+    <cs:effectRef idx="0"/>
+    <cs:fontRef idx="minor">
+      <a:schemeClr val="tx1">
+        <a:lumMod val="65000"/>
+        <a:lumOff val="35000"/>
+      </a:schemeClr>
+    </cs:fontRef>
+    <cs:defRPr sz="1197" kern="1200"/>
+  </cs:trendlineLabel>
+  <cs:upBar>
+    <cs:lnRef idx="0"/>
+    <cs:fillRef idx="0"/>
+    <cs:effectRef idx="0"/>
+    <cs:fontRef idx="minor">
+      <a:schemeClr val="dk1"/>
+    </cs:fontRef>
+    <cs:spPr>
+      <a:solidFill>
+        <a:schemeClr val="lt1"/>
+      </a:solidFill>
+      <a:ln w="9525">
+        <a:solidFill>
+          <a:schemeClr val="tx1">
+            <a:lumMod val="15000"/>
+            <a:lumOff val="85000"/>
+          </a:schemeClr>
+        </a:solidFill>
+      </a:ln>
+    </cs:spPr>
+  </cs:upBar>
+  <cs:valueAxis>
+    <cs:lnRef idx="0"/>
+    <cs:fillRef idx="0"/>
+    <cs:effectRef idx="0"/>
+    <cs:fontRef idx="minor">
+      <a:schemeClr val="tx1">
+        <a:lumMod val="65000"/>
+        <a:lumOff val="35000"/>
+      </a:schemeClr>
+    </cs:fontRef>
+    <cs:defRPr sz="1197" kern="1200"/>
+  </cs:valueAxis>
+  <cs:wall>
+    <cs:lnRef idx="0"/>
+    <cs:fillRef idx="0"/>
+    <cs:effectRef idx="0"/>
+    <cs:fontRef idx="minor">
+      <a:schemeClr val="tx1"/>
+    </cs:fontRef>
+    <cs:spPr>
+      <a:noFill/>
+      <a:ln>
+        <a:noFill/>
+      </a:ln>
+    </cs:spPr>
+  </cs:wall>
+</cs:chartStyle>
+</file>
+
 <file path=ppt/slideLayouts/slideLayout1.xml><?xml version="1.0" encoding="utf-8"?>
 <p:sldLayout xmlns:a="http://schemas.openxmlformats.org/drawingml/2006/main" xmlns:r="http://schemas.openxmlformats.org/officeDocument/2006/relationships" xmlns:p="http://schemas.openxmlformats.org/presentationml/2006/main" type="title" preserve="1">
   <p:cSld name="제목 슬라이드">
@@ -261,7 +1226,7 @@
           <a:p>
             <a:fld id="{C488945D-0AD1-4081-B87C-734B2B0C127B}" type="datetimeFigureOut">
               <a:rPr lang="ko-KR" altLang="en-US" smtClean="0"/>
-              <a:t>2024-11-18</a:t>
+              <a:t>2024-11-19</a:t>
             </a:fld>
             <a:endParaRPr lang="ko-KR" altLang="en-US"/>
           </a:p>
@@ -459,7 +1424,7 @@
           <a:p>
             <a:fld id="{C488945D-0AD1-4081-B87C-734B2B0C127B}" type="datetimeFigureOut">
               <a:rPr lang="ko-KR" altLang="en-US" smtClean="0"/>
-              <a:t>2024-11-18</a:t>
+              <a:t>2024-11-19</a:t>
             </a:fld>
             <a:endParaRPr lang="ko-KR" altLang="en-US"/>
           </a:p>
@@ -667,7 +1632,7 @@
           <a:p>
             <a:fld id="{C488945D-0AD1-4081-B87C-734B2B0C127B}" type="datetimeFigureOut">
               <a:rPr lang="ko-KR" altLang="en-US" smtClean="0"/>
-              <a:t>2024-11-18</a:t>
+              <a:t>2024-11-19</a:t>
             </a:fld>
             <a:endParaRPr lang="ko-KR" altLang="en-US"/>
           </a:p>
@@ -865,7 +1830,7 @@
           <a:p>
             <a:fld id="{C488945D-0AD1-4081-B87C-734B2B0C127B}" type="datetimeFigureOut">
               <a:rPr lang="ko-KR" altLang="en-US" smtClean="0"/>
-              <a:t>2024-11-18</a:t>
+              <a:t>2024-11-19</a:t>
             </a:fld>
             <a:endParaRPr lang="ko-KR" altLang="en-US"/>
           </a:p>
@@ -1140,7 +2105,7 @@
           <a:p>
             <a:fld id="{C488945D-0AD1-4081-B87C-734B2B0C127B}" type="datetimeFigureOut">
               <a:rPr lang="ko-KR" altLang="en-US" smtClean="0"/>
-              <a:t>2024-11-18</a:t>
+              <a:t>2024-11-19</a:t>
             </a:fld>
             <a:endParaRPr lang="ko-KR" altLang="en-US"/>
           </a:p>
@@ -1405,7 +2370,7 @@
           <a:p>
             <a:fld id="{C488945D-0AD1-4081-B87C-734B2B0C127B}" type="datetimeFigureOut">
               <a:rPr lang="ko-KR" altLang="en-US" smtClean="0"/>
-              <a:t>2024-11-18</a:t>
+              <a:t>2024-11-19</a:t>
             </a:fld>
             <a:endParaRPr lang="ko-KR" altLang="en-US"/>
           </a:p>
@@ -1817,7 +2782,7 @@
           <a:p>
             <a:fld id="{C488945D-0AD1-4081-B87C-734B2B0C127B}" type="datetimeFigureOut">
               <a:rPr lang="ko-KR" altLang="en-US" smtClean="0"/>
-              <a:t>2024-11-18</a:t>
+              <a:t>2024-11-19</a:t>
             </a:fld>
             <a:endParaRPr lang="ko-KR" altLang="en-US"/>
           </a:p>
@@ -1958,7 +2923,7 @@
           <a:p>
             <a:fld id="{C488945D-0AD1-4081-B87C-734B2B0C127B}" type="datetimeFigureOut">
               <a:rPr lang="ko-KR" altLang="en-US" smtClean="0"/>
-              <a:t>2024-11-18</a:t>
+              <a:t>2024-11-19</a:t>
             </a:fld>
             <a:endParaRPr lang="ko-KR" altLang="en-US"/>
           </a:p>
@@ -2071,7 +3036,7 @@
           <a:p>
             <a:fld id="{C488945D-0AD1-4081-B87C-734B2B0C127B}" type="datetimeFigureOut">
               <a:rPr lang="ko-KR" altLang="en-US" smtClean="0"/>
-              <a:t>2024-11-18</a:t>
+              <a:t>2024-11-19</a:t>
             </a:fld>
             <a:endParaRPr lang="ko-KR" altLang="en-US"/>
           </a:p>
@@ -2382,7 +3347,7 @@
           <a:p>
             <a:fld id="{C488945D-0AD1-4081-B87C-734B2B0C127B}" type="datetimeFigureOut">
               <a:rPr lang="ko-KR" altLang="en-US" smtClean="0"/>
-              <a:t>2024-11-18</a:t>
+              <a:t>2024-11-19</a:t>
             </a:fld>
             <a:endParaRPr lang="ko-KR" altLang="en-US"/>
           </a:p>
@@ -2670,7 +3635,7 @@
           <a:p>
             <a:fld id="{C488945D-0AD1-4081-B87C-734B2B0C127B}" type="datetimeFigureOut">
               <a:rPr lang="ko-KR" altLang="en-US" smtClean="0"/>
-              <a:t>2024-11-18</a:t>
+              <a:t>2024-11-19</a:t>
             </a:fld>
             <a:endParaRPr lang="ko-KR" altLang="en-US"/>
           </a:p>
@@ -2911,7 +3876,7 @@
           <a:p>
             <a:fld id="{C488945D-0AD1-4081-B87C-734B2B0C127B}" type="datetimeFigureOut">
               <a:rPr lang="ko-KR" altLang="en-US" smtClean="0"/>
-              <a:t>2024-11-18</a:t>
+              <a:t>2024-11-19</a:t>
             </a:fld>
             <a:endParaRPr lang="ko-KR" altLang="en-US"/>
           </a:p>
@@ -3389,8 +4354,8 @@
         </p:nvSpPr>
         <p:spPr>
           <a:xfrm>
-            <a:off x="1571854" y="775855"/>
-            <a:ext cx="1963999" cy="369332"/>
+            <a:off x="1843561" y="775855"/>
+            <a:ext cx="1420582" cy="369332"/>
           </a:xfrm>
           <a:prstGeom prst="rect">
             <a:avLst/>
@@ -3404,9 +4369,10 @@
           <a:lstStyle/>
           <a:p>
             <a:r>
-              <a:rPr lang="ko-KR" altLang="en-US" dirty="0"/>
-              <a:t>몸무게 통계 정리</a:t>
-            </a:r>
+              <a:rPr lang="ko-KR" altLang="en-US"/>
+              <a:t>프로필 작성</a:t>
+            </a:r>
+            <a:endParaRPr lang="ko-KR" altLang="en-US" dirty="0"/>
           </a:p>
         </p:txBody>
       </p:sp>
@@ -3441,6 +4407,592 @@
             <a:pPr algn="ctr"/>
             <a:r>
               <a:rPr lang="ko-KR" altLang="en-US" dirty="0"/>
+              <a:t>어플 첫 </a:t>
+            </a:r>
+            <a:r>
+              <a:rPr lang="ko-KR" altLang="en-US" dirty="0" err="1"/>
+              <a:t>실행시</a:t>
+            </a:r>
+            <a:r>
+              <a:rPr lang="ko-KR" altLang="en-US" dirty="0"/>
+              <a:t> 프로필작성창 띄우기</a:t>
+            </a:r>
+            <a:endParaRPr lang="en-US" altLang="ko-KR" dirty="0"/>
+          </a:p>
+          <a:p>
+            <a:pPr algn="ctr"/>
+            <a:endParaRPr lang="en-US" altLang="ko-KR" dirty="0"/>
+          </a:p>
+          <a:p>
+            <a:pPr algn="ctr"/>
+            <a:r>
+              <a:rPr lang="ko-KR" altLang="en-US" dirty="0"/>
+              <a:t>키</a:t>
+            </a:r>
+            <a:r>
+              <a:rPr lang="en-US" altLang="ko-KR" dirty="0"/>
+              <a:t>(Cm)</a:t>
+            </a:r>
+          </a:p>
+          <a:p>
+            <a:pPr algn="ctr"/>
+            <a:r>
+              <a:rPr lang="ko-KR" altLang="en-US" dirty="0"/>
+              <a:t>체중</a:t>
+            </a:r>
+            <a:r>
+              <a:rPr lang="en-US" altLang="ko-KR" dirty="0"/>
+              <a:t>(Kg)</a:t>
+            </a:r>
+          </a:p>
+          <a:p>
+            <a:pPr algn="ctr"/>
+            <a:r>
+              <a:rPr lang="ko-KR" altLang="en-US" dirty="0"/>
+              <a:t>나이</a:t>
+            </a:r>
+            <a:r>
+              <a:rPr lang="en-US" altLang="ko-KR" dirty="0"/>
+              <a:t>?</a:t>
+            </a:r>
+          </a:p>
+          <a:p>
+            <a:pPr algn="ctr"/>
+            <a:endParaRPr lang="en-US" altLang="ko-KR" dirty="0"/>
+          </a:p>
+          <a:p>
+            <a:pPr algn="ctr"/>
+            <a:r>
+              <a:rPr lang="ko-KR" altLang="en-US" dirty="0"/>
+              <a:t>최근 생리일</a:t>
+            </a:r>
+            <a:endParaRPr lang="en-US" altLang="ko-KR" dirty="0"/>
+          </a:p>
+          <a:p>
+            <a:pPr algn="ctr"/>
+            <a:r>
+              <a:rPr lang="ko-KR" altLang="en-US" dirty="0"/>
+              <a:t>최근 생리기간</a:t>
+            </a:r>
+            <a:endParaRPr lang="en-US" altLang="ko-KR" dirty="0"/>
+          </a:p>
+          <a:p>
+            <a:pPr algn="ctr"/>
+            <a:endParaRPr lang="en-US" altLang="ko-KR" dirty="0"/>
+          </a:p>
+          <a:p>
+            <a:pPr algn="ctr"/>
+            <a:endParaRPr lang="en-US" altLang="ko-KR" dirty="0"/>
+          </a:p>
+        </p:txBody>
+      </p:sp>
+      <p:sp>
+        <p:nvSpPr>
+          <p:cNvPr id="2" name="TextBox 1">
+            <a:extLst>
+              <a:ext uri="{FF2B5EF4-FFF2-40B4-BE49-F238E27FC236}">
+                <a16:creationId xmlns:a16="http://schemas.microsoft.com/office/drawing/2014/main" id="{38AD293F-AF41-28BA-9D0E-E54932BA8C10}"/>
+              </a:ext>
+            </a:extLst>
+          </p:cNvPr>
+          <p:cNvSpPr txBox="1"/>
+          <p:nvPr/>
+        </p:nvSpPr>
+        <p:spPr>
+          <a:xfrm>
+            <a:off x="1152939" y="1441174"/>
+            <a:ext cx="906017" cy="369332"/>
+          </a:xfrm>
+          <a:prstGeom prst="rect">
+            <a:avLst/>
+          </a:prstGeom>
+          <a:noFill/>
+        </p:spPr>
+        <p:txBody>
+          <a:bodyPr wrap="none" rtlCol="0">
+            <a:spAutoFit/>
+          </a:bodyPr>
+          <a:lstStyle/>
+          <a:p>
+            <a:r>
+              <a:rPr lang="ko-KR" altLang="en-US" dirty="0"/>
+              <a:t>키</a:t>
+            </a:r>
+            <a:r>
+              <a:rPr lang="en-US" altLang="ko-KR" dirty="0"/>
+              <a:t>(Cm)</a:t>
+            </a:r>
+            <a:endParaRPr lang="ko-KR" altLang="en-US" dirty="0"/>
+          </a:p>
+        </p:txBody>
+      </p:sp>
+      <p:sp>
+        <p:nvSpPr>
+          <p:cNvPr id="3" name="TextBox 2">
+            <a:extLst>
+              <a:ext uri="{FF2B5EF4-FFF2-40B4-BE49-F238E27FC236}">
+                <a16:creationId xmlns:a16="http://schemas.microsoft.com/office/drawing/2014/main" id="{41C78C66-5417-BB55-EDF6-81820996965F}"/>
+              </a:ext>
+            </a:extLst>
+          </p:cNvPr>
+          <p:cNvSpPr txBox="1"/>
+          <p:nvPr/>
+        </p:nvSpPr>
+        <p:spPr>
+          <a:xfrm>
+            <a:off x="1152938" y="2207016"/>
+            <a:ext cx="1059842" cy="369332"/>
+          </a:xfrm>
+          <a:prstGeom prst="rect">
+            <a:avLst/>
+          </a:prstGeom>
+          <a:noFill/>
+        </p:spPr>
+        <p:txBody>
+          <a:bodyPr wrap="none" rtlCol="0">
+            <a:spAutoFit/>
+          </a:bodyPr>
+          <a:lstStyle/>
+          <a:p>
+            <a:r>
+              <a:rPr lang="ko-KR" altLang="en-US" dirty="0"/>
+              <a:t>체중</a:t>
+            </a:r>
+            <a:r>
+              <a:rPr lang="en-US" altLang="ko-KR" dirty="0"/>
+              <a:t>(Kg)</a:t>
+            </a:r>
+            <a:endParaRPr lang="ko-KR" altLang="en-US" dirty="0"/>
+          </a:p>
+        </p:txBody>
+      </p:sp>
+      <p:sp>
+        <p:nvSpPr>
+          <p:cNvPr id="5" name="직사각형 4">
+            <a:extLst>
+              <a:ext uri="{FF2B5EF4-FFF2-40B4-BE49-F238E27FC236}">
+                <a16:creationId xmlns:a16="http://schemas.microsoft.com/office/drawing/2014/main" id="{3401ED8C-2B52-1189-7F6F-33F1879BDC2B}"/>
+              </a:ext>
+            </a:extLst>
+          </p:cNvPr>
+          <p:cNvSpPr/>
+          <p:nvPr/>
+        </p:nvSpPr>
+        <p:spPr>
+          <a:xfrm>
+            <a:off x="1341783" y="1810506"/>
+            <a:ext cx="2584174" cy="369332"/>
+          </a:xfrm>
+          <a:prstGeom prst="rect">
+            <a:avLst/>
+          </a:prstGeom>
+        </p:spPr>
+        <p:style>
+          <a:lnRef idx="2">
+            <a:schemeClr val="accent1">
+              <a:shade val="15000"/>
+            </a:schemeClr>
+          </a:lnRef>
+          <a:fillRef idx="1">
+            <a:schemeClr val="accent1"/>
+          </a:fillRef>
+          <a:effectRef idx="0">
+            <a:schemeClr val="accent1"/>
+          </a:effectRef>
+          <a:fontRef idx="minor">
+            <a:schemeClr val="lt1"/>
+          </a:fontRef>
+        </p:style>
+        <p:txBody>
+          <a:bodyPr rtlCol="0" anchor="ctr"/>
+          <a:lstStyle/>
+          <a:p>
+            <a:pPr algn="ctr"/>
+            <a:r>
+              <a:rPr lang="ko-KR" altLang="en-US" dirty="0"/>
+              <a:t>소수점 기입</a:t>
+            </a:r>
+          </a:p>
+        </p:txBody>
+      </p:sp>
+      <p:sp>
+        <p:nvSpPr>
+          <p:cNvPr id="7" name="직사각형 6">
+            <a:extLst>
+              <a:ext uri="{FF2B5EF4-FFF2-40B4-BE49-F238E27FC236}">
+                <a16:creationId xmlns:a16="http://schemas.microsoft.com/office/drawing/2014/main" id="{C169FD27-BA2E-194C-9359-91B6956FB6E2}"/>
+              </a:ext>
+            </a:extLst>
+          </p:cNvPr>
+          <p:cNvSpPr/>
+          <p:nvPr/>
+        </p:nvSpPr>
+        <p:spPr>
+          <a:xfrm>
+            <a:off x="1341783" y="2631828"/>
+            <a:ext cx="2584174" cy="369332"/>
+          </a:xfrm>
+          <a:prstGeom prst="rect">
+            <a:avLst/>
+          </a:prstGeom>
+        </p:spPr>
+        <p:style>
+          <a:lnRef idx="2">
+            <a:schemeClr val="accent1">
+              <a:shade val="15000"/>
+            </a:schemeClr>
+          </a:lnRef>
+          <a:fillRef idx="1">
+            <a:schemeClr val="accent1"/>
+          </a:fillRef>
+          <a:effectRef idx="0">
+            <a:schemeClr val="accent1"/>
+          </a:effectRef>
+          <a:fontRef idx="minor">
+            <a:schemeClr val="lt1"/>
+          </a:fontRef>
+        </p:style>
+        <p:txBody>
+          <a:bodyPr rtlCol="0" anchor="ctr"/>
+          <a:lstStyle/>
+          <a:p>
+            <a:pPr algn="ctr"/>
+            <a:r>
+              <a:rPr lang="ko-KR" altLang="en-US" dirty="0" err="1"/>
+              <a:t>소숫점</a:t>
+            </a:r>
+            <a:r>
+              <a:rPr lang="ko-KR" altLang="en-US" dirty="0"/>
+              <a:t> 기입</a:t>
+            </a:r>
+          </a:p>
+        </p:txBody>
+      </p:sp>
+      <p:sp>
+        <p:nvSpPr>
+          <p:cNvPr id="8" name="TextBox 7">
+            <a:extLst>
+              <a:ext uri="{FF2B5EF4-FFF2-40B4-BE49-F238E27FC236}">
+                <a16:creationId xmlns:a16="http://schemas.microsoft.com/office/drawing/2014/main" id="{6B0BB1E5-C398-D876-D2BF-1EFC02458928}"/>
+              </a:ext>
+            </a:extLst>
+          </p:cNvPr>
+          <p:cNvSpPr txBox="1"/>
+          <p:nvPr/>
+        </p:nvSpPr>
+        <p:spPr>
+          <a:xfrm>
+            <a:off x="1152938" y="3104724"/>
+            <a:ext cx="1882247" cy="369332"/>
+          </a:xfrm>
+          <a:prstGeom prst="rect">
+            <a:avLst/>
+          </a:prstGeom>
+          <a:noFill/>
+        </p:spPr>
+        <p:txBody>
+          <a:bodyPr wrap="none" rtlCol="0">
+            <a:spAutoFit/>
+          </a:bodyPr>
+          <a:lstStyle/>
+          <a:p>
+            <a:r>
+              <a:rPr lang="ko-KR" altLang="en-US" dirty="0"/>
+              <a:t>최근 생리시작일</a:t>
+            </a:r>
+          </a:p>
+        </p:txBody>
+      </p:sp>
+      <p:sp>
+        <p:nvSpPr>
+          <p:cNvPr id="13" name="직사각형 12">
+            <a:extLst>
+              <a:ext uri="{FF2B5EF4-FFF2-40B4-BE49-F238E27FC236}">
+                <a16:creationId xmlns:a16="http://schemas.microsoft.com/office/drawing/2014/main" id="{3A39BEF0-C54A-0E1D-3A7D-A883CB97397F}"/>
+              </a:ext>
+            </a:extLst>
+          </p:cNvPr>
+          <p:cNvSpPr/>
+          <p:nvPr/>
+        </p:nvSpPr>
+        <p:spPr>
+          <a:xfrm>
+            <a:off x="1341783" y="3529535"/>
+            <a:ext cx="2584174" cy="1072281"/>
+          </a:xfrm>
+          <a:prstGeom prst="rect">
+            <a:avLst/>
+          </a:prstGeom>
+        </p:spPr>
+        <p:style>
+          <a:lnRef idx="2">
+            <a:schemeClr val="accent1">
+              <a:shade val="15000"/>
+            </a:schemeClr>
+          </a:lnRef>
+          <a:fillRef idx="1">
+            <a:schemeClr val="accent1"/>
+          </a:fillRef>
+          <a:effectRef idx="0">
+            <a:schemeClr val="accent1"/>
+          </a:effectRef>
+          <a:fontRef idx="minor">
+            <a:schemeClr val="lt1"/>
+          </a:fontRef>
+        </p:style>
+        <p:txBody>
+          <a:bodyPr rtlCol="0" anchor="ctr"/>
+          <a:lstStyle/>
+          <a:p>
+            <a:pPr algn="ctr"/>
+            <a:r>
+              <a:rPr lang="ko-KR" altLang="en-US" dirty="0"/>
+              <a:t>날짜 지정</a:t>
+            </a:r>
+          </a:p>
+        </p:txBody>
+      </p:sp>
+      <p:sp>
+        <p:nvSpPr>
+          <p:cNvPr id="18" name="TextBox 17">
+            <a:extLst>
+              <a:ext uri="{FF2B5EF4-FFF2-40B4-BE49-F238E27FC236}">
+                <a16:creationId xmlns:a16="http://schemas.microsoft.com/office/drawing/2014/main" id="{95D586A2-43A6-2111-E54D-8993C8E9D49B}"/>
+              </a:ext>
+            </a:extLst>
+          </p:cNvPr>
+          <p:cNvSpPr txBox="1"/>
+          <p:nvPr/>
+        </p:nvSpPr>
+        <p:spPr>
+          <a:xfrm>
+            <a:off x="1186543" y="4807348"/>
+            <a:ext cx="2023311" cy="369332"/>
+          </a:xfrm>
+          <a:prstGeom prst="rect">
+            <a:avLst/>
+          </a:prstGeom>
+          <a:noFill/>
+        </p:spPr>
+        <p:txBody>
+          <a:bodyPr wrap="none" rtlCol="0">
+            <a:spAutoFit/>
+          </a:bodyPr>
+          <a:lstStyle/>
+          <a:p>
+            <a:r>
+              <a:rPr lang="ko-KR" altLang="en-US" dirty="0"/>
+              <a:t>최근 생리기간</a:t>
+            </a:r>
+            <a:r>
+              <a:rPr lang="en-US" altLang="ko-KR" dirty="0"/>
+              <a:t>(</a:t>
+            </a:r>
+            <a:r>
+              <a:rPr lang="ko-KR" altLang="en-US" dirty="0"/>
+              <a:t>일</a:t>
+            </a:r>
+            <a:r>
+              <a:rPr lang="en-US" altLang="ko-KR" dirty="0"/>
+              <a:t>)</a:t>
+            </a:r>
+            <a:endParaRPr lang="ko-KR" altLang="en-US" dirty="0"/>
+          </a:p>
+        </p:txBody>
+      </p:sp>
+      <p:sp>
+        <p:nvSpPr>
+          <p:cNvPr id="19" name="직사각형 18">
+            <a:extLst>
+              <a:ext uri="{FF2B5EF4-FFF2-40B4-BE49-F238E27FC236}">
+                <a16:creationId xmlns:a16="http://schemas.microsoft.com/office/drawing/2014/main" id="{42C2188F-85CB-7442-6E8C-4EECAAD5BDC4}"/>
+              </a:ext>
+            </a:extLst>
+          </p:cNvPr>
+          <p:cNvSpPr/>
+          <p:nvPr/>
+        </p:nvSpPr>
+        <p:spPr>
+          <a:xfrm>
+            <a:off x="1375388" y="5232160"/>
+            <a:ext cx="2584174" cy="369332"/>
+          </a:xfrm>
+          <a:prstGeom prst="rect">
+            <a:avLst/>
+          </a:prstGeom>
+        </p:spPr>
+        <p:style>
+          <a:lnRef idx="2">
+            <a:schemeClr val="accent1">
+              <a:shade val="15000"/>
+            </a:schemeClr>
+          </a:lnRef>
+          <a:fillRef idx="1">
+            <a:schemeClr val="accent1"/>
+          </a:fillRef>
+          <a:effectRef idx="0">
+            <a:schemeClr val="accent1"/>
+          </a:effectRef>
+          <a:fontRef idx="minor">
+            <a:schemeClr val="lt1"/>
+          </a:fontRef>
+        </p:style>
+        <p:txBody>
+          <a:bodyPr rtlCol="0" anchor="ctr"/>
+          <a:lstStyle/>
+          <a:p>
+            <a:pPr algn="ctr"/>
+            <a:r>
+              <a:rPr lang="ko-KR" altLang="en-US" dirty="0"/>
+              <a:t>정수 기입</a:t>
+            </a:r>
+          </a:p>
+        </p:txBody>
+      </p:sp>
+    </p:spTree>
+    <p:extLst>
+      <p:ext uri="{BB962C8B-B14F-4D97-AF65-F5344CB8AC3E}">
+        <p14:creationId xmlns:p14="http://schemas.microsoft.com/office/powerpoint/2010/main" val="3973514164"/>
+      </p:ext>
+    </p:extLst>
+  </p:cSld>
+  <p:clrMapOvr>
+    <a:masterClrMapping/>
+  </p:clrMapOvr>
+</p:sld>
+</file>
+
+<file path=ppt/slides/slide2.xml><?xml version="1.0" encoding="utf-8"?>
+<p:sld xmlns:a="http://schemas.openxmlformats.org/drawingml/2006/main" xmlns:r="http://schemas.openxmlformats.org/officeDocument/2006/relationships" xmlns:p="http://schemas.openxmlformats.org/presentationml/2006/main">
+  <p:cSld>
+    <p:spTree>
+      <p:nvGrpSpPr>
+        <p:cNvPr id="1" name=""/>
+        <p:cNvGrpSpPr/>
+        <p:nvPr/>
+      </p:nvGrpSpPr>
+      <p:grpSpPr>
+        <a:xfrm>
+          <a:off x="0" y="0"/>
+          <a:ext cx="0" cy="0"/>
+          <a:chOff x="0" y="0"/>
+          <a:chExt cx="0" cy="0"/>
+        </a:xfrm>
+      </p:grpSpPr>
+      <p:sp>
+        <p:nvSpPr>
+          <p:cNvPr id="4" name="직사각형 3">
+            <a:extLst>
+              <a:ext uri="{FF2B5EF4-FFF2-40B4-BE49-F238E27FC236}">
+                <a16:creationId xmlns:a16="http://schemas.microsoft.com/office/drawing/2014/main" id="{D26D1F80-CCBB-BB85-CC7D-3BC1277584FF}"/>
+              </a:ext>
+            </a:extLst>
+          </p:cNvPr>
+          <p:cNvSpPr/>
+          <p:nvPr/>
+        </p:nvSpPr>
+        <p:spPr>
+          <a:xfrm>
+            <a:off x="729673" y="535709"/>
+            <a:ext cx="3648363" cy="5809673"/>
+          </a:xfrm>
+          <a:prstGeom prst="rect">
+            <a:avLst/>
+          </a:prstGeom>
+          <a:noFill/>
+        </p:spPr>
+        <p:style>
+          <a:lnRef idx="2">
+            <a:schemeClr val="accent1">
+              <a:shade val="15000"/>
+            </a:schemeClr>
+          </a:lnRef>
+          <a:fillRef idx="1">
+            <a:schemeClr val="accent1"/>
+          </a:fillRef>
+          <a:effectRef idx="0">
+            <a:schemeClr val="accent1"/>
+          </a:effectRef>
+          <a:fontRef idx="minor">
+            <a:schemeClr val="lt1"/>
+          </a:fontRef>
+        </p:style>
+        <p:txBody>
+          <a:bodyPr rtlCol="0" anchor="ctr"/>
+          <a:lstStyle/>
+          <a:p>
+            <a:pPr algn="ctr"/>
+            <a:endParaRPr lang="ko-KR" altLang="en-US"/>
+          </a:p>
+        </p:txBody>
+      </p:sp>
+      <p:sp>
+        <p:nvSpPr>
+          <p:cNvPr id="9" name="TextBox 8">
+            <a:extLst>
+              <a:ext uri="{FF2B5EF4-FFF2-40B4-BE49-F238E27FC236}">
+                <a16:creationId xmlns:a16="http://schemas.microsoft.com/office/drawing/2014/main" id="{3CAD97F2-58EA-DC78-C3C7-2A80F0F47A9D}"/>
+              </a:ext>
+            </a:extLst>
+          </p:cNvPr>
+          <p:cNvSpPr txBox="1"/>
+          <p:nvPr/>
+        </p:nvSpPr>
+        <p:spPr>
+          <a:xfrm>
+            <a:off x="1843561" y="775855"/>
+            <a:ext cx="1420582" cy="369332"/>
+          </a:xfrm>
+          <a:prstGeom prst="rect">
+            <a:avLst/>
+          </a:prstGeom>
+          <a:noFill/>
+        </p:spPr>
+        <p:txBody>
+          <a:bodyPr wrap="none" rtlCol="0">
+            <a:spAutoFit/>
+          </a:bodyPr>
+          <a:lstStyle/>
+          <a:p>
+            <a:r>
+              <a:rPr lang="ko-KR" altLang="en-US"/>
+              <a:t>몸무게 기록</a:t>
+            </a:r>
+            <a:endParaRPr lang="ko-KR" altLang="en-US" dirty="0"/>
+          </a:p>
+        </p:txBody>
+      </p:sp>
+      <p:sp>
+        <p:nvSpPr>
+          <p:cNvPr id="12" name="TextBox 11">
+            <a:extLst>
+              <a:ext uri="{FF2B5EF4-FFF2-40B4-BE49-F238E27FC236}">
+                <a16:creationId xmlns:a16="http://schemas.microsoft.com/office/drawing/2014/main" id="{BFC70088-9221-DCD7-FF90-7ACFCA4FC815}"/>
+              </a:ext>
+            </a:extLst>
+          </p:cNvPr>
+          <p:cNvSpPr txBox="1"/>
+          <p:nvPr/>
+        </p:nvSpPr>
+        <p:spPr>
+          <a:xfrm>
+            <a:off x="5495636" y="1145187"/>
+            <a:ext cx="6096000" cy="2308324"/>
+          </a:xfrm>
+          <a:prstGeom prst="rect">
+            <a:avLst/>
+          </a:prstGeom>
+          <a:noFill/>
+        </p:spPr>
+        <p:txBody>
+          <a:bodyPr wrap="square">
+            <a:spAutoFit/>
+          </a:bodyPr>
+          <a:lstStyle/>
+          <a:p>
+            <a:pPr algn="ctr"/>
+            <a:r>
+              <a:rPr lang="ko-KR" altLang="en-US" dirty="0"/>
               <a:t>최초 </a:t>
             </a:r>
             <a:r>
@@ -3449,24 +5001,20 @@
             </a:r>
             <a:r>
               <a:rPr lang="ko-KR" altLang="en-US" dirty="0"/>
-              <a:t>칸</a:t>
+              <a:t>칸 </a:t>
+            </a:r>
+            <a:r>
+              <a:rPr lang="en-US" altLang="ko-KR" dirty="0"/>
+              <a:t>– </a:t>
+            </a:r>
+            <a:r>
+              <a:rPr lang="ko-KR" altLang="en-US" dirty="0"/>
+              <a:t>프로필 기록 체중</a:t>
             </a:r>
             <a:endParaRPr lang="en-US" altLang="ko-KR" dirty="0"/>
           </a:p>
           <a:p>
             <a:pPr algn="ctr"/>
-            <a:r>
-              <a:rPr lang="ko-KR" altLang="en-US" dirty="0"/>
-              <a:t>날짜 몸무게 </a:t>
-            </a:r>
-            <a:r>
-              <a:rPr lang="en-US" altLang="ko-KR" dirty="0"/>
-              <a:t>2</a:t>
-            </a:r>
-            <a:r>
-              <a:rPr lang="ko-KR" altLang="en-US" dirty="0" err="1"/>
-              <a:t>개표시</a:t>
-            </a:r>
             <a:endParaRPr lang="en-US" altLang="ko-KR" dirty="0"/>
           </a:p>
           <a:p>
@@ -3487,25 +5035,13 @@
           </a:p>
           <a:p>
             <a:pPr algn="ctr"/>
-            <a:endParaRPr lang="en-US" altLang="ko-KR" dirty="0"/>
-          </a:p>
-          <a:p>
-            <a:pPr algn="ctr"/>
+            <a:r>
+              <a:rPr lang="ko-KR" altLang="en-US" dirty="0"/>
+              <a:t>추가했을 때 날짜기준 오름차순 </a:t>
+            </a:r>
             <a:r>
               <a:rPr lang="ko-KR" altLang="en-US" dirty="0" err="1"/>
-              <a:t>기준키</a:t>
-            </a:r>
-            <a:r>
-              <a:rPr lang="ko-KR" altLang="en-US" dirty="0"/>
-              <a:t> 부분 </a:t>
-            </a:r>
-            <a:r>
-              <a:rPr lang="ko-KR" altLang="en-US" dirty="0" err="1"/>
-              <a:t>터치시</a:t>
-            </a:r>
-            <a:r>
-              <a:rPr lang="ko-KR" altLang="en-US" dirty="0"/>
-              <a:t> 즉시 갱신 가능</a:t>
+              <a:t>자동정렬</a:t>
             </a:r>
             <a:endParaRPr lang="en-US" altLang="ko-KR" dirty="0"/>
           </a:p>
@@ -3536,7 +5072,7 @@
             </a:pPr>
             <a:r>
               <a:rPr lang="ko-KR" altLang="en-US" dirty="0"/>
-              <a:t>삭제하기</a:t>
+              <a:t>편집하기</a:t>
             </a:r>
             <a:endParaRPr lang="en-US" altLang="ko-KR" dirty="0"/>
           </a:p>
@@ -3547,29 +5083,280 @@
             </a:pPr>
             <a:r>
               <a:rPr lang="ko-KR" altLang="en-US" dirty="0"/>
-              <a:t>윗줄 추가하기</a:t>
+              <a:t>삭제하기</a:t>
             </a:r>
             <a:endParaRPr lang="en-US" altLang="ko-KR" dirty="0"/>
           </a:p>
-          <a:p>
-            <a:pPr marL="285750" indent="-285750" algn="ctr">
-              <a:buFontTx/>
-              <a:buChar char="-"/>
-            </a:pPr>
-            <a:r>
-              <a:rPr lang="ko-KR" altLang="en-US" dirty="0"/>
-              <a:t>아랫줄 추가하기</a:t>
-            </a:r>
-            <a:endParaRPr lang="en-US" altLang="ko-KR" dirty="0"/>
+        </p:txBody>
+      </p:sp>
+      <p:sp>
+        <p:nvSpPr>
+          <p:cNvPr id="6" name="직사각형 5">
+            <a:extLst>
+              <a:ext uri="{FF2B5EF4-FFF2-40B4-BE49-F238E27FC236}">
+                <a16:creationId xmlns:a16="http://schemas.microsoft.com/office/drawing/2014/main" id="{77C59278-5162-E2BD-7603-96FA277EBE80}"/>
+              </a:ext>
+            </a:extLst>
+          </p:cNvPr>
+          <p:cNvSpPr/>
+          <p:nvPr/>
+        </p:nvSpPr>
+        <p:spPr>
+          <a:xfrm>
+            <a:off x="737655" y="5744799"/>
+            <a:ext cx="684745" cy="600583"/>
+          </a:xfrm>
+          <a:prstGeom prst="rect">
+            <a:avLst/>
+          </a:prstGeom>
+          <a:solidFill>
+            <a:srgbClr val="00B0F0"/>
+          </a:solidFill>
+        </p:spPr>
+        <p:style>
+          <a:lnRef idx="2">
+            <a:schemeClr val="accent1">
+              <a:shade val="15000"/>
+            </a:schemeClr>
+          </a:lnRef>
+          <a:fillRef idx="1">
+            <a:schemeClr val="accent1"/>
+          </a:fillRef>
+          <a:effectRef idx="0">
+            <a:schemeClr val="accent1"/>
+          </a:effectRef>
+          <a:fontRef idx="minor">
+            <a:schemeClr val="lt1"/>
+          </a:fontRef>
+        </p:style>
+        <p:txBody>
+          <a:bodyPr rtlCol="0" anchor="ctr"/>
+          <a:lstStyle/>
+          <a:p>
+            <a:pPr algn="ctr"/>
+            <a:r>
+              <a:rPr lang="ko-KR" altLang="en-US" dirty="0">
+                <a:solidFill>
+                  <a:schemeClr val="tx1"/>
+                </a:solidFill>
+              </a:rPr>
+              <a:t>체중</a:t>
+            </a:r>
+            <a:endParaRPr lang="en-US" altLang="ko-KR" dirty="0">
+              <a:solidFill>
+                <a:schemeClr val="tx1"/>
+              </a:solidFill>
+            </a:endParaRPr>
+          </a:p>
+          <a:p>
+            <a:pPr algn="ctr"/>
+            <a:r>
+              <a:rPr lang="ko-KR" altLang="en-US" dirty="0">
+                <a:solidFill>
+                  <a:schemeClr val="tx1"/>
+                </a:solidFill>
+              </a:rPr>
+              <a:t>관리</a:t>
+            </a:r>
+          </a:p>
+        </p:txBody>
+      </p:sp>
+      <p:sp>
+        <p:nvSpPr>
+          <p:cNvPr id="10" name="직사각형 9">
+            <a:extLst>
+              <a:ext uri="{FF2B5EF4-FFF2-40B4-BE49-F238E27FC236}">
+                <a16:creationId xmlns:a16="http://schemas.microsoft.com/office/drawing/2014/main" id="{4052F42D-A26B-D91F-15F0-A2BF3D573C12}"/>
+              </a:ext>
+            </a:extLst>
+          </p:cNvPr>
+          <p:cNvSpPr/>
+          <p:nvPr/>
+        </p:nvSpPr>
+        <p:spPr>
+          <a:xfrm>
+            <a:off x="1430382" y="5744798"/>
+            <a:ext cx="764568" cy="600583"/>
+          </a:xfrm>
+          <a:prstGeom prst="rect">
+            <a:avLst/>
+          </a:prstGeom>
+          <a:noFill/>
+        </p:spPr>
+        <p:style>
+          <a:lnRef idx="2">
+            <a:schemeClr val="accent1">
+              <a:shade val="15000"/>
+            </a:schemeClr>
+          </a:lnRef>
+          <a:fillRef idx="1">
+            <a:schemeClr val="accent1"/>
+          </a:fillRef>
+          <a:effectRef idx="0">
+            <a:schemeClr val="accent1"/>
+          </a:effectRef>
+          <a:fontRef idx="minor">
+            <a:schemeClr val="lt1"/>
+          </a:fontRef>
+        </p:style>
+        <p:txBody>
+          <a:bodyPr rtlCol="0" anchor="ctr"/>
+          <a:lstStyle/>
+          <a:p>
+            <a:pPr algn="ctr"/>
+            <a:r>
+              <a:rPr lang="ko-KR" altLang="en-US" sz="1400" dirty="0">
+                <a:solidFill>
+                  <a:schemeClr val="tx1"/>
+                </a:solidFill>
+              </a:rPr>
+              <a:t>그래프</a:t>
+            </a:r>
+            <a:endParaRPr lang="en-US" altLang="ko-KR" sz="1400" dirty="0">
+              <a:solidFill>
+                <a:schemeClr val="tx1"/>
+              </a:solidFill>
+            </a:endParaRPr>
+          </a:p>
+          <a:p>
+            <a:pPr algn="ctr"/>
+            <a:r>
+              <a:rPr lang="ko-KR" altLang="en-US" sz="1400" dirty="0">
+                <a:solidFill>
+                  <a:schemeClr val="tx1"/>
+                </a:solidFill>
+              </a:rPr>
+              <a:t>표시</a:t>
+            </a:r>
+          </a:p>
+        </p:txBody>
+      </p:sp>
+      <p:sp>
+        <p:nvSpPr>
+          <p:cNvPr id="11" name="직사각형 10">
+            <a:extLst>
+              <a:ext uri="{FF2B5EF4-FFF2-40B4-BE49-F238E27FC236}">
+                <a16:creationId xmlns:a16="http://schemas.microsoft.com/office/drawing/2014/main" id="{08CEB673-CFF1-0ED8-2040-ADDC6115894F}"/>
+              </a:ext>
+            </a:extLst>
+          </p:cNvPr>
+          <p:cNvSpPr/>
+          <p:nvPr/>
+        </p:nvSpPr>
+        <p:spPr>
+          <a:xfrm>
+            <a:off x="2202932" y="5744798"/>
+            <a:ext cx="803569" cy="600583"/>
+          </a:xfrm>
+          <a:prstGeom prst="rect">
+            <a:avLst/>
+          </a:prstGeom>
+          <a:noFill/>
+        </p:spPr>
+        <p:style>
+          <a:lnRef idx="2">
+            <a:schemeClr val="accent1">
+              <a:shade val="15000"/>
+            </a:schemeClr>
+          </a:lnRef>
+          <a:fillRef idx="1">
+            <a:schemeClr val="accent1"/>
+          </a:fillRef>
+          <a:effectRef idx="0">
+            <a:schemeClr val="accent1"/>
+          </a:effectRef>
+          <a:fontRef idx="minor">
+            <a:schemeClr val="lt1"/>
+          </a:fontRef>
+        </p:style>
+        <p:txBody>
+          <a:bodyPr rtlCol="0" anchor="ctr"/>
+          <a:lstStyle/>
+          <a:p>
+            <a:pPr algn="ctr"/>
+            <a:r>
+              <a:rPr lang="ko-KR" altLang="en-US" dirty="0">
+                <a:solidFill>
+                  <a:schemeClr val="tx1"/>
+                </a:solidFill>
+              </a:rPr>
+              <a:t>생리</a:t>
+            </a:r>
+            <a:endParaRPr lang="en-US" altLang="ko-KR" dirty="0">
+              <a:solidFill>
+                <a:schemeClr val="tx1"/>
+              </a:solidFill>
+            </a:endParaRPr>
+          </a:p>
+          <a:p>
+            <a:pPr algn="ctr"/>
+            <a:r>
+              <a:rPr lang="ko-KR" altLang="en-US" dirty="0">
+                <a:solidFill>
+                  <a:schemeClr val="tx1"/>
+                </a:solidFill>
+              </a:rPr>
+              <a:t>주기</a:t>
+            </a:r>
+          </a:p>
+        </p:txBody>
+      </p:sp>
+      <p:sp>
+        <p:nvSpPr>
+          <p:cNvPr id="15" name="타원 14">
+            <a:extLst>
+              <a:ext uri="{FF2B5EF4-FFF2-40B4-BE49-F238E27FC236}">
+                <a16:creationId xmlns:a16="http://schemas.microsoft.com/office/drawing/2014/main" id="{2BEF2ED4-19BA-049E-20F0-B0F4AA4114B7}"/>
+              </a:ext>
+            </a:extLst>
+          </p:cNvPr>
+          <p:cNvSpPr/>
+          <p:nvPr/>
+        </p:nvSpPr>
+        <p:spPr>
+          <a:xfrm>
+            <a:off x="2413363" y="4491039"/>
+            <a:ext cx="280978" cy="278364"/>
+          </a:xfrm>
+          <a:prstGeom prst="ellipse">
+            <a:avLst/>
+          </a:prstGeom>
+        </p:spPr>
+        <p:style>
+          <a:lnRef idx="2">
+            <a:schemeClr val="accent1">
+              <a:shade val="15000"/>
+            </a:schemeClr>
+          </a:lnRef>
+          <a:fillRef idx="1">
+            <a:schemeClr val="accent1"/>
+          </a:fillRef>
+          <a:effectRef idx="0">
+            <a:schemeClr val="accent1"/>
+          </a:effectRef>
+          <a:fontRef idx="minor">
+            <a:schemeClr val="lt1"/>
+          </a:fontRef>
+        </p:style>
+        <p:txBody>
+          <a:bodyPr rtlCol="0" anchor="ctr"/>
+          <a:lstStyle/>
+          <a:p>
+            <a:pPr algn="ctr"/>
+            <a:r>
+              <a:rPr lang="en-US" altLang="ko-KR" dirty="0"/>
+              <a:t>+</a:t>
+            </a:r>
+            <a:endParaRPr lang="ko-KR" altLang="en-US" dirty="0"/>
           </a:p>
         </p:txBody>
       </p:sp>
       <p:graphicFrame>
         <p:nvGraphicFramePr>
-          <p:cNvPr id="13" name="표 12">
-            <a:extLst>
-              <a:ext uri="{FF2B5EF4-FFF2-40B4-BE49-F238E27FC236}">
-                <a16:creationId xmlns:a16="http://schemas.microsoft.com/office/drawing/2014/main" id="{4E2E9A29-FA60-0D89-38B7-21B7BB0F5E6F}"/>
+          <p:cNvPr id="16" name="표 15">
+            <a:extLst>
+              <a:ext uri="{FF2B5EF4-FFF2-40B4-BE49-F238E27FC236}">
+                <a16:creationId xmlns:a16="http://schemas.microsoft.com/office/drawing/2014/main" id="{B7CAF9F3-DAB4-F65E-E18B-3ACEEB355CD0}"/>
               </a:ext>
             </a:extLst>
           </p:cNvPr>
@@ -3579,14 +5366,14 @@
           <p:nvPr>
             <p:extLst>
               <p:ext uri="{D42A27DB-BD31-4B8C-83A1-F6EECF244321}">
-                <p14:modId xmlns:p14="http://schemas.microsoft.com/office/powerpoint/2010/main" val="2699631965"/>
+                <p14:modId xmlns:p14="http://schemas.microsoft.com/office/powerpoint/2010/main" val="359671760"/>
               </p:ext>
             </p:extLst>
           </p:nvPr>
         </p:nvGraphicFramePr>
         <p:xfrm>
-          <a:off x="1108361" y="1669333"/>
-          <a:ext cx="2890984" cy="3606800"/>
+          <a:off x="1091381" y="1361164"/>
+          <a:ext cx="2890984" cy="2966720"/>
         </p:xfrm>
         <a:graphic>
           <a:graphicData uri="http://schemas.openxmlformats.org/drawingml/2006/table">
@@ -3642,57 +5429,6 @@
                 <a:extLst>
                   <a:ext uri="{0D108BD9-81ED-4DB2-BD59-A6C34878D82A}">
                     <a16:rowId xmlns:a16="http://schemas.microsoft.com/office/drawing/2014/main" val="1849742674"/>
-                  </a:ext>
-                </a:extLst>
-              </a:tr>
-              <a:tr h="370840">
-                <a:tc>
-                  <a:txBody>
-                    <a:bodyPr/>
-                    <a:lstStyle/>
-                    <a:p>
-                      <a:pPr latinLnBrk="1"/>
-                      <a:r>
-                        <a:rPr lang="ko-KR" altLang="en-US" dirty="0"/>
-                        <a:t>달력</a:t>
-                      </a:r>
-                      <a:r>
-                        <a:rPr lang="en-US" altLang="ko-KR" dirty="0"/>
-                        <a:t>+</a:t>
-                      </a:r>
-                      <a:r>
-                        <a:rPr lang="ko-KR" altLang="en-US" dirty="0"/>
-                        <a:t>입력형</a:t>
-                      </a:r>
-                    </a:p>
-                  </a:txBody>
-                  <a:tcPr/>
-                </a:tc>
-                <a:tc>
-                  <a:txBody>
-                    <a:bodyPr/>
-                    <a:lstStyle/>
-                    <a:p>
-                      <a:pPr latinLnBrk="1"/>
-                      <a:r>
-                        <a:rPr lang="ko-KR" altLang="en-US" dirty="0"/>
-                        <a:t>숫자</a:t>
-                      </a:r>
-                      <a:r>
-                        <a:rPr lang="en-US" altLang="ko-KR" dirty="0"/>
-                        <a:t>+</a:t>
-                      </a:r>
-                      <a:r>
-                        <a:rPr lang="ko-KR" altLang="en-US" dirty="0"/>
-                        <a:t>소수점</a:t>
-                      </a:r>
-                    </a:p>
-                  </a:txBody>
-                  <a:tcPr/>
-                </a:tc>
-                <a:extLst>
-                  <a:ext uri="{0D108BD9-81ED-4DB2-BD59-A6C34878D82A}">
-                    <a16:rowId xmlns:a16="http://schemas.microsoft.com/office/drawing/2014/main" val="1491373086"/>
                   </a:ext>
                 </a:extLst>
               </a:tr>
@@ -3954,95 +5690,20 @@
       </p:graphicFrame>
       <p:sp>
         <p:nvSpPr>
-          <p:cNvPr id="14" name="TextBox 13">
-            <a:extLst>
-              <a:ext uri="{FF2B5EF4-FFF2-40B4-BE49-F238E27FC236}">
-                <a16:creationId xmlns:a16="http://schemas.microsoft.com/office/drawing/2014/main" id="{F4FA39D7-9047-4701-89E0-777BF245F04A}"/>
-              </a:ext>
-            </a:extLst>
-          </p:cNvPr>
-          <p:cNvSpPr txBox="1"/>
+          <p:cNvPr id="17" name="직사각형 16">
+            <a:extLst>
+              <a:ext uri="{FF2B5EF4-FFF2-40B4-BE49-F238E27FC236}">
+                <a16:creationId xmlns:a16="http://schemas.microsoft.com/office/drawing/2014/main" id="{71EA8FFB-5D59-0F5D-9249-20335C3EBD41}"/>
+              </a:ext>
+            </a:extLst>
+          </p:cNvPr>
+          <p:cNvSpPr/>
           <p:nvPr/>
         </p:nvSpPr>
         <p:spPr>
           <a:xfrm>
-            <a:off x="1728145" y="5375467"/>
-            <a:ext cx="1651414" cy="369332"/>
-          </a:xfrm>
-          <a:prstGeom prst="rect">
-            <a:avLst/>
-          </a:prstGeom>
-          <a:noFill/>
-        </p:spPr>
-        <p:txBody>
-          <a:bodyPr wrap="none" rtlCol="0">
-            <a:spAutoFit/>
-          </a:bodyPr>
-          <a:lstStyle/>
-          <a:p>
-            <a:r>
-              <a:rPr lang="ko-KR" altLang="en-US" dirty="0"/>
-              <a:t>통계 확인하기</a:t>
-            </a:r>
-          </a:p>
-        </p:txBody>
-      </p:sp>
-      <p:sp>
-        <p:nvSpPr>
-          <p:cNvPr id="2" name="TextBox 1">
-            <a:extLst>
-              <a:ext uri="{FF2B5EF4-FFF2-40B4-BE49-F238E27FC236}">
-                <a16:creationId xmlns:a16="http://schemas.microsoft.com/office/drawing/2014/main" id="{7D66B350-B54A-EDF2-C219-34EF691D062C}"/>
-              </a:ext>
-            </a:extLst>
-          </p:cNvPr>
-          <p:cNvSpPr txBox="1"/>
-          <p:nvPr/>
-        </p:nvSpPr>
-        <p:spPr>
-          <a:xfrm>
-            <a:off x="1620744" y="1200667"/>
-            <a:ext cx="1866217" cy="369332"/>
-          </a:xfrm>
-          <a:prstGeom prst="rect">
-            <a:avLst/>
-          </a:prstGeom>
-          <a:noFill/>
-        </p:spPr>
-        <p:txBody>
-          <a:bodyPr wrap="none" rtlCol="0">
-            <a:spAutoFit/>
-          </a:bodyPr>
-          <a:lstStyle/>
-          <a:p>
-            <a:r>
-              <a:rPr lang="ko-KR" altLang="en-US" dirty="0"/>
-              <a:t>기준 키 </a:t>
-            </a:r>
-            <a:r>
-              <a:rPr lang="en-US" altLang="ko-KR" dirty="0"/>
-              <a:t>: 170cm</a:t>
-            </a:r>
-            <a:endParaRPr lang="ko-KR" altLang="en-US" dirty="0"/>
-          </a:p>
-        </p:txBody>
-      </p:sp>
-      <p:sp>
-        <p:nvSpPr>
-          <p:cNvPr id="3" name="직사각형 2">
-            <a:extLst>
-              <a:ext uri="{FF2B5EF4-FFF2-40B4-BE49-F238E27FC236}">
-                <a16:creationId xmlns:a16="http://schemas.microsoft.com/office/drawing/2014/main" id="{F7713223-EB6C-D0BC-9681-ACAE2BE58E73}"/>
-              </a:ext>
-            </a:extLst>
-          </p:cNvPr>
-          <p:cNvSpPr/>
-          <p:nvPr/>
-        </p:nvSpPr>
-        <p:spPr>
-          <a:xfrm>
-            <a:off x="1505527" y="1200667"/>
-            <a:ext cx="2133600" cy="369332"/>
+            <a:off x="3001684" y="5749197"/>
+            <a:ext cx="684745" cy="600583"/>
           </a:xfrm>
           <a:prstGeom prst="rect">
             <a:avLst/>
@@ -4070,16 +5731,39 @@
           <a:lstStyle/>
           <a:p>
             <a:pPr algn="ctr"/>
-            <a:endParaRPr lang="ko-KR" altLang="en-US"/>
-          </a:p>
-        </p:txBody>
-      </p:sp>
-      <p:sp>
-        <p:nvSpPr>
-          <p:cNvPr id="5" name="직사각형 4">
-            <a:extLst>
-              <a:ext uri="{FF2B5EF4-FFF2-40B4-BE49-F238E27FC236}">
-                <a16:creationId xmlns:a16="http://schemas.microsoft.com/office/drawing/2014/main" id="{3A1C0BBC-6809-38EA-7AF9-203DD96A472D}"/>
+            <a:r>
+              <a:rPr lang="ko-KR" altLang="en-US" dirty="0">
+                <a:solidFill>
+                  <a:schemeClr val="tx1"/>
+                </a:solidFill>
+              </a:rPr>
+              <a:t>생리</a:t>
+            </a:r>
+            <a:endParaRPr lang="en-US" altLang="ko-KR" dirty="0">
+              <a:solidFill>
+                <a:schemeClr val="tx1"/>
+              </a:solidFill>
+            </a:endParaRPr>
+          </a:p>
+          <a:p>
+            <a:pPr algn="ctr"/>
+            <a:r>
+              <a:rPr lang="ko-KR" altLang="en-US" dirty="0">
+                <a:solidFill>
+                  <a:schemeClr val="tx1"/>
+                </a:solidFill>
+              </a:rPr>
+              <a:t>통계</a:t>
+            </a:r>
+          </a:p>
+        </p:txBody>
+      </p:sp>
+      <p:sp>
+        <p:nvSpPr>
+          <p:cNvPr id="14" name="직사각형 13">
+            <a:extLst>
+              <a:ext uri="{FF2B5EF4-FFF2-40B4-BE49-F238E27FC236}">
+                <a16:creationId xmlns:a16="http://schemas.microsoft.com/office/drawing/2014/main" id="{F5E0E823-7FC7-D7B3-D38E-82235052EA14}"/>
               </a:ext>
             </a:extLst>
           </p:cNvPr>
@@ -4088,8 +5772,8 @@
         </p:nvSpPr>
         <p:spPr>
           <a:xfrm>
-            <a:off x="5989784" y="5528821"/>
-            <a:ext cx="3648363" cy="600583"/>
+            <a:off x="3703647" y="5744798"/>
+            <a:ext cx="659718" cy="605201"/>
           </a:xfrm>
           <a:prstGeom prst="rect">
             <a:avLst/>
@@ -4117,162 +5801,21 @@
           <a:lstStyle/>
           <a:p>
             <a:pPr algn="ctr"/>
-            <a:endParaRPr lang="ko-KR" altLang="en-US"/>
-          </a:p>
-        </p:txBody>
-      </p:sp>
-      <p:sp>
-        <p:nvSpPr>
-          <p:cNvPr id="6" name="직사각형 5">
-            <a:extLst>
-              <a:ext uri="{FF2B5EF4-FFF2-40B4-BE49-F238E27FC236}">
-                <a16:creationId xmlns:a16="http://schemas.microsoft.com/office/drawing/2014/main" id="{77C59278-5162-E2BD-7603-96FA277EBE80}"/>
-              </a:ext>
-            </a:extLst>
-          </p:cNvPr>
-          <p:cNvSpPr/>
-          <p:nvPr/>
-        </p:nvSpPr>
-        <p:spPr>
-          <a:xfrm>
-            <a:off x="737655" y="5744799"/>
-            <a:ext cx="1076295" cy="600583"/>
-          </a:xfrm>
-          <a:prstGeom prst="rect">
-            <a:avLst/>
-          </a:prstGeom>
-          <a:noFill/>
-        </p:spPr>
-        <p:style>
-          <a:lnRef idx="2">
-            <a:schemeClr val="accent1">
-              <a:shade val="15000"/>
-            </a:schemeClr>
-          </a:lnRef>
-          <a:fillRef idx="1">
-            <a:schemeClr val="accent1"/>
-          </a:fillRef>
-          <a:effectRef idx="0">
-            <a:schemeClr val="accent1"/>
-          </a:effectRef>
-          <a:fontRef idx="minor">
-            <a:schemeClr val="lt1"/>
-          </a:fontRef>
-        </p:style>
-        <p:txBody>
-          <a:bodyPr rtlCol="0" anchor="ctr"/>
-          <a:lstStyle/>
-          <a:p>
-            <a:pPr algn="ctr"/>
-            <a:r>
-              <a:rPr lang="ko-KR" altLang="en-US" dirty="0">
+            <a:r>
+              <a:rPr lang="ko-KR" altLang="en-US" sz="1200" dirty="0">
                 <a:solidFill>
                   <a:schemeClr val="tx1"/>
                 </a:solidFill>
               </a:rPr>
-              <a:t>체중관리</a:t>
-            </a:r>
-          </a:p>
-        </p:txBody>
-      </p:sp>
-      <p:sp>
-        <p:nvSpPr>
-          <p:cNvPr id="7" name="직사각형 6">
-            <a:extLst>
-              <a:ext uri="{FF2B5EF4-FFF2-40B4-BE49-F238E27FC236}">
-                <a16:creationId xmlns:a16="http://schemas.microsoft.com/office/drawing/2014/main" id="{00A02A76-ADEF-7FED-48AF-7A7B51D03CC5}"/>
-              </a:ext>
-            </a:extLst>
-          </p:cNvPr>
-          <p:cNvSpPr/>
-          <p:nvPr/>
-        </p:nvSpPr>
-        <p:spPr>
-          <a:xfrm>
-            <a:off x="1813950" y="5744641"/>
-            <a:ext cx="1076295" cy="600583"/>
-          </a:xfrm>
-          <a:prstGeom prst="rect">
-            <a:avLst/>
-          </a:prstGeom>
-          <a:noFill/>
-        </p:spPr>
-        <p:style>
-          <a:lnRef idx="2">
-            <a:schemeClr val="accent1">
-              <a:shade val="15000"/>
-            </a:schemeClr>
-          </a:lnRef>
-          <a:fillRef idx="1">
-            <a:schemeClr val="accent1"/>
-          </a:fillRef>
-          <a:effectRef idx="0">
-            <a:schemeClr val="accent1"/>
-          </a:effectRef>
-          <a:fontRef idx="minor">
-            <a:schemeClr val="lt1"/>
-          </a:fontRef>
-        </p:style>
-        <p:txBody>
-          <a:bodyPr rtlCol="0" anchor="ctr"/>
-          <a:lstStyle/>
-          <a:p>
-            <a:pPr algn="ctr"/>
-            <a:endParaRPr lang="ko-KR" altLang="en-US"/>
-          </a:p>
-        </p:txBody>
-      </p:sp>
-      <p:sp>
-        <p:nvSpPr>
-          <p:cNvPr id="8" name="직사각형 7">
-            <a:extLst>
-              <a:ext uri="{FF2B5EF4-FFF2-40B4-BE49-F238E27FC236}">
-                <a16:creationId xmlns:a16="http://schemas.microsoft.com/office/drawing/2014/main" id="{C53D43BB-7FED-9446-EF53-31C8B964D01D}"/>
-              </a:ext>
-            </a:extLst>
-          </p:cNvPr>
-          <p:cNvSpPr/>
-          <p:nvPr/>
-        </p:nvSpPr>
-        <p:spPr>
-          <a:xfrm>
-            <a:off x="2890245" y="5744641"/>
-            <a:ext cx="1076295" cy="600583"/>
-          </a:xfrm>
-          <a:prstGeom prst="rect">
-            <a:avLst/>
-          </a:prstGeom>
-          <a:noFill/>
-        </p:spPr>
-        <p:style>
-          <a:lnRef idx="2">
-            <a:schemeClr val="accent1">
-              <a:shade val="15000"/>
-            </a:schemeClr>
-          </a:lnRef>
-          <a:fillRef idx="1">
-            <a:schemeClr val="accent1"/>
-          </a:fillRef>
-          <a:effectRef idx="0">
-            <a:schemeClr val="accent1"/>
-          </a:effectRef>
-          <a:fontRef idx="minor">
-            <a:schemeClr val="lt1"/>
-          </a:fontRef>
-        </p:style>
-        <p:txBody>
-          <a:bodyPr rtlCol="0" anchor="ctr"/>
-          <a:lstStyle/>
-          <a:p>
-            <a:pPr algn="ctr"/>
-            <a:endParaRPr lang="ko-KR" altLang="en-US"/>
+              <a:t>설정</a:t>
+            </a:r>
           </a:p>
         </p:txBody>
       </p:sp>
     </p:spTree>
     <p:extLst>
       <p:ext uri="{BB962C8B-B14F-4D97-AF65-F5344CB8AC3E}">
-        <p14:creationId xmlns:p14="http://schemas.microsoft.com/office/powerpoint/2010/main" val="3740241039"/>
+        <p14:creationId xmlns:p14="http://schemas.microsoft.com/office/powerpoint/2010/main" val="1246464576"/>
       </p:ext>
     </p:extLst>
   </p:cSld>
@@ -4282,7 +5825,7 @@
 </p:sld>
 </file>
 
-<file path=ppt/slides/slide2.xml><?xml version="1.0" encoding="utf-8"?>
+<file path=ppt/slides/slide3.xml><?xml version="1.0" encoding="utf-8"?>
 <p:sld xmlns:a="http://schemas.openxmlformats.org/drawingml/2006/main" xmlns:r="http://schemas.openxmlformats.org/officeDocument/2006/relationships" xmlns:p="http://schemas.openxmlformats.org/presentationml/2006/main">
   <p:cSld>
     <p:spTree>
@@ -4360,8 +5903,8 @@
         </p:nvSpPr>
         <p:spPr>
           <a:xfrm>
-            <a:off x="1728146" y="775855"/>
-            <a:ext cx="1651414" cy="369332"/>
+            <a:off x="1843561" y="775855"/>
+            <a:ext cx="1420582" cy="369332"/>
           </a:xfrm>
           <a:prstGeom prst="rect">
             <a:avLst/>
@@ -4376,930 +5919,860 @@
           <a:p>
             <a:r>
               <a:rPr lang="ko-KR" altLang="en-US" dirty="0"/>
-              <a:t>통계 확인하기</a:t>
-            </a:r>
-          </a:p>
-        </p:txBody>
-      </p:sp>
-      <p:sp>
-        <p:nvSpPr>
-          <p:cNvPr id="12" name="TextBox 11">
-            <a:extLst>
-              <a:ext uri="{FF2B5EF4-FFF2-40B4-BE49-F238E27FC236}">
-                <a16:creationId xmlns:a16="http://schemas.microsoft.com/office/drawing/2014/main" id="{BFC70088-9221-DCD7-FF90-7ACFCA4FC815}"/>
-              </a:ext>
-            </a:extLst>
-          </p:cNvPr>
-          <p:cNvSpPr txBox="1"/>
+              <a:t>몸무게 추이</a:t>
+            </a:r>
+          </a:p>
+        </p:txBody>
+      </p:sp>
+      <p:graphicFrame>
+        <p:nvGraphicFramePr>
+          <p:cNvPr id="18" name="차트 17">
+            <a:extLst>
+              <a:ext uri="{FF2B5EF4-FFF2-40B4-BE49-F238E27FC236}">
+                <a16:creationId xmlns:a16="http://schemas.microsoft.com/office/drawing/2014/main" id="{E54B06B0-5319-073C-AFB1-75B3D9DBE44C}"/>
+              </a:ext>
+            </a:extLst>
+          </p:cNvPr>
+          <p:cNvGraphicFramePr/>
+          <p:nvPr>
+            <p:extLst>
+              <p:ext uri="{D42A27DB-BD31-4B8C-83A1-F6EECF244321}">
+                <p14:modId xmlns:p14="http://schemas.microsoft.com/office/powerpoint/2010/main" val="1307194610"/>
+              </p:ext>
+            </p:extLst>
+          </p:nvPr>
+        </p:nvGraphicFramePr>
+        <p:xfrm>
+          <a:off x="872834" y="1385333"/>
+          <a:ext cx="3362036" cy="2868660"/>
+        </p:xfrm>
+        <a:graphic>
+          <a:graphicData uri="http://schemas.openxmlformats.org/drawingml/2006/chart">
+            <c:chart xmlns:c="http://schemas.openxmlformats.org/drawingml/2006/chart" xmlns:r="http://schemas.openxmlformats.org/officeDocument/2006/relationships" r:id="rId2"/>
+          </a:graphicData>
+        </a:graphic>
+      </p:graphicFrame>
+      <p:sp>
+        <p:nvSpPr>
+          <p:cNvPr id="19" name="직사각형 18">
+            <a:extLst>
+              <a:ext uri="{FF2B5EF4-FFF2-40B4-BE49-F238E27FC236}">
+                <a16:creationId xmlns:a16="http://schemas.microsoft.com/office/drawing/2014/main" id="{C443CFA6-F293-58AD-C688-2F0C25EA162F}"/>
+              </a:ext>
+            </a:extLst>
+          </p:cNvPr>
+          <p:cNvSpPr/>
           <p:nvPr/>
         </p:nvSpPr>
         <p:spPr>
           <a:xfrm>
-            <a:off x="5486399" y="1145187"/>
-            <a:ext cx="6096000" cy="646331"/>
+            <a:off x="1833737" y="4306656"/>
+            <a:ext cx="711200" cy="369455"/>
+          </a:xfrm>
+          <a:prstGeom prst="rect">
+            <a:avLst/>
+          </a:prstGeom>
+        </p:spPr>
+        <p:style>
+          <a:lnRef idx="2">
+            <a:schemeClr val="accent1">
+              <a:shade val="15000"/>
+            </a:schemeClr>
+          </a:lnRef>
+          <a:fillRef idx="1">
+            <a:schemeClr val="accent1"/>
+          </a:fillRef>
+          <a:effectRef idx="0">
+            <a:schemeClr val="accent1"/>
+          </a:effectRef>
+          <a:fontRef idx="minor">
+            <a:schemeClr val="lt1"/>
+          </a:fontRef>
+        </p:style>
+        <p:txBody>
+          <a:bodyPr rtlCol="0" anchor="ctr"/>
+          <a:lstStyle/>
+          <a:p>
+            <a:pPr algn="ctr"/>
+            <a:r>
+              <a:rPr lang="en-US" altLang="ko-KR"/>
+              <a:t>1</a:t>
+            </a:r>
+            <a:r>
+              <a:rPr lang="ko-KR" altLang="en-US" dirty="0"/>
+              <a:t>달</a:t>
+            </a:r>
+          </a:p>
+        </p:txBody>
+      </p:sp>
+      <p:sp>
+        <p:nvSpPr>
+          <p:cNvPr id="20" name="직사각형 19">
+            <a:extLst>
+              <a:ext uri="{FF2B5EF4-FFF2-40B4-BE49-F238E27FC236}">
+                <a16:creationId xmlns:a16="http://schemas.microsoft.com/office/drawing/2014/main" id="{99C5FC69-1BB3-34FE-84AA-9A7F91483614}"/>
+              </a:ext>
+            </a:extLst>
+          </p:cNvPr>
+          <p:cNvSpPr/>
+          <p:nvPr/>
+        </p:nvSpPr>
+        <p:spPr>
+          <a:xfrm>
+            <a:off x="2656131" y="4296165"/>
+            <a:ext cx="711200" cy="369455"/>
+          </a:xfrm>
+          <a:prstGeom prst="rect">
+            <a:avLst/>
+          </a:prstGeom>
+        </p:spPr>
+        <p:style>
+          <a:lnRef idx="2">
+            <a:schemeClr val="accent1">
+              <a:shade val="15000"/>
+            </a:schemeClr>
+          </a:lnRef>
+          <a:fillRef idx="1">
+            <a:schemeClr val="accent1"/>
+          </a:fillRef>
+          <a:effectRef idx="0">
+            <a:schemeClr val="accent1"/>
+          </a:effectRef>
+          <a:fontRef idx="minor">
+            <a:schemeClr val="lt1"/>
+          </a:fontRef>
+        </p:style>
+        <p:txBody>
+          <a:bodyPr rtlCol="0" anchor="ctr"/>
+          <a:lstStyle/>
+          <a:p>
+            <a:pPr algn="ctr"/>
+            <a:r>
+              <a:rPr lang="en-US" altLang="ko-KR" dirty="0"/>
+              <a:t>3</a:t>
+            </a:r>
+            <a:r>
+              <a:rPr lang="ko-KR" altLang="en-US" dirty="0"/>
+              <a:t>달</a:t>
+            </a:r>
+          </a:p>
+        </p:txBody>
+      </p:sp>
+      <p:sp>
+        <p:nvSpPr>
+          <p:cNvPr id="21" name="직사각형 20">
+            <a:extLst>
+              <a:ext uri="{FF2B5EF4-FFF2-40B4-BE49-F238E27FC236}">
+                <a16:creationId xmlns:a16="http://schemas.microsoft.com/office/drawing/2014/main" id="{41CCC7F0-D661-DF64-6A43-EEA37922D674}"/>
+              </a:ext>
+            </a:extLst>
+          </p:cNvPr>
+          <p:cNvSpPr/>
+          <p:nvPr/>
+        </p:nvSpPr>
+        <p:spPr>
+          <a:xfrm>
+            <a:off x="894689" y="4296165"/>
+            <a:ext cx="803568" cy="369455"/>
+          </a:xfrm>
+          <a:prstGeom prst="rect">
+            <a:avLst/>
+          </a:prstGeom>
+        </p:spPr>
+        <p:style>
+          <a:lnRef idx="2">
+            <a:schemeClr val="accent1">
+              <a:shade val="15000"/>
+            </a:schemeClr>
+          </a:lnRef>
+          <a:fillRef idx="1">
+            <a:schemeClr val="accent1"/>
+          </a:fillRef>
+          <a:effectRef idx="0">
+            <a:schemeClr val="accent1"/>
+          </a:effectRef>
+          <a:fontRef idx="minor">
+            <a:schemeClr val="lt1"/>
+          </a:fontRef>
+        </p:style>
+        <p:txBody>
+          <a:bodyPr rtlCol="0" anchor="ctr"/>
+          <a:lstStyle/>
+          <a:p>
+            <a:pPr algn="ctr"/>
+            <a:r>
+              <a:rPr lang="en-US" altLang="ko-KR"/>
+              <a:t>1</a:t>
+            </a:r>
+            <a:r>
+              <a:rPr lang="ko-KR" altLang="en-US" dirty="0"/>
+              <a:t>주일</a:t>
+            </a:r>
+          </a:p>
+        </p:txBody>
+      </p:sp>
+      <p:sp>
+        <p:nvSpPr>
+          <p:cNvPr id="22" name="직사각형 21">
+            <a:extLst>
+              <a:ext uri="{FF2B5EF4-FFF2-40B4-BE49-F238E27FC236}">
+                <a16:creationId xmlns:a16="http://schemas.microsoft.com/office/drawing/2014/main" id="{21895B8B-176E-2550-3558-4F3C96CF725C}"/>
+              </a:ext>
+            </a:extLst>
+          </p:cNvPr>
+          <p:cNvSpPr/>
+          <p:nvPr/>
+        </p:nvSpPr>
+        <p:spPr>
+          <a:xfrm>
+            <a:off x="3481285" y="4299047"/>
+            <a:ext cx="803568" cy="369455"/>
+          </a:xfrm>
+          <a:prstGeom prst="rect">
+            <a:avLst/>
+          </a:prstGeom>
+        </p:spPr>
+        <p:style>
+          <a:lnRef idx="2">
+            <a:schemeClr val="accent1">
+              <a:shade val="15000"/>
+            </a:schemeClr>
+          </a:lnRef>
+          <a:fillRef idx="1">
+            <a:schemeClr val="accent1"/>
+          </a:fillRef>
+          <a:effectRef idx="0">
+            <a:schemeClr val="accent1"/>
+          </a:effectRef>
+          <a:fontRef idx="minor">
+            <a:schemeClr val="lt1"/>
+          </a:fontRef>
+        </p:style>
+        <p:txBody>
+          <a:bodyPr rtlCol="0" anchor="ctr"/>
+          <a:lstStyle/>
+          <a:p>
+            <a:pPr algn="ctr"/>
+            <a:r>
+              <a:rPr lang="ko-KR" altLang="en-US" dirty="0"/>
+              <a:t>지정</a:t>
+            </a:r>
+          </a:p>
+        </p:txBody>
+      </p:sp>
+      <p:sp>
+        <p:nvSpPr>
+          <p:cNvPr id="23" name="직사각형 22">
+            <a:extLst>
+              <a:ext uri="{FF2B5EF4-FFF2-40B4-BE49-F238E27FC236}">
+                <a16:creationId xmlns:a16="http://schemas.microsoft.com/office/drawing/2014/main" id="{D1369F9C-464D-259A-79E4-708B387C2F74}"/>
+              </a:ext>
+            </a:extLst>
+          </p:cNvPr>
+          <p:cNvSpPr/>
+          <p:nvPr/>
+        </p:nvSpPr>
+        <p:spPr>
+          <a:xfrm>
+            <a:off x="3481285" y="4766559"/>
+            <a:ext cx="803568" cy="369455"/>
+          </a:xfrm>
+          <a:prstGeom prst="rect">
+            <a:avLst/>
+          </a:prstGeom>
+        </p:spPr>
+        <p:style>
+          <a:lnRef idx="2">
+            <a:schemeClr val="accent1">
+              <a:shade val="15000"/>
+            </a:schemeClr>
+          </a:lnRef>
+          <a:fillRef idx="1">
+            <a:schemeClr val="accent1"/>
+          </a:fillRef>
+          <a:effectRef idx="0">
+            <a:schemeClr val="accent1"/>
+          </a:effectRef>
+          <a:fontRef idx="minor">
+            <a:schemeClr val="lt1"/>
+          </a:fontRef>
+        </p:style>
+        <p:txBody>
+          <a:bodyPr rtlCol="0" anchor="ctr"/>
+          <a:lstStyle/>
+          <a:p>
+            <a:pPr algn="ctr"/>
+            <a:r>
+              <a:rPr lang="ko-KR" altLang="en-US"/>
+              <a:t>비교</a:t>
+            </a:r>
+            <a:endParaRPr lang="ko-KR" altLang="en-US" dirty="0"/>
+          </a:p>
+        </p:txBody>
+      </p:sp>
+      <p:sp>
+        <p:nvSpPr>
+          <p:cNvPr id="24" name="직사각형 23">
+            <a:extLst>
+              <a:ext uri="{FF2B5EF4-FFF2-40B4-BE49-F238E27FC236}">
+                <a16:creationId xmlns:a16="http://schemas.microsoft.com/office/drawing/2014/main" id="{C4F38FC3-D4CE-CC36-E17E-0CDE96FE771B}"/>
+              </a:ext>
+            </a:extLst>
+          </p:cNvPr>
+          <p:cNvSpPr/>
+          <p:nvPr/>
+        </p:nvSpPr>
+        <p:spPr>
+          <a:xfrm>
+            <a:off x="894689" y="4745505"/>
+            <a:ext cx="711200" cy="369455"/>
+          </a:xfrm>
+          <a:prstGeom prst="rect">
+            <a:avLst/>
+          </a:prstGeom>
+        </p:spPr>
+        <p:style>
+          <a:lnRef idx="2">
+            <a:schemeClr val="accent1">
+              <a:shade val="15000"/>
+            </a:schemeClr>
+          </a:lnRef>
+          <a:fillRef idx="1">
+            <a:schemeClr val="accent1"/>
+          </a:fillRef>
+          <a:effectRef idx="0">
+            <a:schemeClr val="accent1"/>
+          </a:effectRef>
+          <a:fontRef idx="minor">
+            <a:schemeClr val="lt1"/>
+          </a:fontRef>
+        </p:style>
+        <p:txBody>
+          <a:bodyPr rtlCol="0" anchor="ctr"/>
+          <a:lstStyle/>
+          <a:p>
+            <a:pPr algn="ctr"/>
+            <a:r>
+              <a:rPr lang="ko-KR" altLang="en-US"/>
+              <a:t>반년</a:t>
+            </a:r>
+            <a:endParaRPr lang="ko-KR" altLang="en-US" dirty="0"/>
+          </a:p>
+        </p:txBody>
+      </p:sp>
+      <p:sp>
+        <p:nvSpPr>
+          <p:cNvPr id="25" name="직사각형 24">
+            <a:extLst>
+              <a:ext uri="{FF2B5EF4-FFF2-40B4-BE49-F238E27FC236}">
+                <a16:creationId xmlns:a16="http://schemas.microsoft.com/office/drawing/2014/main" id="{5D7874A8-E5AF-72A2-AEF0-824B3570EA1A}"/>
+              </a:ext>
+            </a:extLst>
+          </p:cNvPr>
+          <p:cNvSpPr/>
+          <p:nvPr/>
+        </p:nvSpPr>
+        <p:spPr>
+          <a:xfrm>
+            <a:off x="1832387" y="4762467"/>
+            <a:ext cx="711200" cy="369455"/>
+          </a:xfrm>
+          <a:prstGeom prst="rect">
+            <a:avLst/>
+          </a:prstGeom>
+        </p:spPr>
+        <p:style>
+          <a:lnRef idx="2">
+            <a:schemeClr val="accent1">
+              <a:shade val="15000"/>
+            </a:schemeClr>
+          </a:lnRef>
+          <a:fillRef idx="1">
+            <a:schemeClr val="accent1"/>
+          </a:fillRef>
+          <a:effectRef idx="0">
+            <a:schemeClr val="accent1"/>
+          </a:effectRef>
+          <a:fontRef idx="minor">
+            <a:schemeClr val="lt1"/>
+          </a:fontRef>
+        </p:style>
+        <p:txBody>
+          <a:bodyPr rtlCol="0" anchor="ctr"/>
+          <a:lstStyle/>
+          <a:p>
+            <a:pPr algn="ctr"/>
+            <a:r>
+              <a:rPr lang="en-US" altLang="ko-KR" dirty="0"/>
+              <a:t>1</a:t>
+            </a:r>
+            <a:r>
+              <a:rPr lang="ko-KR" altLang="en-US" dirty="0"/>
+              <a:t>년</a:t>
+            </a:r>
+          </a:p>
+        </p:txBody>
+      </p:sp>
+      <p:sp>
+        <p:nvSpPr>
+          <p:cNvPr id="26" name="직사각형 25">
+            <a:extLst>
+              <a:ext uri="{FF2B5EF4-FFF2-40B4-BE49-F238E27FC236}">
+                <a16:creationId xmlns:a16="http://schemas.microsoft.com/office/drawing/2014/main" id="{56825312-BDD7-1CF8-7D71-26D1B2F4C925}"/>
+              </a:ext>
+            </a:extLst>
+          </p:cNvPr>
+          <p:cNvSpPr/>
+          <p:nvPr/>
+        </p:nvSpPr>
+        <p:spPr>
+          <a:xfrm>
+            <a:off x="737655" y="5744799"/>
+            <a:ext cx="684745" cy="600583"/>
           </a:xfrm>
           <a:prstGeom prst="rect">
             <a:avLst/>
           </a:prstGeom>
           <a:noFill/>
         </p:spPr>
-        <p:txBody>
-          <a:bodyPr wrap="square">
-            <a:spAutoFit/>
-          </a:bodyPr>
+        <p:style>
+          <a:lnRef idx="2">
+            <a:schemeClr val="accent1">
+              <a:shade val="15000"/>
+            </a:schemeClr>
+          </a:lnRef>
+          <a:fillRef idx="1">
+            <a:schemeClr val="accent1"/>
+          </a:fillRef>
+          <a:effectRef idx="0">
+            <a:schemeClr val="accent1"/>
+          </a:effectRef>
+          <a:fontRef idx="minor">
+            <a:schemeClr val="lt1"/>
+          </a:fontRef>
+        </p:style>
+        <p:txBody>
+          <a:bodyPr rtlCol="0" anchor="ctr"/>
           <a:lstStyle/>
           <a:p>
             <a:pPr algn="ctr"/>
             <a:r>
-              <a:rPr lang="en-US" altLang="ko-KR" dirty="0"/>
-              <a:t>BMI </a:t>
-            </a:r>
-            <a:r>
-              <a:rPr lang="ko-KR" altLang="en-US" dirty="0"/>
-              <a:t>수치</a:t>
-            </a:r>
-            <a:r>
-              <a:rPr lang="en-US" altLang="ko-KR" dirty="0"/>
-              <a:t> - </a:t>
-            </a:r>
-            <a:r>
-              <a:rPr lang="ko-KR" altLang="en-US" dirty="0"/>
-              <a:t>빨강</a:t>
-            </a:r>
-            <a:endParaRPr lang="en-US" altLang="ko-KR" dirty="0"/>
+              <a:rPr lang="ko-KR" altLang="en-US" dirty="0">
+                <a:solidFill>
+                  <a:schemeClr val="tx1"/>
+                </a:solidFill>
+              </a:rPr>
+              <a:t>체중</a:t>
+            </a:r>
+            <a:endParaRPr lang="en-US" altLang="ko-KR" dirty="0">
+              <a:solidFill>
+                <a:schemeClr val="tx1"/>
+              </a:solidFill>
+            </a:endParaRPr>
           </a:p>
           <a:p>
             <a:pPr algn="ctr"/>
             <a:r>
-              <a:rPr lang="ko-KR" altLang="en-US" dirty="0"/>
-              <a:t>몸무게</a:t>
-            </a:r>
-            <a:r>
-              <a:rPr lang="en-US" altLang="ko-KR" dirty="0"/>
-              <a:t> - </a:t>
-            </a:r>
-            <a:r>
-              <a:rPr lang="ko-KR" altLang="en-US" dirty="0"/>
-              <a:t>파랑</a:t>
-            </a:r>
-            <a:endParaRPr lang="en-US" altLang="ko-KR" dirty="0"/>
-          </a:p>
-        </p:txBody>
-      </p:sp>
-      <p:sp>
-        <p:nvSpPr>
-          <p:cNvPr id="15" name="TextBox 14">
-            <a:extLst>
-              <a:ext uri="{FF2B5EF4-FFF2-40B4-BE49-F238E27FC236}">
-                <a16:creationId xmlns:a16="http://schemas.microsoft.com/office/drawing/2014/main" id="{413A8447-3D2C-A150-7410-4C14059145F9}"/>
-              </a:ext>
-            </a:extLst>
-          </p:cNvPr>
-          <p:cNvSpPr txBox="1"/>
+              <a:rPr lang="ko-KR" altLang="en-US" dirty="0">
+                <a:solidFill>
+                  <a:schemeClr val="tx1"/>
+                </a:solidFill>
+              </a:rPr>
+              <a:t>관리</a:t>
+            </a:r>
+          </a:p>
+        </p:txBody>
+      </p:sp>
+      <p:sp>
+        <p:nvSpPr>
+          <p:cNvPr id="27" name="직사각형 26">
+            <a:extLst>
+              <a:ext uri="{FF2B5EF4-FFF2-40B4-BE49-F238E27FC236}">
+                <a16:creationId xmlns:a16="http://schemas.microsoft.com/office/drawing/2014/main" id="{A94BFC4C-DC9C-459D-72D6-15FB4613D13A}"/>
+              </a:ext>
+            </a:extLst>
+          </p:cNvPr>
+          <p:cNvSpPr/>
           <p:nvPr/>
         </p:nvSpPr>
         <p:spPr>
           <a:xfrm>
-            <a:off x="9264072" y="2623128"/>
-            <a:ext cx="2493820" cy="2585323"/>
+            <a:off x="1430382" y="5744798"/>
+            <a:ext cx="764568" cy="600583"/>
+          </a:xfrm>
+          <a:prstGeom prst="rect">
+            <a:avLst/>
+          </a:prstGeom>
+          <a:solidFill>
+            <a:srgbClr val="00B0F0"/>
+          </a:solidFill>
+        </p:spPr>
+        <p:style>
+          <a:lnRef idx="2">
+            <a:schemeClr val="accent1">
+              <a:shade val="15000"/>
+            </a:schemeClr>
+          </a:lnRef>
+          <a:fillRef idx="1">
+            <a:schemeClr val="accent1"/>
+          </a:fillRef>
+          <a:effectRef idx="0">
+            <a:schemeClr val="accent1"/>
+          </a:effectRef>
+          <a:fontRef idx="minor">
+            <a:schemeClr val="lt1"/>
+          </a:fontRef>
+        </p:style>
+        <p:txBody>
+          <a:bodyPr rtlCol="0" anchor="ctr"/>
+          <a:lstStyle/>
+          <a:p>
+            <a:pPr algn="ctr"/>
+            <a:r>
+              <a:rPr lang="ko-KR" altLang="en-US" sz="1400" dirty="0">
+                <a:solidFill>
+                  <a:schemeClr val="tx1"/>
+                </a:solidFill>
+              </a:rPr>
+              <a:t>그래프</a:t>
+            </a:r>
+            <a:endParaRPr lang="en-US" altLang="ko-KR" sz="1400" dirty="0">
+              <a:solidFill>
+                <a:schemeClr val="tx1"/>
+              </a:solidFill>
+            </a:endParaRPr>
+          </a:p>
+          <a:p>
+            <a:pPr algn="ctr"/>
+            <a:r>
+              <a:rPr lang="ko-KR" altLang="en-US" sz="1400" dirty="0">
+                <a:solidFill>
+                  <a:schemeClr val="tx1"/>
+                </a:solidFill>
+              </a:rPr>
+              <a:t>표시</a:t>
+            </a:r>
+          </a:p>
+        </p:txBody>
+      </p:sp>
+      <p:sp>
+        <p:nvSpPr>
+          <p:cNvPr id="28" name="직사각형 27">
+            <a:extLst>
+              <a:ext uri="{FF2B5EF4-FFF2-40B4-BE49-F238E27FC236}">
+                <a16:creationId xmlns:a16="http://schemas.microsoft.com/office/drawing/2014/main" id="{B861B278-A771-816F-FA01-0ED5B0DA8694}"/>
+              </a:ext>
+            </a:extLst>
+          </p:cNvPr>
+          <p:cNvSpPr/>
+          <p:nvPr/>
+        </p:nvSpPr>
+        <p:spPr>
+          <a:xfrm>
+            <a:off x="2202932" y="5744798"/>
+            <a:ext cx="803569" cy="600583"/>
           </a:xfrm>
           <a:prstGeom prst="rect">
             <a:avLst/>
           </a:prstGeom>
           <a:noFill/>
         </p:spPr>
-        <p:txBody>
-          <a:bodyPr wrap="square">
+        <p:style>
+          <a:lnRef idx="2">
+            <a:schemeClr val="accent1">
+              <a:shade val="15000"/>
+            </a:schemeClr>
+          </a:lnRef>
+          <a:fillRef idx="1">
+            <a:schemeClr val="accent1"/>
+          </a:fillRef>
+          <a:effectRef idx="0">
+            <a:schemeClr val="accent1"/>
+          </a:effectRef>
+          <a:fontRef idx="minor">
+            <a:schemeClr val="lt1"/>
+          </a:fontRef>
+        </p:style>
+        <p:txBody>
+          <a:bodyPr rtlCol="0" anchor="ctr"/>
+          <a:lstStyle/>
+          <a:p>
+            <a:pPr algn="ctr"/>
+            <a:r>
+              <a:rPr lang="ko-KR" altLang="en-US" dirty="0">
+                <a:solidFill>
+                  <a:schemeClr val="tx1"/>
+                </a:solidFill>
+              </a:rPr>
+              <a:t>생리</a:t>
+            </a:r>
+            <a:endParaRPr lang="en-US" altLang="ko-KR" dirty="0">
+              <a:solidFill>
+                <a:schemeClr val="tx1"/>
+              </a:solidFill>
+            </a:endParaRPr>
+          </a:p>
+          <a:p>
+            <a:pPr algn="ctr"/>
+            <a:r>
+              <a:rPr lang="ko-KR" altLang="en-US" dirty="0">
+                <a:solidFill>
+                  <a:schemeClr val="tx1"/>
+                </a:solidFill>
+              </a:rPr>
+              <a:t>주기</a:t>
+            </a:r>
+          </a:p>
+        </p:txBody>
+      </p:sp>
+      <p:sp>
+        <p:nvSpPr>
+          <p:cNvPr id="29" name="직사각형 28">
+            <a:extLst>
+              <a:ext uri="{FF2B5EF4-FFF2-40B4-BE49-F238E27FC236}">
+                <a16:creationId xmlns:a16="http://schemas.microsoft.com/office/drawing/2014/main" id="{1C6A10B3-B6FA-DE8B-0C03-90BC0CFD0126}"/>
+              </a:ext>
+            </a:extLst>
+          </p:cNvPr>
+          <p:cNvSpPr/>
+          <p:nvPr/>
+        </p:nvSpPr>
+        <p:spPr>
+          <a:xfrm>
+            <a:off x="3001684" y="5749197"/>
+            <a:ext cx="684745" cy="600583"/>
+          </a:xfrm>
+          <a:prstGeom prst="rect">
+            <a:avLst/>
+          </a:prstGeom>
+          <a:noFill/>
+        </p:spPr>
+        <p:style>
+          <a:lnRef idx="2">
+            <a:schemeClr val="accent1">
+              <a:shade val="15000"/>
+            </a:schemeClr>
+          </a:lnRef>
+          <a:fillRef idx="1">
+            <a:schemeClr val="accent1"/>
+          </a:fillRef>
+          <a:effectRef idx="0">
+            <a:schemeClr val="accent1"/>
+          </a:effectRef>
+          <a:fontRef idx="minor">
+            <a:schemeClr val="lt1"/>
+          </a:fontRef>
+        </p:style>
+        <p:txBody>
+          <a:bodyPr rtlCol="0" anchor="ctr"/>
+          <a:lstStyle/>
+          <a:p>
+            <a:pPr algn="ctr"/>
+            <a:r>
+              <a:rPr lang="ko-KR" altLang="en-US" dirty="0">
+                <a:solidFill>
+                  <a:schemeClr val="tx1"/>
+                </a:solidFill>
+              </a:rPr>
+              <a:t>생리</a:t>
+            </a:r>
+            <a:endParaRPr lang="en-US" altLang="ko-KR" dirty="0">
+              <a:solidFill>
+                <a:schemeClr val="tx1"/>
+              </a:solidFill>
+            </a:endParaRPr>
+          </a:p>
+          <a:p>
+            <a:pPr algn="ctr"/>
+            <a:r>
+              <a:rPr lang="ko-KR" altLang="en-US" dirty="0">
+                <a:solidFill>
+                  <a:schemeClr val="tx1"/>
+                </a:solidFill>
+              </a:rPr>
+              <a:t>통계</a:t>
+            </a:r>
+          </a:p>
+        </p:txBody>
+      </p:sp>
+      <p:sp>
+        <p:nvSpPr>
+          <p:cNvPr id="30" name="직사각형 29">
+            <a:extLst>
+              <a:ext uri="{FF2B5EF4-FFF2-40B4-BE49-F238E27FC236}">
+                <a16:creationId xmlns:a16="http://schemas.microsoft.com/office/drawing/2014/main" id="{E93DEF91-13C2-15E7-A66B-32B52AD765AE}"/>
+              </a:ext>
+            </a:extLst>
+          </p:cNvPr>
+          <p:cNvSpPr/>
+          <p:nvPr/>
+        </p:nvSpPr>
+        <p:spPr>
+          <a:xfrm>
+            <a:off x="3703647" y="5744798"/>
+            <a:ext cx="659718" cy="605201"/>
+          </a:xfrm>
+          <a:prstGeom prst="rect">
+            <a:avLst/>
+          </a:prstGeom>
+          <a:noFill/>
+        </p:spPr>
+        <p:style>
+          <a:lnRef idx="2">
+            <a:schemeClr val="accent1">
+              <a:shade val="15000"/>
+            </a:schemeClr>
+          </a:lnRef>
+          <a:fillRef idx="1">
+            <a:schemeClr val="accent1"/>
+          </a:fillRef>
+          <a:effectRef idx="0">
+            <a:schemeClr val="accent1"/>
+          </a:effectRef>
+          <a:fontRef idx="minor">
+            <a:schemeClr val="lt1"/>
+          </a:fontRef>
+        </p:style>
+        <p:txBody>
+          <a:bodyPr rtlCol="0" anchor="ctr"/>
+          <a:lstStyle/>
+          <a:p>
+            <a:pPr algn="ctr"/>
+            <a:r>
+              <a:rPr lang="ko-KR" altLang="en-US" sz="1200" dirty="0">
+                <a:solidFill>
+                  <a:schemeClr val="tx1"/>
+                </a:solidFill>
+              </a:rPr>
+              <a:t>설정</a:t>
+            </a:r>
+          </a:p>
+        </p:txBody>
+      </p:sp>
+      <p:sp>
+        <p:nvSpPr>
+          <p:cNvPr id="31" name="TextBox 30">
+            <a:extLst>
+              <a:ext uri="{FF2B5EF4-FFF2-40B4-BE49-F238E27FC236}">
+                <a16:creationId xmlns:a16="http://schemas.microsoft.com/office/drawing/2014/main" id="{99435276-3E74-BBF1-57FF-07EC5BAE503C}"/>
+              </a:ext>
+            </a:extLst>
+          </p:cNvPr>
+          <p:cNvSpPr txBox="1"/>
+          <p:nvPr/>
+        </p:nvSpPr>
+        <p:spPr>
+          <a:xfrm>
+            <a:off x="5153895" y="942109"/>
+            <a:ext cx="6436377" cy="2308324"/>
+          </a:xfrm>
+          <a:prstGeom prst="rect">
+            <a:avLst/>
+          </a:prstGeom>
+          <a:noFill/>
+        </p:spPr>
+        <p:txBody>
+          <a:bodyPr wrap="none" rtlCol="0">
             <a:spAutoFit/>
           </a:bodyPr>
           <a:lstStyle/>
           <a:p>
-            <a:pPr algn="ctr"/>
-            <a:r>
-              <a:rPr lang="ko-KR" altLang="en-US" dirty="0" err="1"/>
-              <a:t>이전표</a:t>
-            </a:r>
             <a:r>
               <a:rPr lang="ko-KR" altLang="en-US" dirty="0"/>
-              <a:t> </a:t>
+              <a:t>특정 기간 변화추이를 볼 수 있도록 꺾은선 그래프</a:t>
+            </a:r>
+            <a:endParaRPr lang="en-US" altLang="ko-KR" dirty="0"/>
+          </a:p>
+          <a:p>
+            <a:endParaRPr lang="en-US" altLang="ko-KR" dirty="0"/>
+          </a:p>
+          <a:p>
+            <a:r>
+              <a:rPr lang="ko-KR" altLang="en-US" dirty="0"/>
+              <a:t>지정 </a:t>
             </a:r>
             <a:r>
               <a:rPr lang="en-US" altLang="ko-KR" dirty="0"/>
-              <a:t>+ 1</a:t>
+              <a:t>: </a:t>
             </a:r>
             <a:r>
               <a:rPr lang="ko-KR" altLang="en-US" dirty="0"/>
-              <a:t>칸 더 추가</a:t>
+              <a:t>자신이 원하는 기간을 지정하여 볼 수 있도록 지정</a:t>
             </a:r>
             <a:endParaRPr lang="en-US" altLang="ko-KR" dirty="0"/>
           </a:p>
           <a:p>
-            <a:pPr algn="ctr"/>
+            <a:r>
+              <a:rPr lang="ko-KR" altLang="en-US" dirty="0"/>
+              <a:t>비교 </a:t>
+            </a:r>
+            <a:r>
+              <a:rPr lang="en-US" altLang="ko-KR" dirty="0"/>
+              <a:t>: </a:t>
+            </a:r>
+            <a:r>
+              <a:rPr lang="ko-KR" altLang="en-US" dirty="0"/>
+              <a:t>지정된 날짜와 맞춰서 특정 기간을 볼 수 있도록 지정</a:t>
+            </a:r>
             <a:endParaRPr lang="en-US" altLang="ko-KR" dirty="0"/>
           </a:p>
           <a:p>
-            <a:pPr algn="ctr"/>
+            <a:endParaRPr lang="en-US" altLang="ko-KR" dirty="0"/>
+          </a:p>
+          <a:p>
+            <a:r>
+              <a:rPr lang="ko-KR" altLang="en-US" dirty="0"/>
+              <a:t>터치하면 날짜와 체중을 팝업</a:t>
+            </a:r>
+            <a:endParaRPr lang="en-US" altLang="ko-KR" dirty="0"/>
+          </a:p>
+          <a:p>
+            <a:endParaRPr lang="en-US" altLang="ko-KR" dirty="0"/>
+          </a:p>
+          <a:p>
             <a:r>
               <a:rPr lang="en-US" altLang="ko-KR" dirty="0"/>
               <a:t>BMI </a:t>
             </a:r>
             <a:r>
               <a:rPr lang="ko-KR" altLang="en-US" dirty="0"/>
-              <a:t>수치</a:t>
-            </a:r>
-            <a:endParaRPr lang="en-US" altLang="ko-KR" dirty="0"/>
-          </a:p>
-          <a:p>
-            <a:pPr algn="ctr"/>
+              <a:t>수치에 따라서 비만</a:t>
+            </a:r>
+            <a:r>
+              <a:rPr lang="en-US" altLang="ko-KR" dirty="0"/>
+              <a:t>/</a:t>
+            </a:r>
             <a:r>
               <a:rPr lang="ko-KR" altLang="en-US" dirty="0"/>
-              <a:t>체중</a:t>
+              <a:t>과체중</a:t>
             </a:r>
             <a:r>
               <a:rPr lang="en-US" altLang="ko-KR" dirty="0"/>
-              <a:t>kg/</a:t>
+              <a:t>/</a:t>
             </a:r>
             <a:r>
               <a:rPr lang="ko-KR" altLang="en-US" dirty="0"/>
-              <a:t>키</a:t>
+              <a:t>정상</a:t>
             </a:r>
             <a:r>
               <a:rPr lang="en-US" altLang="ko-KR" dirty="0"/>
-              <a:t>m^2</a:t>
-            </a:r>
-          </a:p>
-          <a:p>
-            <a:pPr algn="ctr"/>
-            <a:endParaRPr lang="en-US" altLang="ko-KR" dirty="0"/>
-          </a:p>
-          <a:p>
-            <a:pPr algn="ctr"/>
+              <a:t>/</a:t>
+            </a:r>
             <a:r>
               <a:rPr lang="ko-KR" altLang="en-US" dirty="0" err="1"/>
               <a:t>저체중</a:t>
             </a:r>
             <a:r>
               <a:rPr lang="ko-KR" altLang="en-US" dirty="0"/>
-              <a:t> </a:t>
-            </a:r>
-            <a:r>
-              <a:rPr lang="en-US" altLang="ko-KR" dirty="0"/>
-              <a:t>18.5</a:t>
-            </a:r>
-            <a:r>
-              <a:rPr lang="ko-KR" altLang="en-US" dirty="0"/>
-              <a:t>미만</a:t>
-            </a:r>
-            <a:endParaRPr lang="en-US" altLang="ko-KR" dirty="0"/>
-          </a:p>
-          <a:p>
-            <a:pPr algn="ctr"/>
-            <a:r>
-              <a:rPr lang="ko-KR" altLang="en-US" dirty="0"/>
-              <a:t>정상 </a:t>
-            </a:r>
-            <a:r>
-              <a:rPr lang="en-US" altLang="ko-KR" dirty="0"/>
-              <a:t>18.5</a:t>
-            </a:r>
-            <a:r>
-              <a:rPr lang="ko-KR" altLang="en-US" dirty="0"/>
-              <a:t>이상</a:t>
-            </a:r>
-            <a:endParaRPr lang="en-US" altLang="ko-KR" dirty="0"/>
-          </a:p>
-          <a:p>
-            <a:pPr algn="ctr"/>
-            <a:r>
-              <a:rPr lang="ko-KR" altLang="en-US" dirty="0"/>
-              <a:t>과체중 </a:t>
-            </a:r>
-            <a:r>
-              <a:rPr lang="en-US" altLang="ko-KR" dirty="0"/>
-              <a:t>25</a:t>
-            </a:r>
-            <a:r>
-              <a:rPr lang="ko-KR" altLang="en-US" dirty="0"/>
-              <a:t>이상</a:t>
-            </a:r>
-            <a:endParaRPr lang="en-US" altLang="ko-KR" dirty="0"/>
-          </a:p>
-          <a:p>
-            <a:pPr algn="ctr"/>
-            <a:r>
-              <a:rPr lang="ko-KR" altLang="en-US" dirty="0"/>
-              <a:t>비만 </a:t>
-            </a:r>
-            <a:r>
-              <a:rPr lang="en-US" altLang="ko-KR" dirty="0"/>
-              <a:t>30</a:t>
-            </a:r>
-            <a:r>
-              <a:rPr lang="ko-KR" altLang="en-US" dirty="0"/>
-              <a:t>이상</a:t>
-            </a:r>
-            <a:endParaRPr lang="en-US" altLang="ko-KR" dirty="0"/>
-          </a:p>
-        </p:txBody>
-      </p:sp>
-      <p:graphicFrame>
-        <p:nvGraphicFramePr>
-          <p:cNvPr id="16" name="표 15">
-            <a:extLst>
-              <a:ext uri="{FF2B5EF4-FFF2-40B4-BE49-F238E27FC236}">
-                <a16:creationId xmlns:a16="http://schemas.microsoft.com/office/drawing/2014/main" id="{37E476B8-D36E-DEC4-89F3-D751257151D1}"/>
-              </a:ext>
-            </a:extLst>
-          </p:cNvPr>
-          <p:cNvGraphicFramePr>
-            <a:graphicFrameLocks noGrp="1"/>
-          </p:cNvGraphicFramePr>
-          <p:nvPr>
-            <p:extLst>
-              <p:ext uri="{D42A27DB-BD31-4B8C-83A1-F6EECF244321}">
-                <p14:modId xmlns:p14="http://schemas.microsoft.com/office/powerpoint/2010/main" val="2215180576"/>
-              </p:ext>
-            </p:extLst>
-          </p:nvPr>
-        </p:nvGraphicFramePr>
-        <p:xfrm>
-          <a:off x="4571998" y="2098502"/>
-          <a:ext cx="4498112" cy="4246880"/>
-        </p:xfrm>
-        <a:graphic>
-          <a:graphicData uri="http://schemas.openxmlformats.org/drawingml/2006/table">
-            <a:tbl>
-              <a:tblPr firstRow="1" bandRow="1">
-                <a:tableStyleId>{5C22544A-7EE6-4342-B048-85BDC9FD1C3A}</a:tableStyleId>
-              </a:tblPr>
-              <a:tblGrid>
-                <a:gridCol w="1124528">
-                  <a:extLst>
-                    <a:ext uri="{9D8B030D-6E8A-4147-A177-3AD203B41FA5}">
-                      <a16:colId xmlns:a16="http://schemas.microsoft.com/office/drawing/2014/main" val="4211617579"/>
-                    </a:ext>
-                  </a:extLst>
-                </a:gridCol>
-                <a:gridCol w="1124528">
-                  <a:extLst>
-                    <a:ext uri="{9D8B030D-6E8A-4147-A177-3AD203B41FA5}">
-                      <a16:colId xmlns:a16="http://schemas.microsoft.com/office/drawing/2014/main" val="4282188937"/>
-                    </a:ext>
-                  </a:extLst>
-                </a:gridCol>
-                <a:gridCol w="1124528">
-                  <a:extLst>
-                    <a:ext uri="{9D8B030D-6E8A-4147-A177-3AD203B41FA5}">
-                      <a16:colId xmlns:a16="http://schemas.microsoft.com/office/drawing/2014/main" val="2503059281"/>
-                    </a:ext>
-                  </a:extLst>
-                </a:gridCol>
-                <a:gridCol w="1124528">
-                  <a:extLst>
-                    <a:ext uri="{9D8B030D-6E8A-4147-A177-3AD203B41FA5}">
-                      <a16:colId xmlns:a16="http://schemas.microsoft.com/office/drawing/2014/main" val="914204203"/>
-                    </a:ext>
-                  </a:extLst>
-                </a:gridCol>
-              </a:tblGrid>
-              <a:tr h="370840">
-                <a:tc>
-                  <a:txBody>
-                    <a:bodyPr/>
-                    <a:lstStyle/>
-                    <a:p>
-                      <a:pPr latinLnBrk="1"/>
-                      <a:r>
-                        <a:rPr lang="ko-KR" altLang="en-US" dirty="0"/>
-                        <a:t>날짜</a:t>
-                      </a:r>
-                    </a:p>
-                  </a:txBody>
-                  <a:tcPr/>
-                </a:tc>
-                <a:tc>
-                  <a:txBody>
-                    <a:bodyPr/>
-                    <a:lstStyle/>
-                    <a:p>
-                      <a:pPr latinLnBrk="1"/>
-                      <a:r>
-                        <a:rPr lang="ko-KR" altLang="en-US" dirty="0"/>
-                        <a:t>체중</a:t>
-                      </a:r>
-                    </a:p>
-                  </a:txBody>
-                  <a:tcPr/>
-                </a:tc>
-                <a:tc>
-                  <a:txBody>
-                    <a:bodyPr/>
-                    <a:lstStyle/>
-                    <a:p>
-                      <a:pPr latinLnBrk="1"/>
-                      <a:r>
-                        <a:rPr lang="en-US" altLang="ko-KR" dirty="0" err="1"/>
-                        <a:t>Bmi</a:t>
-                      </a:r>
-                      <a:r>
-                        <a:rPr lang="en-US" altLang="ko-KR" dirty="0"/>
-                        <a:t> </a:t>
-                      </a:r>
-                      <a:r>
-                        <a:rPr lang="ko-KR" altLang="en-US" dirty="0"/>
-                        <a:t>수치</a:t>
-                      </a:r>
-                    </a:p>
-                  </a:txBody>
-                  <a:tcPr/>
-                </a:tc>
-                <a:tc>
-                  <a:txBody>
-                    <a:bodyPr/>
-                    <a:lstStyle/>
-                    <a:p>
-                      <a:pPr latinLnBrk="1"/>
-                      <a:r>
-                        <a:rPr lang="ko-KR" altLang="en-US" dirty="0"/>
-                        <a:t>범위</a:t>
-                      </a:r>
-                    </a:p>
-                  </a:txBody>
-                  <a:tcPr/>
-                </a:tc>
-                <a:extLst>
-                  <a:ext uri="{0D108BD9-81ED-4DB2-BD59-A6C34878D82A}">
-                    <a16:rowId xmlns:a16="http://schemas.microsoft.com/office/drawing/2014/main" val="3189869451"/>
-                  </a:ext>
-                </a:extLst>
-              </a:tr>
-              <a:tr h="370840">
-                <a:tc>
-                  <a:txBody>
-                    <a:bodyPr/>
-                    <a:lstStyle/>
-                    <a:p>
-                      <a:pPr latinLnBrk="1"/>
-                      <a:r>
-                        <a:rPr lang="ko-KR" altLang="en-US" dirty="0"/>
-                        <a:t>달력</a:t>
-                      </a:r>
-                      <a:r>
-                        <a:rPr lang="en-US" altLang="ko-KR" dirty="0"/>
-                        <a:t>+</a:t>
-                      </a:r>
-                      <a:r>
-                        <a:rPr lang="ko-KR" altLang="en-US" dirty="0"/>
-                        <a:t>입력형</a:t>
-                      </a:r>
-                    </a:p>
-                  </a:txBody>
-                  <a:tcPr/>
-                </a:tc>
-                <a:tc>
-                  <a:txBody>
-                    <a:bodyPr/>
-                    <a:lstStyle/>
-                    <a:p>
-                      <a:pPr latinLnBrk="1"/>
-                      <a:r>
-                        <a:rPr lang="ko-KR" altLang="en-US" dirty="0"/>
-                        <a:t>숫자</a:t>
-                      </a:r>
-                      <a:r>
-                        <a:rPr lang="en-US" altLang="ko-KR" dirty="0"/>
-                        <a:t>+</a:t>
-                      </a:r>
-                      <a:r>
-                        <a:rPr lang="ko-KR" altLang="en-US" dirty="0"/>
-                        <a:t>소수점</a:t>
-                      </a:r>
-                    </a:p>
-                  </a:txBody>
-                  <a:tcPr/>
-                </a:tc>
-                <a:tc>
-                  <a:txBody>
-                    <a:bodyPr/>
-                    <a:lstStyle/>
-                    <a:p>
-                      <a:pPr latinLnBrk="1"/>
-                      <a:r>
-                        <a:rPr lang="ko-KR" altLang="en-US" dirty="0"/>
-                        <a:t>소수</a:t>
-                      </a:r>
-                      <a:r>
-                        <a:rPr lang="en-US" altLang="ko-KR" dirty="0"/>
-                        <a:t>1</a:t>
-                      </a:r>
-                      <a:r>
-                        <a:rPr lang="ko-KR" altLang="en-US" dirty="0"/>
-                        <a:t>자리까지</a:t>
-                      </a:r>
-                    </a:p>
-                  </a:txBody>
-                  <a:tcPr/>
-                </a:tc>
-                <a:tc>
-                  <a:txBody>
-                    <a:bodyPr/>
-                    <a:lstStyle/>
-                    <a:p>
-                      <a:pPr latinLnBrk="1"/>
-                      <a:r>
-                        <a:rPr lang="ko-KR" altLang="en-US" dirty="0"/>
-                        <a:t>문자열</a:t>
-                      </a:r>
-                    </a:p>
-                  </a:txBody>
-                  <a:tcPr/>
-                </a:tc>
-                <a:extLst>
-                  <a:ext uri="{0D108BD9-81ED-4DB2-BD59-A6C34878D82A}">
-                    <a16:rowId xmlns:a16="http://schemas.microsoft.com/office/drawing/2014/main" val="1571890350"/>
-                  </a:ext>
-                </a:extLst>
-              </a:tr>
-              <a:tr h="370840">
-                <a:tc>
-                  <a:txBody>
-                    <a:bodyPr/>
-                    <a:lstStyle/>
-                    <a:p>
-                      <a:pPr latinLnBrk="1"/>
-                      <a:r>
-                        <a:rPr lang="en-US" altLang="ko-KR" dirty="0"/>
-                        <a:t>23/06/12</a:t>
-                      </a:r>
-                      <a:endParaRPr lang="ko-KR" altLang="en-US" dirty="0"/>
-                    </a:p>
-                  </a:txBody>
-                  <a:tcPr/>
-                </a:tc>
-                <a:tc>
-                  <a:txBody>
-                    <a:bodyPr/>
-                    <a:lstStyle/>
-                    <a:p>
-                      <a:pPr latinLnBrk="1"/>
-                      <a:r>
-                        <a:rPr lang="en-US" altLang="ko-KR" dirty="0"/>
-                        <a:t>65.3</a:t>
-                      </a:r>
-                    </a:p>
-                  </a:txBody>
-                  <a:tcPr/>
-                </a:tc>
-                <a:tc>
-                  <a:txBody>
-                    <a:bodyPr/>
-                    <a:lstStyle/>
-                    <a:p>
-                      <a:pPr latinLnBrk="1"/>
-                      <a:r>
-                        <a:rPr lang="ko-KR" altLang="en-US" dirty="0"/>
-                        <a:t>수식</a:t>
-                      </a:r>
-                      <a:endParaRPr lang="en-US" altLang="ko-KR" dirty="0"/>
-                    </a:p>
-                  </a:txBody>
-                  <a:tcPr/>
-                </a:tc>
-                <a:tc>
-                  <a:txBody>
-                    <a:bodyPr/>
-                    <a:lstStyle/>
-                    <a:p>
-                      <a:pPr latinLnBrk="1"/>
-                      <a:r>
-                        <a:rPr lang="ko-KR" altLang="en-US" dirty="0"/>
-                        <a:t>정상</a:t>
-                      </a:r>
-                      <a:endParaRPr lang="en-US" altLang="ko-KR" dirty="0"/>
-                    </a:p>
-                  </a:txBody>
-                  <a:tcPr/>
-                </a:tc>
-                <a:extLst>
-                  <a:ext uri="{0D108BD9-81ED-4DB2-BD59-A6C34878D82A}">
-                    <a16:rowId xmlns:a16="http://schemas.microsoft.com/office/drawing/2014/main" val="1300329010"/>
-                  </a:ext>
-                </a:extLst>
-              </a:tr>
-              <a:tr h="370840">
-                <a:tc>
-                  <a:txBody>
-                    <a:bodyPr/>
-                    <a:lstStyle/>
-                    <a:p>
-                      <a:pPr latinLnBrk="1"/>
-                      <a:r>
-                        <a:rPr lang="en-US" altLang="ko-KR" dirty="0"/>
-                        <a:t>23/06/13</a:t>
-                      </a:r>
-                      <a:endParaRPr lang="ko-KR" altLang="en-US" dirty="0"/>
-                    </a:p>
-                  </a:txBody>
-                  <a:tcPr/>
-                </a:tc>
-                <a:tc>
-                  <a:txBody>
-                    <a:bodyPr/>
-                    <a:lstStyle/>
-                    <a:p>
-                      <a:pPr latinLnBrk="1"/>
-                      <a:r>
-                        <a:rPr lang="en-US" altLang="ko-KR" dirty="0"/>
-                        <a:t>65.0</a:t>
-                      </a:r>
-                    </a:p>
-                  </a:txBody>
-                  <a:tcPr/>
-                </a:tc>
-                <a:tc>
-                  <a:txBody>
-                    <a:bodyPr/>
-                    <a:lstStyle/>
-                    <a:p>
-                      <a:pPr latinLnBrk="1"/>
-                      <a:endParaRPr lang="en-US" altLang="ko-KR" dirty="0"/>
-                    </a:p>
-                  </a:txBody>
-                  <a:tcPr/>
-                </a:tc>
-                <a:tc>
-                  <a:txBody>
-                    <a:bodyPr/>
-                    <a:lstStyle/>
-                    <a:p>
-                      <a:pPr latinLnBrk="1"/>
-                      <a:endParaRPr lang="en-US" altLang="ko-KR" dirty="0"/>
-                    </a:p>
-                  </a:txBody>
-                  <a:tcPr/>
-                </a:tc>
-                <a:extLst>
-                  <a:ext uri="{0D108BD9-81ED-4DB2-BD59-A6C34878D82A}">
-                    <a16:rowId xmlns:a16="http://schemas.microsoft.com/office/drawing/2014/main" val="2632950457"/>
-                  </a:ext>
-                </a:extLst>
-              </a:tr>
-              <a:tr h="370840">
-                <a:tc>
-                  <a:txBody>
-                    <a:bodyPr/>
-                    <a:lstStyle/>
-                    <a:p>
-                      <a:pPr latinLnBrk="1"/>
-                      <a:r>
-                        <a:rPr lang="en-US" altLang="ko-KR" dirty="0"/>
-                        <a:t>23/06/14</a:t>
-                      </a:r>
-                      <a:endParaRPr lang="ko-KR" altLang="en-US" dirty="0"/>
-                    </a:p>
-                  </a:txBody>
-                  <a:tcPr/>
-                </a:tc>
-                <a:tc>
-                  <a:txBody>
-                    <a:bodyPr/>
-                    <a:lstStyle/>
-                    <a:p>
-                      <a:pPr latinLnBrk="1"/>
-                      <a:r>
-                        <a:rPr lang="en-US" altLang="ko-KR" dirty="0"/>
-                        <a:t>66.0</a:t>
-                      </a:r>
-                    </a:p>
-                  </a:txBody>
-                  <a:tcPr/>
-                </a:tc>
-                <a:tc>
-                  <a:txBody>
-                    <a:bodyPr/>
-                    <a:lstStyle/>
-                    <a:p>
-                      <a:pPr latinLnBrk="1"/>
-                      <a:endParaRPr lang="en-US" altLang="ko-KR" dirty="0"/>
-                    </a:p>
-                  </a:txBody>
-                  <a:tcPr/>
-                </a:tc>
-                <a:tc>
-                  <a:txBody>
-                    <a:bodyPr/>
-                    <a:lstStyle/>
-                    <a:p>
-                      <a:pPr latinLnBrk="1"/>
-                      <a:endParaRPr lang="en-US" altLang="ko-KR" dirty="0"/>
-                    </a:p>
-                  </a:txBody>
-                  <a:tcPr/>
-                </a:tc>
-                <a:extLst>
-                  <a:ext uri="{0D108BD9-81ED-4DB2-BD59-A6C34878D82A}">
-                    <a16:rowId xmlns:a16="http://schemas.microsoft.com/office/drawing/2014/main" val="3346105087"/>
-                  </a:ext>
-                </a:extLst>
-              </a:tr>
-              <a:tr h="370840">
-                <a:tc>
-                  <a:txBody>
-                    <a:bodyPr/>
-                    <a:lstStyle/>
-                    <a:p>
-                      <a:pPr latinLnBrk="1"/>
-                      <a:r>
-                        <a:rPr lang="en-US" altLang="ko-KR" dirty="0"/>
-                        <a:t>23/06/15</a:t>
-                      </a:r>
-                      <a:endParaRPr lang="ko-KR" altLang="en-US" dirty="0"/>
-                    </a:p>
-                  </a:txBody>
-                  <a:tcPr/>
-                </a:tc>
-                <a:tc>
-                  <a:txBody>
-                    <a:bodyPr/>
-                    <a:lstStyle/>
-                    <a:p>
-                      <a:pPr latinLnBrk="1"/>
-                      <a:r>
-                        <a:rPr lang="en-US" altLang="ko-KR" dirty="0"/>
-                        <a:t>65.5</a:t>
-                      </a:r>
-                    </a:p>
-                  </a:txBody>
-                  <a:tcPr/>
-                </a:tc>
-                <a:tc>
-                  <a:txBody>
-                    <a:bodyPr/>
-                    <a:lstStyle/>
-                    <a:p>
-                      <a:pPr latinLnBrk="1"/>
-                      <a:endParaRPr lang="en-US" altLang="ko-KR" dirty="0"/>
-                    </a:p>
-                  </a:txBody>
-                  <a:tcPr/>
-                </a:tc>
-                <a:tc>
-                  <a:txBody>
-                    <a:bodyPr/>
-                    <a:lstStyle/>
-                    <a:p>
-                      <a:pPr latinLnBrk="1"/>
-                      <a:endParaRPr lang="en-US" altLang="ko-KR" dirty="0"/>
-                    </a:p>
-                  </a:txBody>
-                  <a:tcPr/>
-                </a:tc>
-                <a:extLst>
-                  <a:ext uri="{0D108BD9-81ED-4DB2-BD59-A6C34878D82A}">
-                    <a16:rowId xmlns:a16="http://schemas.microsoft.com/office/drawing/2014/main" val="467649143"/>
-                  </a:ext>
-                </a:extLst>
-              </a:tr>
-              <a:tr h="370840">
-                <a:tc>
-                  <a:txBody>
-                    <a:bodyPr/>
-                    <a:lstStyle/>
-                    <a:p>
-                      <a:pPr latinLnBrk="1"/>
-                      <a:r>
-                        <a:rPr lang="en-US" altLang="ko-KR" dirty="0"/>
-                        <a:t>23/06/16</a:t>
-                      </a:r>
-                      <a:endParaRPr lang="ko-KR" altLang="en-US" dirty="0"/>
-                    </a:p>
-                  </a:txBody>
-                  <a:tcPr/>
-                </a:tc>
-                <a:tc>
-                  <a:txBody>
-                    <a:bodyPr/>
-                    <a:lstStyle/>
-                    <a:p>
-                      <a:pPr latinLnBrk="1"/>
-                      <a:r>
-                        <a:rPr lang="en-US" altLang="ko-KR" dirty="0"/>
-                        <a:t>65.0</a:t>
-                      </a:r>
-                    </a:p>
-                  </a:txBody>
-                  <a:tcPr/>
-                </a:tc>
-                <a:tc>
-                  <a:txBody>
-                    <a:bodyPr/>
-                    <a:lstStyle/>
-                    <a:p>
-                      <a:pPr latinLnBrk="1"/>
-                      <a:endParaRPr lang="en-US" altLang="ko-KR" dirty="0"/>
-                    </a:p>
-                  </a:txBody>
-                  <a:tcPr/>
-                </a:tc>
-                <a:tc>
-                  <a:txBody>
-                    <a:bodyPr/>
-                    <a:lstStyle/>
-                    <a:p>
-                      <a:pPr latinLnBrk="1"/>
-                      <a:endParaRPr lang="en-US" altLang="ko-KR" dirty="0"/>
-                    </a:p>
-                  </a:txBody>
-                  <a:tcPr/>
-                </a:tc>
-                <a:extLst>
-                  <a:ext uri="{0D108BD9-81ED-4DB2-BD59-A6C34878D82A}">
-                    <a16:rowId xmlns:a16="http://schemas.microsoft.com/office/drawing/2014/main" val="1605809888"/>
-                  </a:ext>
-                </a:extLst>
-              </a:tr>
-              <a:tr h="370840">
-                <a:tc>
-                  <a:txBody>
-                    <a:bodyPr/>
-                    <a:lstStyle/>
-                    <a:p>
-                      <a:pPr latinLnBrk="1"/>
-                      <a:r>
-                        <a:rPr lang="en-US" altLang="ko-KR" dirty="0"/>
-                        <a:t>23/06/17</a:t>
-                      </a:r>
-                      <a:endParaRPr lang="ko-KR" altLang="en-US" dirty="0"/>
-                    </a:p>
-                  </a:txBody>
-                  <a:tcPr/>
-                </a:tc>
-                <a:tc>
-                  <a:txBody>
-                    <a:bodyPr/>
-                    <a:lstStyle/>
-                    <a:p>
-                      <a:pPr latinLnBrk="1"/>
-                      <a:r>
-                        <a:rPr lang="en-US" altLang="ko-KR" dirty="0"/>
-                        <a:t>64.8</a:t>
-                      </a:r>
-                    </a:p>
-                  </a:txBody>
-                  <a:tcPr/>
-                </a:tc>
-                <a:tc>
-                  <a:txBody>
-                    <a:bodyPr/>
-                    <a:lstStyle/>
-                    <a:p>
-                      <a:pPr latinLnBrk="1"/>
-                      <a:endParaRPr lang="en-US" altLang="ko-KR" dirty="0"/>
-                    </a:p>
-                  </a:txBody>
-                  <a:tcPr/>
-                </a:tc>
-                <a:tc>
-                  <a:txBody>
-                    <a:bodyPr/>
-                    <a:lstStyle/>
-                    <a:p>
-                      <a:pPr latinLnBrk="1"/>
-                      <a:endParaRPr lang="en-US" altLang="ko-KR" dirty="0"/>
-                    </a:p>
-                  </a:txBody>
-                  <a:tcPr/>
-                </a:tc>
-                <a:extLst>
-                  <a:ext uri="{0D108BD9-81ED-4DB2-BD59-A6C34878D82A}">
-                    <a16:rowId xmlns:a16="http://schemas.microsoft.com/office/drawing/2014/main" val="854819330"/>
-                  </a:ext>
-                </a:extLst>
-              </a:tr>
-              <a:tr h="370840">
-                <a:tc>
-                  <a:txBody>
-                    <a:bodyPr/>
-                    <a:lstStyle/>
-                    <a:p>
-                      <a:pPr latinLnBrk="1"/>
-                      <a:r>
-                        <a:rPr lang="en-US" altLang="ko-KR" dirty="0"/>
-                        <a:t>23/06/18</a:t>
-                      </a:r>
-                      <a:endParaRPr lang="ko-KR" altLang="en-US" dirty="0"/>
-                    </a:p>
-                  </a:txBody>
-                  <a:tcPr/>
-                </a:tc>
-                <a:tc>
-                  <a:txBody>
-                    <a:bodyPr/>
-                    <a:lstStyle/>
-                    <a:p>
-                      <a:pPr latinLnBrk="1"/>
-                      <a:r>
-                        <a:rPr lang="en-US" altLang="ko-KR" dirty="0"/>
-                        <a:t>64.5</a:t>
-                      </a:r>
-                    </a:p>
-                  </a:txBody>
-                  <a:tcPr/>
-                </a:tc>
-                <a:tc>
-                  <a:txBody>
-                    <a:bodyPr/>
-                    <a:lstStyle/>
-                    <a:p>
-                      <a:pPr latinLnBrk="1"/>
-                      <a:endParaRPr lang="en-US" altLang="ko-KR" dirty="0"/>
-                    </a:p>
-                  </a:txBody>
-                  <a:tcPr/>
-                </a:tc>
-                <a:tc>
-                  <a:txBody>
-                    <a:bodyPr/>
-                    <a:lstStyle/>
-                    <a:p>
-                      <a:pPr latinLnBrk="1"/>
-                      <a:endParaRPr lang="en-US" altLang="ko-KR" dirty="0"/>
-                    </a:p>
-                  </a:txBody>
-                  <a:tcPr/>
-                </a:tc>
-                <a:extLst>
-                  <a:ext uri="{0D108BD9-81ED-4DB2-BD59-A6C34878D82A}">
-                    <a16:rowId xmlns:a16="http://schemas.microsoft.com/office/drawing/2014/main" val="168210970"/>
-                  </a:ext>
-                </a:extLst>
-              </a:tr>
-              <a:tr h="370840">
-                <a:tc>
-                  <a:txBody>
-                    <a:bodyPr/>
-                    <a:lstStyle/>
-                    <a:p>
-                      <a:pPr latinLnBrk="1"/>
-                      <a:r>
-                        <a:rPr lang="en-US" altLang="ko-KR" dirty="0"/>
-                        <a:t>23/06/19</a:t>
-                      </a:r>
-                      <a:endParaRPr lang="ko-KR" altLang="en-US" dirty="0"/>
-                    </a:p>
-                  </a:txBody>
-                  <a:tcPr/>
-                </a:tc>
-                <a:tc>
-                  <a:txBody>
-                    <a:bodyPr/>
-                    <a:lstStyle/>
-                    <a:p>
-                      <a:pPr latinLnBrk="1"/>
-                      <a:r>
-                        <a:rPr lang="en-US" altLang="ko-KR" dirty="0"/>
-                        <a:t>64.3</a:t>
-                      </a:r>
-                    </a:p>
-                  </a:txBody>
-                  <a:tcPr/>
-                </a:tc>
-                <a:tc>
-                  <a:txBody>
-                    <a:bodyPr/>
-                    <a:lstStyle/>
-                    <a:p>
-                      <a:pPr latinLnBrk="1"/>
-                      <a:endParaRPr lang="en-US" altLang="ko-KR" dirty="0"/>
-                    </a:p>
-                  </a:txBody>
-                  <a:tcPr/>
-                </a:tc>
-                <a:tc>
-                  <a:txBody>
-                    <a:bodyPr/>
-                    <a:lstStyle/>
-                    <a:p>
-                      <a:pPr latinLnBrk="1"/>
-                      <a:endParaRPr lang="en-US" altLang="ko-KR" dirty="0"/>
-                    </a:p>
-                  </a:txBody>
-                  <a:tcPr/>
-                </a:tc>
-                <a:extLst>
-                  <a:ext uri="{0D108BD9-81ED-4DB2-BD59-A6C34878D82A}">
-                    <a16:rowId xmlns:a16="http://schemas.microsoft.com/office/drawing/2014/main" val="4281668628"/>
-                  </a:ext>
-                </a:extLst>
-              </a:tr>
-            </a:tbl>
-          </a:graphicData>
-        </a:graphic>
-      </p:graphicFrame>
+              <a:t> 별로 색상 표기</a:t>
+            </a:r>
+          </a:p>
+        </p:txBody>
+      </p:sp>
     </p:spTree>
     <p:extLst>
       <p:ext uri="{BB962C8B-B14F-4D97-AF65-F5344CB8AC3E}">
-        <p14:creationId xmlns:p14="http://schemas.microsoft.com/office/powerpoint/2010/main" val="3082280874"/>
+        <p14:creationId xmlns:p14="http://schemas.microsoft.com/office/powerpoint/2010/main" val="3740241039"/>
       </p:ext>
     </p:extLst>
   </p:cSld>
@@ -5309,7 +6782,7 @@
 </p:sld>
 </file>
 
-<file path=ppt/slides/slide3.xml><?xml version="1.0" encoding="utf-8"?>
+<file path=ppt/slides/slide4.xml><?xml version="1.0" encoding="utf-8"?>
 <p:sld xmlns:a="http://schemas.openxmlformats.org/drawingml/2006/main" xmlns:r="http://schemas.openxmlformats.org/officeDocument/2006/relationships" xmlns:p="http://schemas.openxmlformats.org/presentationml/2006/main">
   <p:cSld>
     <p:spTree>
@@ -5328,10 +6801,10 @@
       </p:grpSpPr>
       <p:sp>
         <p:nvSpPr>
-          <p:cNvPr id="4" name="직사각형 3">
-            <a:extLst>
-              <a:ext uri="{FF2B5EF4-FFF2-40B4-BE49-F238E27FC236}">
-                <a16:creationId xmlns:a16="http://schemas.microsoft.com/office/drawing/2014/main" id="{D26D1F80-CCBB-BB85-CC7D-3BC1277584FF}"/>
+          <p:cNvPr id="13" name="직사각형 12">
+            <a:extLst>
+              <a:ext uri="{FF2B5EF4-FFF2-40B4-BE49-F238E27FC236}">
+                <a16:creationId xmlns:a16="http://schemas.microsoft.com/office/drawing/2014/main" id="{E86917F4-2B98-66A2-69FE-E3F4DB2CF11C}"/>
               </a:ext>
             </a:extLst>
           </p:cNvPr>
@@ -5375,10 +6848,10 @@
       </p:sp>
       <p:sp>
         <p:nvSpPr>
-          <p:cNvPr id="9" name="TextBox 8">
-            <a:extLst>
-              <a:ext uri="{FF2B5EF4-FFF2-40B4-BE49-F238E27FC236}">
-                <a16:creationId xmlns:a16="http://schemas.microsoft.com/office/drawing/2014/main" id="{3CAD97F2-58EA-DC78-C3C7-2A80F0F47A9D}"/>
+          <p:cNvPr id="14" name="TextBox 13">
+            <a:extLst>
+              <a:ext uri="{FF2B5EF4-FFF2-40B4-BE49-F238E27FC236}">
+                <a16:creationId xmlns:a16="http://schemas.microsoft.com/office/drawing/2014/main" id="{06DDB355-C046-2FCD-3E29-A9AF4769BF92}"/>
               </a:ext>
             </a:extLst>
           </p:cNvPr>
@@ -5387,7 +6860,7 @@
         </p:nvSpPr>
         <p:spPr>
           <a:xfrm>
-            <a:off x="1728146" y="775855"/>
+            <a:off x="1843561" y="775855"/>
             <a:ext cx="1651414" cy="369332"/>
           </a:xfrm>
           <a:prstGeom prst="rect">
@@ -5403,17 +6876,192 @@
           <a:p>
             <a:r>
               <a:rPr lang="ko-KR" altLang="en-US" dirty="0"/>
-              <a:t>통계 확인하기</a:t>
-            </a:r>
-          </a:p>
-        </p:txBody>
-      </p:sp>
-      <p:sp>
-        <p:nvSpPr>
-          <p:cNvPr id="12" name="TextBox 11">
-            <a:extLst>
-              <a:ext uri="{FF2B5EF4-FFF2-40B4-BE49-F238E27FC236}">
-                <a16:creationId xmlns:a16="http://schemas.microsoft.com/office/drawing/2014/main" id="{BFC70088-9221-DCD7-FF90-7ACFCA4FC815}"/>
+              <a:t>생리주기 표기</a:t>
+            </a:r>
+          </a:p>
+        </p:txBody>
+      </p:sp>
+      <p:grpSp>
+        <p:nvGrpSpPr>
+          <p:cNvPr id="8" name="그룹 7">
+            <a:extLst>
+              <a:ext uri="{FF2B5EF4-FFF2-40B4-BE49-F238E27FC236}">
+                <a16:creationId xmlns:a16="http://schemas.microsoft.com/office/drawing/2014/main" id="{3292AEF5-AFE2-44E6-D5EC-61EA3CF0A68B}"/>
+              </a:ext>
+            </a:extLst>
+          </p:cNvPr>
+          <p:cNvGrpSpPr/>
+          <p:nvPr/>
+        </p:nvGrpSpPr>
+        <p:grpSpPr>
+          <a:xfrm>
+            <a:off x="1025236" y="2253673"/>
+            <a:ext cx="3075709" cy="1727200"/>
+            <a:chOff x="1025236" y="2253673"/>
+            <a:chExt cx="3075709" cy="1727200"/>
+          </a:xfrm>
+        </p:grpSpPr>
+        <p:sp>
+          <p:nvSpPr>
+            <p:cNvPr id="2" name="직사각형 1">
+              <a:extLst>
+                <a:ext uri="{FF2B5EF4-FFF2-40B4-BE49-F238E27FC236}">
+                  <a16:creationId xmlns:a16="http://schemas.microsoft.com/office/drawing/2014/main" id="{989421FD-10C4-F788-237C-EFAA408F1626}"/>
+                </a:ext>
+              </a:extLst>
+            </p:cNvPr>
+            <p:cNvSpPr/>
+            <p:nvPr/>
+          </p:nvSpPr>
+          <p:spPr>
+            <a:xfrm>
+              <a:off x="1025236" y="2253673"/>
+              <a:ext cx="3075709" cy="1727200"/>
+            </a:xfrm>
+            <a:prstGeom prst="rect">
+              <a:avLst/>
+            </a:prstGeom>
+            <a:solidFill>
+              <a:schemeClr val="bg1"/>
+            </a:solidFill>
+          </p:spPr>
+          <p:style>
+            <a:lnRef idx="2">
+              <a:schemeClr val="accent1">
+                <a:shade val="15000"/>
+              </a:schemeClr>
+            </a:lnRef>
+            <a:fillRef idx="1">
+              <a:schemeClr val="accent1"/>
+            </a:fillRef>
+            <a:effectRef idx="0">
+              <a:schemeClr val="accent1"/>
+            </a:effectRef>
+            <a:fontRef idx="minor">
+              <a:schemeClr val="lt1"/>
+            </a:fontRef>
+          </p:style>
+          <p:txBody>
+            <a:bodyPr rtlCol="0" anchor="ctr"/>
+            <a:lstStyle/>
+            <a:p>
+              <a:pPr algn="ctr"/>
+              <a:endParaRPr lang="en-US" altLang="ko-KR" dirty="0">
+                <a:solidFill>
+                  <a:sysClr val="windowText" lastClr="000000"/>
+                </a:solidFill>
+              </a:endParaRPr>
+            </a:p>
+            <a:p>
+              <a:pPr algn="ctr"/>
+              <a:endParaRPr lang="en-US" altLang="ko-KR" dirty="0">
+                <a:solidFill>
+                  <a:sysClr val="windowText" lastClr="000000"/>
+                </a:solidFill>
+              </a:endParaRPr>
+            </a:p>
+            <a:p>
+              <a:pPr algn="ctr"/>
+              <a:endParaRPr lang="en-US" altLang="ko-KR" dirty="0">
+                <a:solidFill>
+                  <a:sysClr val="windowText" lastClr="000000"/>
+                </a:solidFill>
+              </a:endParaRPr>
+            </a:p>
+            <a:p>
+              <a:pPr algn="ctr"/>
+              <a:r>
+                <a:rPr lang="ko-KR" altLang="en-US" dirty="0">
+                  <a:solidFill>
+                    <a:sysClr val="windowText" lastClr="000000"/>
+                  </a:solidFill>
+                </a:rPr>
+                <a:t>달력</a:t>
+              </a:r>
+            </a:p>
+          </p:txBody>
+        </p:sp>
+        <p:cxnSp>
+          <p:nvCxnSpPr>
+            <p:cNvPr id="4" name="직선 연결선 3">
+              <a:extLst>
+                <a:ext uri="{FF2B5EF4-FFF2-40B4-BE49-F238E27FC236}">
+                  <a16:creationId xmlns:a16="http://schemas.microsoft.com/office/drawing/2014/main" id="{DE0DCFB8-229F-B615-7165-A30B6A049229}"/>
+                </a:ext>
+              </a:extLst>
+            </p:cNvPr>
+            <p:cNvCxnSpPr>
+              <a:cxnSpLocks/>
+            </p:cNvCxnSpPr>
+            <p:nvPr/>
+          </p:nvCxnSpPr>
+          <p:spPr>
+            <a:xfrm>
+              <a:off x="1025236" y="2253673"/>
+              <a:ext cx="3075709" cy="1727200"/>
+            </a:xfrm>
+            <a:prstGeom prst="line">
+              <a:avLst/>
+            </a:prstGeom>
+          </p:spPr>
+          <p:style>
+            <a:lnRef idx="2">
+              <a:schemeClr val="accent1"/>
+            </a:lnRef>
+            <a:fillRef idx="0">
+              <a:schemeClr val="accent1"/>
+            </a:fillRef>
+            <a:effectRef idx="1">
+              <a:schemeClr val="accent1"/>
+            </a:effectRef>
+            <a:fontRef idx="minor">
+              <a:schemeClr val="tx1"/>
+            </a:fontRef>
+          </p:style>
+        </p:cxnSp>
+        <p:cxnSp>
+          <p:nvCxnSpPr>
+            <p:cNvPr id="7" name="직선 연결선 6">
+              <a:extLst>
+                <a:ext uri="{FF2B5EF4-FFF2-40B4-BE49-F238E27FC236}">
+                  <a16:creationId xmlns:a16="http://schemas.microsoft.com/office/drawing/2014/main" id="{9B253965-ACC7-825C-724D-4FF26192F2C3}"/>
+                </a:ext>
+              </a:extLst>
+            </p:cNvPr>
+            <p:cNvCxnSpPr/>
+            <p:nvPr/>
+          </p:nvCxnSpPr>
+          <p:spPr>
+            <a:xfrm flipH="1">
+              <a:off x="1025236" y="2253673"/>
+              <a:ext cx="3075709" cy="1727200"/>
+            </a:xfrm>
+            <a:prstGeom prst="line">
+              <a:avLst/>
+            </a:prstGeom>
+          </p:spPr>
+          <p:style>
+            <a:lnRef idx="2">
+              <a:schemeClr val="accent1"/>
+            </a:lnRef>
+            <a:fillRef idx="0">
+              <a:schemeClr val="accent1"/>
+            </a:fillRef>
+            <a:effectRef idx="1">
+              <a:schemeClr val="accent1"/>
+            </a:effectRef>
+            <a:fontRef idx="minor">
+              <a:schemeClr val="tx1"/>
+            </a:fontRef>
+          </p:style>
+        </p:cxnSp>
+      </p:grpSp>
+      <p:sp>
+        <p:nvSpPr>
+          <p:cNvPr id="9" name="TextBox 8">
+            <a:extLst>
+              <a:ext uri="{FF2B5EF4-FFF2-40B4-BE49-F238E27FC236}">
+                <a16:creationId xmlns:a16="http://schemas.microsoft.com/office/drawing/2014/main" id="{7365F015-EDB5-3592-CB46-F908BAECB53D}"/>
               </a:ext>
             </a:extLst>
           </p:cNvPr>
@@ -5422,8 +7070,8 @@
         </p:nvSpPr>
         <p:spPr>
           <a:xfrm>
-            <a:off x="5486399" y="1145187"/>
-            <a:ext cx="6096000" cy="646331"/>
+            <a:off x="1720414" y="1681018"/>
+            <a:ext cx="922047" cy="369332"/>
           </a:xfrm>
           <a:prstGeom prst="rect">
             <a:avLst/>
@@ -5431,54 +7079,28 @@
           <a:noFill/>
         </p:spPr>
         <p:txBody>
-          <a:bodyPr wrap="square">
+          <a:bodyPr wrap="none" rtlCol="0">
             <a:spAutoFit/>
           </a:bodyPr>
           <a:lstStyle/>
           <a:p>
-            <a:pPr algn="ctr"/>
             <a:r>
               <a:rPr lang="en-US" altLang="ko-KR" dirty="0"/>
-              <a:t>BMI </a:t>
+              <a:t>2025</a:t>
             </a:r>
             <a:r>
               <a:rPr lang="ko-KR" altLang="en-US" dirty="0"/>
-              <a:t>수치</a:t>
-            </a:r>
-            <a:r>
-              <a:rPr lang="en-US" altLang="ko-KR" dirty="0"/>
-              <a:t> - </a:t>
-            </a:r>
-            <a:r>
-              <a:rPr lang="ko-KR" altLang="en-US" dirty="0"/>
-              <a:t>빨강</a:t>
-            </a:r>
-            <a:endParaRPr lang="en-US" altLang="ko-KR" dirty="0"/>
-          </a:p>
-          <a:p>
-            <a:pPr algn="ctr"/>
-            <a:r>
-              <a:rPr lang="ko-KR" altLang="en-US" dirty="0"/>
-              <a:t>몸무게</a:t>
-            </a:r>
-            <a:r>
-              <a:rPr lang="en-US" altLang="ko-KR" dirty="0"/>
-              <a:t> - </a:t>
-            </a:r>
-            <a:r>
-              <a:rPr lang="ko-KR" altLang="en-US" dirty="0"/>
-              <a:t>파랑</a:t>
-            </a:r>
-            <a:endParaRPr lang="en-US" altLang="ko-KR" dirty="0"/>
-          </a:p>
-        </p:txBody>
-      </p:sp>
-      <p:sp>
-        <p:nvSpPr>
-          <p:cNvPr id="15" name="TextBox 14">
-            <a:extLst>
-              <a:ext uri="{FF2B5EF4-FFF2-40B4-BE49-F238E27FC236}">
-                <a16:creationId xmlns:a16="http://schemas.microsoft.com/office/drawing/2014/main" id="{413A8447-3D2C-A150-7410-4C14059145F9}"/>
+              <a:t>년</a:t>
+            </a:r>
+          </a:p>
+        </p:txBody>
+      </p:sp>
+      <p:sp>
+        <p:nvSpPr>
+          <p:cNvPr id="10" name="TextBox 9">
+            <a:extLst>
+              <a:ext uri="{FF2B5EF4-FFF2-40B4-BE49-F238E27FC236}">
+                <a16:creationId xmlns:a16="http://schemas.microsoft.com/office/drawing/2014/main" id="{0422C28F-48C2-430D-D63D-C46458E9E0D1}"/>
               </a:ext>
             </a:extLst>
           </p:cNvPr>
@@ -5487,8 +7109,8 @@
         </p:nvSpPr>
         <p:spPr>
           <a:xfrm>
-            <a:off x="9264072" y="2623128"/>
-            <a:ext cx="2493820" cy="2585323"/>
+            <a:off x="2807098" y="1681018"/>
+            <a:ext cx="668773" cy="369332"/>
           </a:xfrm>
           <a:prstGeom prst="rect">
             <a:avLst/>
@@ -5496,145 +7118,1041 @@
           <a:noFill/>
         </p:spPr>
         <p:txBody>
-          <a:bodyPr wrap="square">
+          <a:bodyPr wrap="none" rtlCol="0">
             <a:spAutoFit/>
           </a:bodyPr>
           <a:lstStyle/>
           <a:p>
+            <a:r>
+              <a:rPr lang="en-US" altLang="ko-KR" dirty="0"/>
+              <a:t>08</a:t>
+            </a:r>
+            <a:r>
+              <a:rPr lang="ko-KR" altLang="en-US" dirty="0"/>
+              <a:t>월</a:t>
+            </a:r>
+          </a:p>
+        </p:txBody>
+      </p:sp>
+      <p:sp>
+        <p:nvSpPr>
+          <p:cNvPr id="11" name="직사각형 10">
+            <a:extLst>
+              <a:ext uri="{FF2B5EF4-FFF2-40B4-BE49-F238E27FC236}">
+                <a16:creationId xmlns:a16="http://schemas.microsoft.com/office/drawing/2014/main" id="{95799C89-F77F-56F1-25BD-F4595378E623}"/>
+              </a:ext>
+            </a:extLst>
+          </p:cNvPr>
+          <p:cNvSpPr/>
+          <p:nvPr/>
+        </p:nvSpPr>
+        <p:spPr>
+          <a:xfrm>
+            <a:off x="737655" y="5744799"/>
+            <a:ext cx="684745" cy="600583"/>
+          </a:xfrm>
+          <a:prstGeom prst="rect">
+            <a:avLst/>
+          </a:prstGeom>
+          <a:noFill/>
+        </p:spPr>
+        <p:style>
+          <a:lnRef idx="2">
+            <a:schemeClr val="accent1">
+              <a:shade val="15000"/>
+            </a:schemeClr>
+          </a:lnRef>
+          <a:fillRef idx="1">
+            <a:schemeClr val="accent1"/>
+          </a:fillRef>
+          <a:effectRef idx="0">
+            <a:schemeClr val="accent1"/>
+          </a:effectRef>
+          <a:fontRef idx="minor">
+            <a:schemeClr val="lt1"/>
+          </a:fontRef>
+        </p:style>
+        <p:txBody>
+          <a:bodyPr rtlCol="0" anchor="ctr"/>
+          <a:lstStyle/>
+          <a:p>
             <a:pPr algn="ctr"/>
             <a:r>
-              <a:rPr lang="ko-KR" altLang="en-US" dirty="0" err="1"/>
-              <a:t>이전표</a:t>
-            </a:r>
+              <a:rPr lang="ko-KR" altLang="en-US" dirty="0">
+                <a:solidFill>
+                  <a:schemeClr val="tx1"/>
+                </a:solidFill>
+              </a:rPr>
+              <a:t>체중</a:t>
+            </a:r>
+            <a:endParaRPr lang="en-US" altLang="ko-KR" dirty="0">
+              <a:solidFill>
+                <a:schemeClr val="tx1"/>
+              </a:solidFill>
+            </a:endParaRPr>
+          </a:p>
+          <a:p>
+            <a:pPr algn="ctr"/>
+            <a:r>
+              <a:rPr lang="ko-KR" altLang="en-US" dirty="0">
+                <a:solidFill>
+                  <a:schemeClr val="tx1"/>
+                </a:solidFill>
+              </a:rPr>
+              <a:t>관리</a:t>
+            </a:r>
+          </a:p>
+        </p:txBody>
+      </p:sp>
+      <p:sp>
+        <p:nvSpPr>
+          <p:cNvPr id="12" name="직사각형 11">
+            <a:extLst>
+              <a:ext uri="{FF2B5EF4-FFF2-40B4-BE49-F238E27FC236}">
+                <a16:creationId xmlns:a16="http://schemas.microsoft.com/office/drawing/2014/main" id="{0B435B58-998E-5B32-0A42-79F8796D582D}"/>
+              </a:ext>
+            </a:extLst>
+          </p:cNvPr>
+          <p:cNvSpPr/>
+          <p:nvPr/>
+        </p:nvSpPr>
+        <p:spPr>
+          <a:xfrm>
+            <a:off x="1430382" y="5744798"/>
+            <a:ext cx="764568" cy="600583"/>
+          </a:xfrm>
+          <a:prstGeom prst="rect">
+            <a:avLst/>
+          </a:prstGeom>
+          <a:noFill/>
+        </p:spPr>
+        <p:style>
+          <a:lnRef idx="2">
+            <a:schemeClr val="accent1">
+              <a:shade val="15000"/>
+            </a:schemeClr>
+          </a:lnRef>
+          <a:fillRef idx="1">
+            <a:schemeClr val="accent1"/>
+          </a:fillRef>
+          <a:effectRef idx="0">
+            <a:schemeClr val="accent1"/>
+          </a:effectRef>
+          <a:fontRef idx="minor">
+            <a:schemeClr val="lt1"/>
+          </a:fontRef>
+        </p:style>
+        <p:txBody>
+          <a:bodyPr rtlCol="0" anchor="ctr"/>
+          <a:lstStyle/>
+          <a:p>
+            <a:pPr algn="ctr"/>
+            <a:r>
+              <a:rPr lang="ko-KR" altLang="en-US" sz="1400" dirty="0">
+                <a:solidFill>
+                  <a:schemeClr val="tx1"/>
+                </a:solidFill>
+              </a:rPr>
+              <a:t>그래프</a:t>
+            </a:r>
+            <a:endParaRPr lang="en-US" altLang="ko-KR" sz="1400" dirty="0">
+              <a:solidFill>
+                <a:schemeClr val="tx1"/>
+              </a:solidFill>
+            </a:endParaRPr>
+          </a:p>
+          <a:p>
+            <a:pPr algn="ctr"/>
+            <a:r>
+              <a:rPr lang="ko-KR" altLang="en-US" sz="1400" dirty="0">
+                <a:solidFill>
+                  <a:schemeClr val="tx1"/>
+                </a:solidFill>
+              </a:rPr>
+              <a:t>표시</a:t>
+            </a:r>
+          </a:p>
+        </p:txBody>
+      </p:sp>
+      <p:sp>
+        <p:nvSpPr>
+          <p:cNvPr id="19" name="직사각형 18">
+            <a:extLst>
+              <a:ext uri="{FF2B5EF4-FFF2-40B4-BE49-F238E27FC236}">
+                <a16:creationId xmlns:a16="http://schemas.microsoft.com/office/drawing/2014/main" id="{DA72493B-AB4F-FA24-C0E3-1B097194A100}"/>
+              </a:ext>
+            </a:extLst>
+          </p:cNvPr>
+          <p:cNvSpPr/>
+          <p:nvPr/>
+        </p:nvSpPr>
+        <p:spPr>
+          <a:xfrm>
+            <a:off x="2202932" y="5744798"/>
+            <a:ext cx="803569" cy="600583"/>
+          </a:xfrm>
+          <a:prstGeom prst="rect">
+            <a:avLst/>
+          </a:prstGeom>
+          <a:solidFill>
+            <a:srgbClr val="00B0F0"/>
+          </a:solidFill>
+        </p:spPr>
+        <p:style>
+          <a:lnRef idx="2">
+            <a:schemeClr val="accent1">
+              <a:shade val="15000"/>
+            </a:schemeClr>
+          </a:lnRef>
+          <a:fillRef idx="1">
+            <a:schemeClr val="accent1"/>
+          </a:fillRef>
+          <a:effectRef idx="0">
+            <a:schemeClr val="accent1"/>
+          </a:effectRef>
+          <a:fontRef idx="minor">
+            <a:schemeClr val="lt1"/>
+          </a:fontRef>
+        </p:style>
+        <p:txBody>
+          <a:bodyPr rtlCol="0" anchor="ctr"/>
+          <a:lstStyle/>
+          <a:p>
+            <a:pPr algn="ctr"/>
+            <a:r>
+              <a:rPr lang="ko-KR" altLang="en-US" dirty="0">
+                <a:solidFill>
+                  <a:schemeClr val="tx1"/>
+                </a:solidFill>
+              </a:rPr>
+              <a:t>생리</a:t>
+            </a:r>
+            <a:endParaRPr lang="en-US" altLang="ko-KR" dirty="0">
+              <a:solidFill>
+                <a:schemeClr val="tx1"/>
+              </a:solidFill>
+            </a:endParaRPr>
+          </a:p>
+          <a:p>
+            <a:pPr algn="ctr"/>
+            <a:r>
+              <a:rPr lang="ko-KR" altLang="en-US" dirty="0">
+                <a:solidFill>
+                  <a:schemeClr val="tx1"/>
+                </a:solidFill>
+              </a:rPr>
+              <a:t>주기</a:t>
+            </a:r>
+          </a:p>
+        </p:txBody>
+      </p:sp>
+      <p:sp>
+        <p:nvSpPr>
+          <p:cNvPr id="21" name="직사각형 20">
+            <a:extLst>
+              <a:ext uri="{FF2B5EF4-FFF2-40B4-BE49-F238E27FC236}">
+                <a16:creationId xmlns:a16="http://schemas.microsoft.com/office/drawing/2014/main" id="{167ECE0E-222D-81C4-B1AD-2AA136CADC4E}"/>
+              </a:ext>
+            </a:extLst>
+          </p:cNvPr>
+          <p:cNvSpPr/>
+          <p:nvPr/>
+        </p:nvSpPr>
+        <p:spPr>
+          <a:xfrm>
+            <a:off x="3001684" y="5749197"/>
+            <a:ext cx="684745" cy="600583"/>
+          </a:xfrm>
+          <a:prstGeom prst="rect">
+            <a:avLst/>
+          </a:prstGeom>
+          <a:noFill/>
+        </p:spPr>
+        <p:style>
+          <a:lnRef idx="2">
+            <a:schemeClr val="accent1">
+              <a:shade val="15000"/>
+            </a:schemeClr>
+          </a:lnRef>
+          <a:fillRef idx="1">
+            <a:schemeClr val="accent1"/>
+          </a:fillRef>
+          <a:effectRef idx="0">
+            <a:schemeClr val="accent1"/>
+          </a:effectRef>
+          <a:fontRef idx="minor">
+            <a:schemeClr val="lt1"/>
+          </a:fontRef>
+        </p:style>
+        <p:txBody>
+          <a:bodyPr rtlCol="0" anchor="ctr"/>
+          <a:lstStyle/>
+          <a:p>
+            <a:pPr algn="ctr"/>
+            <a:r>
+              <a:rPr lang="ko-KR" altLang="en-US" dirty="0">
+                <a:solidFill>
+                  <a:schemeClr val="tx1"/>
+                </a:solidFill>
+              </a:rPr>
+              <a:t>생리</a:t>
+            </a:r>
+            <a:endParaRPr lang="en-US" altLang="ko-KR" dirty="0">
+              <a:solidFill>
+                <a:schemeClr val="tx1"/>
+              </a:solidFill>
+            </a:endParaRPr>
+          </a:p>
+          <a:p>
+            <a:pPr algn="ctr"/>
+            <a:r>
+              <a:rPr lang="ko-KR" altLang="en-US" dirty="0">
+                <a:solidFill>
+                  <a:schemeClr val="tx1"/>
+                </a:solidFill>
+              </a:rPr>
+              <a:t>통계</a:t>
+            </a:r>
+          </a:p>
+        </p:txBody>
+      </p:sp>
+      <p:sp>
+        <p:nvSpPr>
+          <p:cNvPr id="22" name="직사각형 21">
+            <a:extLst>
+              <a:ext uri="{FF2B5EF4-FFF2-40B4-BE49-F238E27FC236}">
+                <a16:creationId xmlns:a16="http://schemas.microsoft.com/office/drawing/2014/main" id="{FE52E373-4CDC-4A5E-48E0-7C93061977D9}"/>
+              </a:ext>
+            </a:extLst>
+          </p:cNvPr>
+          <p:cNvSpPr/>
+          <p:nvPr/>
+        </p:nvSpPr>
+        <p:spPr>
+          <a:xfrm>
+            <a:off x="3703647" y="5744798"/>
+            <a:ext cx="659718" cy="605201"/>
+          </a:xfrm>
+          <a:prstGeom prst="rect">
+            <a:avLst/>
+          </a:prstGeom>
+          <a:noFill/>
+        </p:spPr>
+        <p:style>
+          <a:lnRef idx="2">
+            <a:schemeClr val="accent1">
+              <a:shade val="15000"/>
+            </a:schemeClr>
+          </a:lnRef>
+          <a:fillRef idx="1">
+            <a:schemeClr val="accent1"/>
+          </a:fillRef>
+          <a:effectRef idx="0">
+            <a:schemeClr val="accent1"/>
+          </a:effectRef>
+          <a:fontRef idx="minor">
+            <a:schemeClr val="lt1"/>
+          </a:fontRef>
+        </p:style>
+        <p:txBody>
+          <a:bodyPr rtlCol="0" anchor="ctr"/>
+          <a:lstStyle/>
+          <a:p>
+            <a:pPr algn="ctr"/>
+            <a:r>
+              <a:rPr lang="ko-KR" altLang="en-US" sz="1200" dirty="0">
+                <a:solidFill>
+                  <a:schemeClr val="tx1"/>
+                </a:solidFill>
+              </a:rPr>
+              <a:t>설정</a:t>
+            </a:r>
+          </a:p>
+        </p:txBody>
+      </p:sp>
+      <p:sp>
+        <p:nvSpPr>
+          <p:cNvPr id="23" name="TextBox 22">
+            <a:extLst>
+              <a:ext uri="{FF2B5EF4-FFF2-40B4-BE49-F238E27FC236}">
+                <a16:creationId xmlns:a16="http://schemas.microsoft.com/office/drawing/2014/main" id="{73FC3CF2-C6A7-6BE1-29FD-019A062D8704}"/>
+              </a:ext>
+            </a:extLst>
+          </p:cNvPr>
+          <p:cNvSpPr txBox="1"/>
+          <p:nvPr/>
+        </p:nvSpPr>
+        <p:spPr>
+          <a:xfrm>
+            <a:off x="6770255" y="2253673"/>
+            <a:ext cx="4204997" cy="3416320"/>
+          </a:xfrm>
+          <a:prstGeom prst="rect">
+            <a:avLst/>
+          </a:prstGeom>
+          <a:noFill/>
+        </p:spPr>
+        <p:txBody>
+          <a:bodyPr wrap="none" rtlCol="0">
+            <a:spAutoFit/>
+          </a:bodyPr>
+          <a:lstStyle/>
+          <a:p>
             <a:r>
               <a:rPr lang="ko-KR" altLang="en-US" dirty="0"/>
-              <a:t> </a:t>
+              <a:t>예상생리일에 대한 임시 표기</a:t>
+            </a:r>
+            <a:endParaRPr lang="en-US" altLang="ko-KR" dirty="0"/>
+          </a:p>
+          <a:p>
+            <a:r>
+              <a:rPr lang="ko-KR" altLang="en-US" dirty="0"/>
+              <a:t>생리와 관련된 내용을 기록</a:t>
+            </a:r>
+            <a:endParaRPr lang="en-US" altLang="ko-KR" dirty="0"/>
+          </a:p>
+          <a:p>
+            <a:endParaRPr lang="en-US" altLang="ko-KR" dirty="0"/>
+          </a:p>
+          <a:p>
+            <a:r>
+              <a:rPr lang="ko-KR" altLang="en-US" dirty="0"/>
+              <a:t>시작일 터치하면</a:t>
+            </a:r>
+            <a:endParaRPr lang="en-US" altLang="ko-KR" dirty="0"/>
+          </a:p>
+          <a:p>
+            <a:r>
+              <a:rPr lang="ko-KR" altLang="en-US" dirty="0"/>
+              <a:t>며칠을 했는지</a:t>
             </a:r>
             <a:r>
               <a:rPr lang="en-US" altLang="ko-KR" dirty="0"/>
-              <a:t>+ 1</a:t>
+              <a:t>/</a:t>
             </a:r>
             <a:r>
               <a:rPr lang="ko-KR" altLang="en-US" dirty="0"/>
-              <a:t>칸 더 추가</a:t>
+              <a:t>종료일 선택하여 기입</a:t>
             </a:r>
             <a:endParaRPr lang="en-US" altLang="ko-KR" dirty="0"/>
           </a:p>
           <a:p>
+            <a:r>
+              <a:rPr lang="en-US" altLang="ko-KR" dirty="0"/>
+              <a:t>10/10</a:t>
+            </a:r>
+            <a:r>
+              <a:rPr lang="ko-KR" altLang="en-US" dirty="0"/>
+              <a:t>시작 선택</a:t>
+            </a:r>
+            <a:endParaRPr lang="en-US" altLang="ko-KR" dirty="0"/>
+          </a:p>
+          <a:p>
+            <a:r>
+              <a:rPr lang="en-US" altLang="ko-KR" dirty="0"/>
+              <a:t>3</a:t>
+            </a:r>
+            <a:r>
+              <a:rPr lang="ko-KR" altLang="en-US" dirty="0"/>
+              <a:t>일간 </a:t>
+            </a:r>
+            <a:r>
+              <a:rPr lang="en-US" altLang="ko-KR" dirty="0"/>
+              <a:t>&lt;-&gt; 10/12</a:t>
+            </a:r>
+            <a:r>
+              <a:rPr lang="ko-KR" altLang="en-US" dirty="0"/>
+              <a:t>일 상호 반영</a:t>
+            </a:r>
+            <a:endParaRPr lang="en-US" altLang="ko-KR" dirty="0"/>
+          </a:p>
+          <a:p>
+            <a:endParaRPr lang="en-US" altLang="ko-KR" dirty="0"/>
+          </a:p>
+          <a:p>
+            <a:r>
+              <a:rPr lang="ko-KR" altLang="en-US" dirty="0"/>
+              <a:t>예상일자는 생리 통계에서 받은 정보로</a:t>
+            </a:r>
+            <a:endParaRPr lang="en-US" altLang="ko-KR" dirty="0"/>
+          </a:p>
+          <a:p>
+            <a:r>
+              <a:rPr lang="ko-KR" altLang="en-US" dirty="0"/>
+              <a:t>가장 근시일의 예상일자 </a:t>
+            </a:r>
+            <a:r>
+              <a:rPr lang="en-US" altLang="ko-KR" dirty="0"/>
+              <a:t>1</a:t>
+            </a:r>
+            <a:r>
+              <a:rPr lang="ko-KR" altLang="en-US" dirty="0"/>
+              <a:t>개만 반영</a:t>
+            </a:r>
+            <a:endParaRPr lang="en-US" altLang="ko-KR" dirty="0"/>
+          </a:p>
+          <a:p>
+            <a:r>
+              <a:rPr lang="ko-KR" altLang="en-US" dirty="0"/>
+              <a:t>생리 예상시작일에 맞춰서 알람</a:t>
+            </a:r>
+            <a:endParaRPr lang="en-US" altLang="ko-KR" dirty="0"/>
+          </a:p>
+          <a:p>
+            <a:r>
+              <a:rPr lang="ko-KR" altLang="en-US" dirty="0"/>
+              <a:t>생리 예상종료일에 맞춰서 알람</a:t>
+            </a:r>
+            <a:endParaRPr lang="en-US" altLang="ko-KR" dirty="0"/>
+          </a:p>
+        </p:txBody>
+      </p:sp>
+      <p:sp>
+        <p:nvSpPr>
+          <p:cNvPr id="25" name="화살표: 오른쪽 24">
+            <a:extLst>
+              <a:ext uri="{FF2B5EF4-FFF2-40B4-BE49-F238E27FC236}">
+                <a16:creationId xmlns:a16="http://schemas.microsoft.com/office/drawing/2014/main" id="{CB6A5A21-266B-57FD-DFBB-899B241DCE87}"/>
+              </a:ext>
+            </a:extLst>
+          </p:cNvPr>
+          <p:cNvSpPr/>
+          <p:nvPr/>
+        </p:nvSpPr>
+        <p:spPr>
+          <a:xfrm>
+            <a:off x="3754978" y="1735809"/>
+            <a:ext cx="345967" cy="259749"/>
+          </a:xfrm>
+          <a:prstGeom prst="rightArrow">
+            <a:avLst/>
+          </a:prstGeom>
+        </p:spPr>
+        <p:style>
+          <a:lnRef idx="2">
+            <a:schemeClr val="accent1">
+              <a:shade val="15000"/>
+            </a:schemeClr>
+          </a:lnRef>
+          <a:fillRef idx="1">
+            <a:schemeClr val="accent1"/>
+          </a:fillRef>
+          <a:effectRef idx="0">
+            <a:schemeClr val="accent1"/>
+          </a:effectRef>
+          <a:fontRef idx="minor">
+            <a:schemeClr val="lt1"/>
+          </a:fontRef>
+        </p:style>
+        <p:txBody>
+          <a:bodyPr rtlCol="0" anchor="ctr"/>
+          <a:lstStyle/>
+          <a:p>
             <a:pPr algn="ctr"/>
-            <a:endParaRPr lang="en-US" altLang="ko-KR" dirty="0"/>
-          </a:p>
+            <a:endParaRPr lang="ko-KR" altLang="en-US"/>
+          </a:p>
+        </p:txBody>
+      </p:sp>
+      <p:sp>
+        <p:nvSpPr>
+          <p:cNvPr id="26" name="화살표: 오른쪽 25">
+            <a:extLst>
+              <a:ext uri="{FF2B5EF4-FFF2-40B4-BE49-F238E27FC236}">
+                <a16:creationId xmlns:a16="http://schemas.microsoft.com/office/drawing/2014/main" id="{69E7AA82-E0BA-714B-55B5-CE1D14AA1D26}"/>
+              </a:ext>
+            </a:extLst>
+          </p:cNvPr>
+          <p:cNvSpPr/>
+          <p:nvPr/>
+        </p:nvSpPr>
+        <p:spPr>
+          <a:xfrm flipH="1">
+            <a:off x="1015377" y="1734992"/>
+            <a:ext cx="370700" cy="259749"/>
+          </a:xfrm>
+          <a:prstGeom prst="rightArrow">
+            <a:avLst/>
+          </a:prstGeom>
+        </p:spPr>
+        <p:style>
+          <a:lnRef idx="2">
+            <a:schemeClr val="accent1">
+              <a:shade val="15000"/>
+            </a:schemeClr>
+          </a:lnRef>
+          <a:fillRef idx="1">
+            <a:schemeClr val="accent1"/>
+          </a:fillRef>
+          <a:effectRef idx="0">
+            <a:schemeClr val="accent1"/>
+          </a:effectRef>
+          <a:fontRef idx="minor">
+            <a:schemeClr val="lt1"/>
+          </a:fontRef>
+        </p:style>
+        <p:txBody>
+          <a:bodyPr rtlCol="0" anchor="ctr"/>
+          <a:lstStyle/>
           <a:p>
             <a:pPr algn="ctr"/>
-            <a:r>
-              <a:rPr lang="en-US" altLang="ko-KR" dirty="0"/>
-              <a:t>BMI </a:t>
-            </a:r>
+            <a:endParaRPr lang="ko-KR" altLang="en-US"/>
+          </a:p>
+        </p:txBody>
+      </p:sp>
+    </p:spTree>
+    <p:extLst>
+      <p:ext uri="{BB962C8B-B14F-4D97-AF65-F5344CB8AC3E}">
+        <p14:creationId xmlns:p14="http://schemas.microsoft.com/office/powerpoint/2010/main" val="2707330628"/>
+      </p:ext>
+    </p:extLst>
+  </p:cSld>
+  <p:clrMapOvr>
+    <a:masterClrMapping/>
+  </p:clrMapOvr>
+</p:sld>
+</file>
+
+<file path=ppt/slides/slide5.xml><?xml version="1.0" encoding="utf-8"?>
+<p:sld xmlns:a="http://schemas.openxmlformats.org/drawingml/2006/main" xmlns:r="http://schemas.openxmlformats.org/officeDocument/2006/relationships" xmlns:p="http://schemas.openxmlformats.org/presentationml/2006/main">
+  <p:cSld>
+    <p:spTree>
+      <p:nvGrpSpPr>
+        <p:cNvPr id="1" name=""/>
+        <p:cNvGrpSpPr/>
+        <p:nvPr/>
+      </p:nvGrpSpPr>
+      <p:grpSpPr>
+        <a:xfrm>
+          <a:off x="0" y="0"/>
+          <a:ext cx="0" cy="0"/>
+          <a:chOff x="0" y="0"/>
+          <a:chExt cx="0" cy="0"/>
+        </a:xfrm>
+      </p:grpSpPr>
+      <p:sp>
+        <p:nvSpPr>
+          <p:cNvPr id="13" name="직사각형 12">
+            <a:extLst>
+              <a:ext uri="{FF2B5EF4-FFF2-40B4-BE49-F238E27FC236}">
+                <a16:creationId xmlns:a16="http://schemas.microsoft.com/office/drawing/2014/main" id="{E86917F4-2B98-66A2-69FE-E3F4DB2CF11C}"/>
+              </a:ext>
+            </a:extLst>
+          </p:cNvPr>
+          <p:cNvSpPr/>
+          <p:nvPr/>
+        </p:nvSpPr>
+        <p:spPr>
+          <a:xfrm>
+            <a:off x="729673" y="535709"/>
+            <a:ext cx="3648363" cy="5809673"/>
+          </a:xfrm>
+          <a:prstGeom prst="rect">
+            <a:avLst/>
+          </a:prstGeom>
+          <a:noFill/>
+        </p:spPr>
+        <p:style>
+          <a:lnRef idx="2">
+            <a:schemeClr val="accent1">
+              <a:shade val="15000"/>
+            </a:schemeClr>
+          </a:lnRef>
+          <a:fillRef idx="1">
+            <a:schemeClr val="accent1"/>
+          </a:fillRef>
+          <a:effectRef idx="0">
+            <a:schemeClr val="accent1"/>
+          </a:effectRef>
+          <a:fontRef idx="minor">
+            <a:schemeClr val="lt1"/>
+          </a:fontRef>
+        </p:style>
+        <p:txBody>
+          <a:bodyPr rtlCol="0" anchor="ctr"/>
+          <a:lstStyle/>
+          <a:p>
+            <a:pPr algn="ctr"/>
+            <a:endParaRPr lang="ko-KR" altLang="en-US"/>
+          </a:p>
+        </p:txBody>
+      </p:sp>
+      <p:sp>
+        <p:nvSpPr>
+          <p:cNvPr id="14" name="TextBox 13">
+            <a:extLst>
+              <a:ext uri="{FF2B5EF4-FFF2-40B4-BE49-F238E27FC236}">
+                <a16:creationId xmlns:a16="http://schemas.microsoft.com/office/drawing/2014/main" id="{06DDB355-C046-2FCD-3E29-A9AF4769BF92}"/>
+              </a:ext>
+            </a:extLst>
+          </p:cNvPr>
+          <p:cNvSpPr txBox="1"/>
+          <p:nvPr/>
+        </p:nvSpPr>
+        <p:spPr>
+          <a:xfrm>
+            <a:off x="1723491" y="775855"/>
+            <a:ext cx="1651414" cy="369332"/>
+          </a:xfrm>
+          <a:prstGeom prst="rect">
+            <a:avLst/>
+          </a:prstGeom>
+          <a:noFill/>
+        </p:spPr>
+        <p:txBody>
+          <a:bodyPr wrap="none" rtlCol="0">
+            <a:spAutoFit/>
+          </a:bodyPr>
+          <a:lstStyle/>
+          <a:p>
             <a:r>
               <a:rPr lang="ko-KR" altLang="en-US" dirty="0"/>
-              <a:t>수치</a:t>
-            </a:r>
-            <a:endParaRPr lang="en-US" altLang="ko-KR" dirty="0"/>
-          </a:p>
+              <a:t>생리주기 확인</a:t>
+            </a:r>
+          </a:p>
+        </p:txBody>
+      </p:sp>
+      <p:sp>
+        <p:nvSpPr>
+          <p:cNvPr id="21" name="직사각형 20">
+            <a:extLst>
+              <a:ext uri="{FF2B5EF4-FFF2-40B4-BE49-F238E27FC236}">
+                <a16:creationId xmlns:a16="http://schemas.microsoft.com/office/drawing/2014/main" id="{76DAF567-759F-C028-D126-0DF40FCA34E7}"/>
+              </a:ext>
+            </a:extLst>
+          </p:cNvPr>
+          <p:cNvSpPr/>
+          <p:nvPr/>
+        </p:nvSpPr>
+        <p:spPr>
+          <a:xfrm>
+            <a:off x="737655" y="5744799"/>
+            <a:ext cx="684745" cy="600583"/>
+          </a:xfrm>
+          <a:prstGeom prst="rect">
+            <a:avLst/>
+          </a:prstGeom>
+          <a:noFill/>
+        </p:spPr>
+        <p:style>
+          <a:lnRef idx="2">
+            <a:schemeClr val="accent1">
+              <a:shade val="15000"/>
+            </a:schemeClr>
+          </a:lnRef>
+          <a:fillRef idx="1">
+            <a:schemeClr val="accent1"/>
+          </a:fillRef>
+          <a:effectRef idx="0">
+            <a:schemeClr val="accent1"/>
+          </a:effectRef>
+          <a:fontRef idx="minor">
+            <a:schemeClr val="lt1"/>
+          </a:fontRef>
+        </p:style>
+        <p:txBody>
+          <a:bodyPr rtlCol="0" anchor="ctr"/>
+          <a:lstStyle/>
           <a:p>
             <a:pPr algn="ctr"/>
             <a:r>
-              <a:rPr lang="ko-KR" altLang="en-US" dirty="0"/>
+              <a:rPr lang="ko-KR" altLang="en-US" dirty="0">
+                <a:solidFill>
+                  <a:schemeClr val="tx1"/>
+                </a:solidFill>
+              </a:rPr>
               <a:t>체중</a:t>
             </a:r>
-            <a:r>
-              <a:rPr lang="en-US" altLang="ko-KR" dirty="0"/>
-              <a:t>kg/</a:t>
-            </a:r>
-            <a:r>
-              <a:rPr lang="ko-KR" altLang="en-US" dirty="0"/>
-              <a:t>키</a:t>
-            </a:r>
-            <a:r>
-              <a:rPr lang="en-US" altLang="ko-KR" dirty="0"/>
-              <a:t>m^2</a:t>
-            </a:r>
+            <a:endParaRPr lang="en-US" altLang="ko-KR" dirty="0">
+              <a:solidFill>
+                <a:schemeClr val="tx1"/>
+              </a:solidFill>
+            </a:endParaRPr>
           </a:p>
           <a:p>
             <a:pPr algn="ctr"/>
-            <a:endParaRPr lang="en-US" altLang="ko-KR" dirty="0"/>
-          </a:p>
+            <a:r>
+              <a:rPr lang="ko-KR" altLang="en-US" dirty="0">
+                <a:solidFill>
+                  <a:schemeClr val="tx1"/>
+                </a:solidFill>
+              </a:rPr>
+              <a:t>관리</a:t>
+            </a:r>
+          </a:p>
+        </p:txBody>
+      </p:sp>
+      <p:sp>
+        <p:nvSpPr>
+          <p:cNvPr id="22" name="직사각형 21">
+            <a:extLst>
+              <a:ext uri="{FF2B5EF4-FFF2-40B4-BE49-F238E27FC236}">
+                <a16:creationId xmlns:a16="http://schemas.microsoft.com/office/drawing/2014/main" id="{6D06F937-FD7E-A954-FCAC-AA39950D9CC3}"/>
+              </a:ext>
+            </a:extLst>
+          </p:cNvPr>
+          <p:cNvSpPr/>
+          <p:nvPr/>
+        </p:nvSpPr>
+        <p:spPr>
+          <a:xfrm>
+            <a:off x="1430382" y="5744798"/>
+            <a:ext cx="764568" cy="600583"/>
+          </a:xfrm>
+          <a:prstGeom prst="rect">
+            <a:avLst/>
+          </a:prstGeom>
+          <a:noFill/>
+        </p:spPr>
+        <p:style>
+          <a:lnRef idx="2">
+            <a:schemeClr val="accent1">
+              <a:shade val="15000"/>
+            </a:schemeClr>
+          </a:lnRef>
+          <a:fillRef idx="1">
+            <a:schemeClr val="accent1"/>
+          </a:fillRef>
+          <a:effectRef idx="0">
+            <a:schemeClr val="accent1"/>
+          </a:effectRef>
+          <a:fontRef idx="minor">
+            <a:schemeClr val="lt1"/>
+          </a:fontRef>
+        </p:style>
+        <p:txBody>
+          <a:bodyPr rtlCol="0" anchor="ctr"/>
+          <a:lstStyle/>
           <a:p>
             <a:pPr algn="ctr"/>
             <a:r>
-              <a:rPr lang="ko-KR" altLang="en-US" dirty="0" err="1"/>
-              <a:t>저체중</a:t>
-            </a:r>
-            <a:r>
-              <a:rPr lang="ko-KR" altLang="en-US" dirty="0"/>
-              <a:t> </a:t>
-            </a:r>
-            <a:r>
-              <a:rPr lang="en-US" altLang="ko-KR" dirty="0"/>
-              <a:t>18.5</a:t>
-            </a:r>
-            <a:r>
-              <a:rPr lang="ko-KR" altLang="en-US" dirty="0"/>
-              <a:t>미만</a:t>
-            </a:r>
-            <a:endParaRPr lang="en-US" altLang="ko-KR" dirty="0"/>
+              <a:rPr lang="ko-KR" altLang="en-US" sz="1400" dirty="0">
+                <a:solidFill>
+                  <a:schemeClr val="tx1"/>
+                </a:solidFill>
+              </a:rPr>
+              <a:t>그래프</a:t>
+            </a:r>
+            <a:endParaRPr lang="en-US" altLang="ko-KR" sz="1400" dirty="0">
+              <a:solidFill>
+                <a:schemeClr val="tx1"/>
+              </a:solidFill>
+            </a:endParaRPr>
           </a:p>
           <a:p>
             <a:pPr algn="ctr"/>
             <a:r>
-              <a:rPr lang="ko-KR" altLang="en-US" dirty="0"/>
-              <a:t>정상 </a:t>
-            </a:r>
-            <a:r>
-              <a:rPr lang="en-US" altLang="ko-KR" dirty="0"/>
-              <a:t>18.5</a:t>
-            </a:r>
-            <a:r>
-              <a:rPr lang="ko-KR" altLang="en-US" dirty="0"/>
-              <a:t>이상</a:t>
-            </a:r>
-            <a:endParaRPr lang="en-US" altLang="ko-KR" dirty="0"/>
-          </a:p>
+              <a:rPr lang="ko-KR" altLang="en-US" sz="1400" dirty="0">
+                <a:solidFill>
+                  <a:schemeClr val="tx1"/>
+                </a:solidFill>
+              </a:rPr>
+              <a:t>표시</a:t>
+            </a:r>
+          </a:p>
+        </p:txBody>
+      </p:sp>
+      <p:sp>
+        <p:nvSpPr>
+          <p:cNvPr id="23" name="직사각형 22">
+            <a:extLst>
+              <a:ext uri="{FF2B5EF4-FFF2-40B4-BE49-F238E27FC236}">
+                <a16:creationId xmlns:a16="http://schemas.microsoft.com/office/drawing/2014/main" id="{C2A2A93A-E51F-46B1-7494-ECB3129C8A8B}"/>
+              </a:ext>
+            </a:extLst>
+          </p:cNvPr>
+          <p:cNvSpPr/>
+          <p:nvPr/>
+        </p:nvSpPr>
+        <p:spPr>
+          <a:xfrm>
+            <a:off x="2202932" y="5744798"/>
+            <a:ext cx="803569" cy="600583"/>
+          </a:xfrm>
+          <a:prstGeom prst="rect">
+            <a:avLst/>
+          </a:prstGeom>
+          <a:noFill/>
+        </p:spPr>
+        <p:style>
+          <a:lnRef idx="2">
+            <a:schemeClr val="accent1">
+              <a:shade val="15000"/>
+            </a:schemeClr>
+          </a:lnRef>
+          <a:fillRef idx="1">
+            <a:schemeClr val="accent1"/>
+          </a:fillRef>
+          <a:effectRef idx="0">
+            <a:schemeClr val="accent1"/>
+          </a:effectRef>
+          <a:fontRef idx="minor">
+            <a:schemeClr val="lt1"/>
+          </a:fontRef>
+        </p:style>
+        <p:txBody>
+          <a:bodyPr rtlCol="0" anchor="ctr"/>
+          <a:lstStyle/>
           <a:p>
             <a:pPr algn="ctr"/>
             <a:r>
-              <a:rPr lang="ko-KR" altLang="en-US" dirty="0"/>
-              <a:t>과체중 </a:t>
-            </a:r>
-            <a:r>
-              <a:rPr lang="en-US" altLang="ko-KR" dirty="0"/>
-              <a:t>25</a:t>
-            </a:r>
-            <a:r>
-              <a:rPr lang="ko-KR" altLang="en-US" dirty="0"/>
-              <a:t>이상</a:t>
-            </a:r>
-            <a:endParaRPr lang="en-US" altLang="ko-KR" dirty="0"/>
+              <a:rPr lang="ko-KR" altLang="en-US" dirty="0">
+                <a:solidFill>
+                  <a:schemeClr val="tx1"/>
+                </a:solidFill>
+              </a:rPr>
+              <a:t>생리</a:t>
+            </a:r>
+            <a:endParaRPr lang="en-US" altLang="ko-KR" dirty="0">
+              <a:solidFill>
+                <a:schemeClr val="tx1"/>
+              </a:solidFill>
+            </a:endParaRPr>
           </a:p>
           <a:p>
             <a:pPr algn="ctr"/>
             <a:r>
-              <a:rPr lang="ko-KR" altLang="en-US" dirty="0"/>
-              <a:t>비만 </a:t>
-            </a:r>
-            <a:r>
-              <a:rPr lang="en-US" altLang="ko-KR" dirty="0"/>
-              <a:t>30</a:t>
-            </a:r>
-            <a:r>
-              <a:rPr lang="ko-KR" altLang="en-US" dirty="0"/>
-              <a:t>이상</a:t>
-            </a:r>
-            <a:endParaRPr lang="en-US" altLang="ko-KR" dirty="0"/>
+              <a:rPr lang="ko-KR" altLang="en-US" dirty="0">
+                <a:solidFill>
+                  <a:schemeClr val="tx1"/>
+                </a:solidFill>
+              </a:rPr>
+              <a:t>주기</a:t>
+            </a:r>
+          </a:p>
+        </p:txBody>
+      </p:sp>
+      <p:sp>
+        <p:nvSpPr>
+          <p:cNvPr id="24" name="직사각형 23">
+            <a:extLst>
+              <a:ext uri="{FF2B5EF4-FFF2-40B4-BE49-F238E27FC236}">
+                <a16:creationId xmlns:a16="http://schemas.microsoft.com/office/drawing/2014/main" id="{30F3E5F9-962A-ADDD-19CD-D9A1B6A22E6E}"/>
+              </a:ext>
+            </a:extLst>
+          </p:cNvPr>
+          <p:cNvSpPr/>
+          <p:nvPr/>
+        </p:nvSpPr>
+        <p:spPr>
+          <a:xfrm>
+            <a:off x="3001684" y="5749197"/>
+            <a:ext cx="684745" cy="600583"/>
+          </a:xfrm>
+          <a:prstGeom prst="rect">
+            <a:avLst/>
+          </a:prstGeom>
+          <a:solidFill>
+            <a:srgbClr val="00B0F0"/>
+          </a:solidFill>
+        </p:spPr>
+        <p:style>
+          <a:lnRef idx="2">
+            <a:schemeClr val="accent1">
+              <a:shade val="15000"/>
+            </a:schemeClr>
+          </a:lnRef>
+          <a:fillRef idx="1">
+            <a:schemeClr val="accent1"/>
+          </a:fillRef>
+          <a:effectRef idx="0">
+            <a:schemeClr val="accent1"/>
+          </a:effectRef>
+          <a:fontRef idx="minor">
+            <a:schemeClr val="lt1"/>
+          </a:fontRef>
+        </p:style>
+        <p:txBody>
+          <a:bodyPr rtlCol="0" anchor="ctr"/>
+          <a:lstStyle/>
+          <a:p>
+            <a:pPr algn="ctr"/>
+            <a:r>
+              <a:rPr lang="ko-KR" altLang="en-US" dirty="0">
+                <a:solidFill>
+                  <a:schemeClr val="tx1"/>
+                </a:solidFill>
+              </a:rPr>
+              <a:t>생리</a:t>
+            </a:r>
+            <a:endParaRPr lang="en-US" altLang="ko-KR" dirty="0">
+              <a:solidFill>
+                <a:schemeClr val="tx1"/>
+              </a:solidFill>
+            </a:endParaRPr>
+          </a:p>
+          <a:p>
+            <a:pPr algn="ctr"/>
+            <a:r>
+              <a:rPr lang="ko-KR" altLang="en-US" dirty="0">
+                <a:solidFill>
+                  <a:schemeClr val="tx1"/>
+                </a:solidFill>
+              </a:rPr>
+              <a:t>통계</a:t>
+            </a:r>
+          </a:p>
+        </p:txBody>
+      </p:sp>
+      <p:sp>
+        <p:nvSpPr>
+          <p:cNvPr id="25" name="직사각형 24">
+            <a:extLst>
+              <a:ext uri="{FF2B5EF4-FFF2-40B4-BE49-F238E27FC236}">
+                <a16:creationId xmlns:a16="http://schemas.microsoft.com/office/drawing/2014/main" id="{2B4F8033-E364-63DA-4AF5-A67D2C286210}"/>
+              </a:ext>
+            </a:extLst>
+          </p:cNvPr>
+          <p:cNvSpPr/>
+          <p:nvPr/>
+        </p:nvSpPr>
+        <p:spPr>
+          <a:xfrm>
+            <a:off x="3703647" y="5744798"/>
+            <a:ext cx="659718" cy="605201"/>
+          </a:xfrm>
+          <a:prstGeom prst="rect">
+            <a:avLst/>
+          </a:prstGeom>
+          <a:noFill/>
+        </p:spPr>
+        <p:style>
+          <a:lnRef idx="2">
+            <a:schemeClr val="accent1">
+              <a:shade val="15000"/>
+            </a:schemeClr>
+          </a:lnRef>
+          <a:fillRef idx="1">
+            <a:schemeClr val="accent1"/>
+          </a:fillRef>
+          <a:effectRef idx="0">
+            <a:schemeClr val="accent1"/>
+          </a:effectRef>
+          <a:fontRef idx="minor">
+            <a:schemeClr val="lt1"/>
+          </a:fontRef>
+        </p:style>
+        <p:txBody>
+          <a:bodyPr rtlCol="0" anchor="ctr"/>
+          <a:lstStyle/>
+          <a:p>
+            <a:pPr algn="ctr"/>
+            <a:r>
+              <a:rPr lang="ko-KR" altLang="en-US" sz="1200" dirty="0">
+                <a:solidFill>
+                  <a:schemeClr val="tx1"/>
+                </a:solidFill>
+              </a:rPr>
+              <a:t>설정</a:t>
+            </a:r>
           </a:p>
         </p:txBody>
       </p:sp>
       <p:graphicFrame>
         <p:nvGraphicFramePr>
-          <p:cNvPr id="16" name="표 15">
-            <a:extLst>
-              <a:ext uri="{FF2B5EF4-FFF2-40B4-BE49-F238E27FC236}">
-                <a16:creationId xmlns:a16="http://schemas.microsoft.com/office/drawing/2014/main" id="{37E476B8-D36E-DEC4-89F3-D751257151D1}"/>
+          <p:cNvPr id="26" name="표 25">
+            <a:extLst>
+              <a:ext uri="{FF2B5EF4-FFF2-40B4-BE49-F238E27FC236}">
+                <a16:creationId xmlns:a16="http://schemas.microsoft.com/office/drawing/2014/main" id="{A8B56D76-66E6-FE49-98DF-D7992D9C7F1A}"/>
               </a:ext>
             </a:extLst>
           </p:cNvPr>
@@ -5644,14 +8162,14 @@
           <p:nvPr>
             <p:extLst>
               <p:ext uri="{D42A27DB-BD31-4B8C-83A1-F6EECF244321}">
-                <p14:modId xmlns:p14="http://schemas.microsoft.com/office/powerpoint/2010/main" val="2308031950"/>
+                <p14:modId xmlns:p14="http://schemas.microsoft.com/office/powerpoint/2010/main" val="1910812746"/>
               </p:ext>
             </p:extLst>
           </p:nvPr>
         </p:nvGraphicFramePr>
         <p:xfrm>
-          <a:off x="4571998" y="2098502"/>
-          <a:ext cx="4498112" cy="3606800"/>
+          <a:off x="969820" y="1280330"/>
+          <a:ext cx="3158835" cy="1463040"/>
         </p:xfrm>
         <a:graphic>
           <a:graphicData uri="http://schemas.openxmlformats.org/drawingml/2006/table">
@@ -5660,36 +8178,29 @@
                 <a:tableStyleId>{5C22544A-7EE6-4342-B048-85BDC9FD1C3A}</a:tableStyleId>
               </a:tblPr>
               <a:tblGrid>
-                <a:gridCol w="1124528">
+                <a:gridCol w="1219198">
                   <a:extLst>
                     <a:ext uri="{9D8B030D-6E8A-4147-A177-3AD203B41FA5}">
-                      <a16:colId xmlns:a16="http://schemas.microsoft.com/office/drawing/2014/main" val="4211617579"/>
+                      <a16:colId xmlns:a16="http://schemas.microsoft.com/office/drawing/2014/main" val="3292648363"/>
                     </a:ext>
                   </a:extLst>
                 </a:gridCol>
-                <a:gridCol w="1124528">
+                <a:gridCol w="886692">
                   <a:extLst>
                     <a:ext uri="{9D8B030D-6E8A-4147-A177-3AD203B41FA5}">
-                      <a16:colId xmlns:a16="http://schemas.microsoft.com/office/drawing/2014/main" val="4282188937"/>
+                      <a16:colId xmlns:a16="http://schemas.microsoft.com/office/drawing/2014/main" val="544247817"/>
                     </a:ext>
                   </a:extLst>
                 </a:gridCol>
-                <a:gridCol w="1124528">
+                <a:gridCol w="1052945">
                   <a:extLst>
                     <a:ext uri="{9D8B030D-6E8A-4147-A177-3AD203B41FA5}">
-                      <a16:colId xmlns:a16="http://schemas.microsoft.com/office/drawing/2014/main" val="2503059281"/>
-                    </a:ext>
-                  </a:extLst>
-                </a:gridCol>
-                <a:gridCol w="1124528">
-                  <a:extLst>
-                    <a:ext uri="{9D8B030D-6E8A-4147-A177-3AD203B41FA5}">
-                      <a16:colId xmlns:a16="http://schemas.microsoft.com/office/drawing/2014/main" val="914204203"/>
+                      <a16:colId xmlns:a16="http://schemas.microsoft.com/office/drawing/2014/main" val="826771855"/>
                     </a:ext>
                   </a:extLst>
                 </a:gridCol>
               </a:tblGrid>
-              <a:tr h="370840">
+              <a:tr h="344936">
                 <a:tc>
                   <a:txBody>
                     <a:bodyPr/>
@@ -5698,7 +8209,7 @@
                       <a:pPr latinLnBrk="1"/>
                       <a:r>
                         <a:rPr lang="ko-KR" altLang="en-US" dirty="0"/>
-                        <a:t>날짜</a:t>
+                        <a:t>시작일</a:t>
                       </a:r>
                     </a:p>
                   </a:txBody>
@@ -5712,29 +8223,7 @@
                       <a:pPr latinLnBrk="1"/>
                       <a:r>
                         <a:rPr lang="ko-KR" altLang="en-US" dirty="0"/>
-                        <a:t>체중</a:t>
-                      </a:r>
-                    </a:p>
-                  </a:txBody>
-                  <a:tcPr/>
-                </a:tc>
-                <a:tc>
-                  <a:txBody>
-                    <a:bodyPr/>
-                    <a:lstStyle/>
-                    <a:p>
-                      <a:pPr latinLnBrk="1"/>
-                      <a:r>
-                        <a:rPr lang="en-US" altLang="ko-KR" dirty="0" err="1"/>
-                        <a:t>Bmi</a:t>
-                      </a:r>
-                      <a:r>
-                        <a:rPr lang="en-US" altLang="ko-KR" dirty="0"/>
-                        <a:t> </a:t>
-                      </a:r>
-                      <a:r>
-                        <a:rPr lang="ko-KR" altLang="en-US" dirty="0"/>
-                        <a:t>수치</a:t>
+                        <a:t>기간</a:t>
                       </a:r>
                     </a:p>
                   </a:txBody>
@@ -5748,7 +8237,7 @@
                       <a:pPr latinLnBrk="1"/>
                       <a:r>
                         <a:rPr lang="ko-KR" altLang="en-US" dirty="0"/>
-                        <a:t>범위</a:t>
+                        <a:t>주기</a:t>
                       </a:r>
                     </a:p>
                   </a:txBody>
@@ -5756,11 +8245,11 @@
                 </a:tc>
                 <a:extLst>
                   <a:ext uri="{0D108BD9-81ED-4DB2-BD59-A6C34878D82A}">
-                    <a16:rowId xmlns:a16="http://schemas.microsoft.com/office/drawing/2014/main" val="3189869451"/>
+                    <a16:rowId xmlns:a16="http://schemas.microsoft.com/office/drawing/2014/main" val="3946573048"/>
                   </a:ext>
                 </a:extLst>
               </a:tr>
-              <a:tr h="370840">
+              <a:tr h="344936">
                 <a:tc>
                   <a:txBody>
                     <a:bodyPr/>
@@ -5769,7 +8258,7 @@
                       <a:pPr latinLnBrk="1"/>
                       <a:r>
                         <a:rPr lang="en-US" altLang="ko-KR" dirty="0"/>
-                        <a:t>23/06/12</a:t>
+                        <a:t>23/09/10</a:t>
                       </a:r>
                       <a:endParaRPr lang="ko-KR" altLang="en-US" dirty="0"/>
                     </a:p>
@@ -5784,7 +8273,11 @@
                       <a:pPr latinLnBrk="1"/>
                       <a:r>
                         <a:rPr lang="en-US" altLang="ko-KR" dirty="0"/>
-                        <a:t>65.3</a:t>
+                        <a:t>3</a:t>
+                      </a:r>
+                      <a:r>
+                        <a:rPr lang="ko-KR" altLang="en-US" dirty="0"/>
+                        <a:t>일</a:t>
                       </a:r>
                     </a:p>
                   </a:txBody>
@@ -5795,44 +8288,23 @@
                     <a:bodyPr/>
                     <a:lstStyle/>
                     <a:p>
-                      <a:pPr algn="r" fontAlgn="ctr"/>
-                      <a:r>
-                        <a:rPr lang="en-US" altLang="ko-KR" sz="1100" b="0" i="0" u="none" strike="noStrike" dirty="0">
-                          <a:solidFill>
-                            <a:srgbClr val="000000"/>
-                          </a:solidFill>
-                          <a:effectLst/>
-                          <a:latin typeface="맑은 고딕" panose="020B0503020000020004" pitchFamily="50" charset="-127"/>
-                          <a:ea typeface="맑은 고딕" panose="020B0503020000020004" pitchFamily="50" charset="-127"/>
-                        </a:rPr>
-                        <a:t>22.6</a:t>
-                      </a:r>
-                    </a:p>
-                  </a:txBody>
-                  <a:tcPr marL="9525" marR="9525" marT="9525" marB="0" anchor="ctr"/>
-                </a:tc>
-                <a:tc>
-                  <a:txBody>
-                    <a:bodyPr/>
-                    <a:lstStyle/>
-                    <a:p>
                       <a:pPr latinLnBrk="1"/>
                       <a:r>
-                        <a:rPr lang="ko-KR" altLang="en-US" dirty="0"/>
-                        <a:t>정상</a:t>
+                        <a:rPr lang="en-US" altLang="ko-KR" dirty="0"/>
+                        <a:t>-</a:t>
                       </a:r>
-                      <a:endParaRPr lang="en-US" altLang="ko-KR" dirty="0"/>
+                      <a:endParaRPr lang="ko-KR" altLang="en-US" dirty="0"/>
                     </a:p>
                   </a:txBody>
                   <a:tcPr/>
                 </a:tc>
                 <a:extLst>
                   <a:ext uri="{0D108BD9-81ED-4DB2-BD59-A6C34878D82A}">
-                    <a16:rowId xmlns:a16="http://schemas.microsoft.com/office/drawing/2014/main" val="1300329010"/>
+                    <a16:rowId xmlns:a16="http://schemas.microsoft.com/office/drawing/2014/main" val="850551940"/>
                   </a:ext>
                 </a:extLst>
               </a:tr>
-              <a:tr h="370840">
+              <a:tr h="344936">
                 <a:tc>
                   <a:txBody>
                     <a:bodyPr/>
@@ -5841,7 +8313,7 @@
                       <a:pPr latinLnBrk="1"/>
                       <a:r>
                         <a:rPr lang="en-US" altLang="ko-KR" dirty="0"/>
-                        <a:t>23/06/13</a:t>
+                        <a:t>23/10/15</a:t>
                       </a:r>
                       <a:endParaRPr lang="ko-KR" altLang="en-US" dirty="0"/>
                     </a:p>
@@ -5856,7 +8328,11 @@
                       <a:pPr latinLnBrk="1"/>
                       <a:r>
                         <a:rPr lang="en-US" altLang="ko-KR" dirty="0"/>
-                        <a:t>65.0</a:t>
+                        <a:t>4</a:t>
+                      </a:r>
+                      <a:r>
+                        <a:rPr lang="ko-KR" altLang="en-US" dirty="0"/>
+                        <a:t>일</a:t>
                       </a:r>
                     </a:p>
                   </a:txBody>
@@ -5867,40 +8343,26 @@
                     <a:bodyPr/>
                     <a:lstStyle/>
                     <a:p>
-                      <a:pPr algn="r" fontAlgn="ctr"/>
+                      <a:pPr latinLnBrk="1"/>
                       <a:r>
-                        <a:rPr lang="en-US" altLang="ko-KR" sz="1100" b="0" i="0" u="none" strike="noStrike" dirty="0">
-                          <a:solidFill>
-                            <a:srgbClr val="000000"/>
-                          </a:solidFill>
-                          <a:effectLst/>
-                          <a:latin typeface="맑은 고딕" panose="020B0503020000020004" pitchFamily="50" charset="-127"/>
-                          <a:ea typeface="맑은 고딕" panose="020B0503020000020004" pitchFamily="50" charset="-127"/>
-                        </a:rPr>
-                        <a:t>22.5</a:t>
+                        <a:rPr lang="en-US" altLang="ko-KR" dirty="0"/>
+                        <a:t>35</a:t>
                       </a:r>
-                    </a:p>
-                  </a:txBody>
-                  <a:tcPr marL="9525" marR="9525" marT="9525" marB="0" anchor="ctr"/>
-                </a:tc>
-                <a:tc>
-                  <a:txBody>
-                    <a:bodyPr/>
-                    <a:lstStyle/>
-                    <a:p>
-                      <a:pPr latinLnBrk="1"/>
-                      <a:endParaRPr lang="en-US" altLang="ko-KR" dirty="0"/>
+                      <a:r>
+                        <a:rPr lang="ko-KR" altLang="en-US" dirty="0"/>
+                        <a:t>일</a:t>
+                      </a:r>
                     </a:p>
                   </a:txBody>
                   <a:tcPr/>
                 </a:tc>
                 <a:extLst>
                   <a:ext uri="{0D108BD9-81ED-4DB2-BD59-A6C34878D82A}">
-                    <a16:rowId xmlns:a16="http://schemas.microsoft.com/office/drawing/2014/main" val="2632950457"/>
+                    <a16:rowId xmlns:a16="http://schemas.microsoft.com/office/drawing/2014/main" val="335099954"/>
                   </a:ext>
                 </a:extLst>
               </a:tr>
-              <a:tr h="370840">
+              <a:tr h="344936">
                 <a:tc>
                   <a:txBody>
                     <a:bodyPr/>
@@ -5909,7 +8371,7 @@
                       <a:pPr latinLnBrk="1"/>
                       <a:r>
                         <a:rPr lang="en-US" altLang="ko-KR" dirty="0"/>
-                        <a:t>23/06/14</a:t>
+                        <a:t>23/11/13</a:t>
                       </a:r>
                       <a:endParaRPr lang="ko-KR" altLang="en-US" dirty="0"/>
                     </a:p>
@@ -5924,7 +8386,11 @@
                       <a:pPr latinLnBrk="1"/>
                       <a:r>
                         <a:rPr lang="en-US" altLang="ko-KR" dirty="0"/>
-                        <a:t>66.0</a:t>
+                        <a:t>3</a:t>
+                      </a:r>
+                      <a:r>
+                        <a:rPr lang="ko-KR" altLang="en-US" dirty="0"/>
+                        <a:t>일</a:t>
                       </a:r>
                     </a:p>
                   </a:txBody>
@@ -5935,21 +8401,96 @@
                     <a:bodyPr/>
                     <a:lstStyle/>
                     <a:p>
-                      <a:pPr algn="r" fontAlgn="ctr"/>
+                      <a:pPr latinLnBrk="1"/>
                       <a:r>
-                        <a:rPr lang="en-US" altLang="ko-KR" sz="1100" b="0" i="0" u="none" strike="noStrike" dirty="0">
-                          <a:solidFill>
-                            <a:srgbClr val="000000"/>
-                          </a:solidFill>
-                          <a:effectLst/>
-                          <a:latin typeface="맑은 고딕" panose="020B0503020000020004" pitchFamily="50" charset="-127"/>
-                          <a:ea typeface="맑은 고딕" panose="020B0503020000020004" pitchFamily="50" charset="-127"/>
-                        </a:rPr>
-                        <a:t>22.8</a:t>
+                        <a:rPr lang="en-US" altLang="ko-KR" dirty="0"/>
+                        <a:t>30</a:t>
+                      </a:r>
+                      <a:r>
+                        <a:rPr lang="ko-KR" altLang="en-US" dirty="0"/>
+                        <a:t>일</a:t>
                       </a:r>
                     </a:p>
                   </a:txBody>
-                  <a:tcPr marL="9525" marR="9525" marT="9525" marB="0" anchor="ctr"/>
+                  <a:tcPr/>
+                </a:tc>
+                <a:extLst>
+                  <a:ext uri="{0D108BD9-81ED-4DB2-BD59-A6C34878D82A}">
+                    <a16:rowId xmlns:a16="http://schemas.microsoft.com/office/drawing/2014/main" val="3134285227"/>
+                  </a:ext>
+                </a:extLst>
+              </a:tr>
+            </a:tbl>
+          </a:graphicData>
+        </a:graphic>
+      </p:graphicFrame>
+      <p:graphicFrame>
+        <p:nvGraphicFramePr>
+          <p:cNvPr id="27" name="표 26">
+            <a:extLst>
+              <a:ext uri="{FF2B5EF4-FFF2-40B4-BE49-F238E27FC236}">
+                <a16:creationId xmlns:a16="http://schemas.microsoft.com/office/drawing/2014/main" id="{5628E674-2BFB-9F21-8F1A-52E08EFD2B7B}"/>
+              </a:ext>
+            </a:extLst>
+          </p:cNvPr>
+          <p:cNvGraphicFramePr>
+            <a:graphicFrameLocks noGrp="1"/>
+          </p:cNvGraphicFramePr>
+          <p:nvPr>
+            <p:extLst>
+              <p:ext uri="{D42A27DB-BD31-4B8C-83A1-F6EECF244321}">
+                <p14:modId xmlns:p14="http://schemas.microsoft.com/office/powerpoint/2010/main" val="3499190042"/>
+              </p:ext>
+            </p:extLst>
+          </p:nvPr>
+        </p:nvGraphicFramePr>
+        <p:xfrm>
+          <a:off x="969820" y="4247956"/>
+          <a:ext cx="3158835" cy="717128"/>
+        </p:xfrm>
+        <a:graphic>
+          <a:graphicData uri="http://schemas.openxmlformats.org/drawingml/2006/table">
+            <a:tbl>
+              <a:tblPr firstRow="1" bandRow="1">
+                <a:tableStyleId>{5C22544A-7EE6-4342-B048-85BDC9FD1C3A}</a:tableStyleId>
+              </a:tblPr>
+              <a:tblGrid>
+                <a:gridCol w="1154544">
+                  <a:extLst>
+                    <a:ext uri="{9D8B030D-6E8A-4147-A177-3AD203B41FA5}">
+                      <a16:colId xmlns:a16="http://schemas.microsoft.com/office/drawing/2014/main" val="413569710"/>
+                    </a:ext>
+                  </a:extLst>
+                </a:gridCol>
+                <a:gridCol w="951346">
+                  <a:extLst>
+                    <a:ext uri="{9D8B030D-6E8A-4147-A177-3AD203B41FA5}">
+                      <a16:colId xmlns:a16="http://schemas.microsoft.com/office/drawing/2014/main" val="1943366714"/>
+                    </a:ext>
+                  </a:extLst>
+                </a:gridCol>
+                <a:gridCol w="1052945">
+                  <a:extLst>
+                    <a:ext uri="{9D8B030D-6E8A-4147-A177-3AD203B41FA5}">
+                      <a16:colId xmlns:a16="http://schemas.microsoft.com/office/drawing/2014/main" val="683080742"/>
+                    </a:ext>
+                  </a:extLst>
+                </a:gridCol>
+              </a:tblGrid>
+              <a:tr h="351368">
+                <a:tc>
+                  <a:txBody>
+                    <a:bodyPr/>
+                    <a:lstStyle/>
+                    <a:p>
+                      <a:pPr latinLnBrk="1"/>
+                      <a:r>
+                        <a:rPr lang="ko-KR" altLang="en-US" sz="1400" dirty="0"/>
+                        <a:t>예상시작일</a:t>
+                      </a:r>
+                    </a:p>
+                  </a:txBody>
+                  <a:tcPr/>
                 </a:tc>
                 <a:tc>
                   <a:txBody>
@@ -5957,18 +8498,35 @@
                     <a:lstStyle/>
                     <a:p>
                       <a:pPr latinLnBrk="1"/>
-                      <a:endParaRPr lang="en-US" altLang="ko-KR" dirty="0"/>
+                      <a:r>
+                        <a:rPr lang="ko-KR" altLang="en-US" sz="1400" dirty="0"/>
+                        <a:t>예상기간</a:t>
+                      </a:r>
+                    </a:p>
+                  </a:txBody>
+                  <a:tcPr/>
+                </a:tc>
+                <a:tc>
+                  <a:txBody>
+                    <a:bodyPr/>
+                    <a:lstStyle/>
+                    <a:p>
+                      <a:pPr latinLnBrk="1"/>
+                      <a:r>
+                        <a:rPr lang="ko-KR" altLang="en-US" sz="1400" dirty="0"/>
+                        <a:t>평균주기</a:t>
+                      </a:r>
                     </a:p>
                   </a:txBody>
                   <a:tcPr/>
                 </a:tc>
                 <a:extLst>
                   <a:ext uri="{0D108BD9-81ED-4DB2-BD59-A6C34878D82A}">
-                    <a16:rowId xmlns:a16="http://schemas.microsoft.com/office/drawing/2014/main" val="3346105087"/>
+                    <a16:rowId xmlns:a16="http://schemas.microsoft.com/office/drawing/2014/main" val="3416718614"/>
                   </a:ext>
                 </a:extLst>
               </a:tr>
-              <a:tr h="370840">
+              <a:tr h="351368">
                 <a:tc>
                   <a:txBody>
                     <a:bodyPr/>
@@ -5977,7 +8535,7 @@
                       <a:pPr latinLnBrk="1"/>
                       <a:r>
                         <a:rPr lang="en-US" altLang="ko-KR" dirty="0"/>
-                        <a:t>23/06/15</a:t>
+                        <a:t>23/12/14</a:t>
                       </a:r>
                       <a:endParaRPr lang="ko-KR" altLang="en-US" dirty="0"/>
                     </a:p>
@@ -5992,62 +8550,12 @@
                       <a:pPr latinLnBrk="1"/>
                       <a:r>
                         <a:rPr lang="en-US" altLang="ko-KR" dirty="0"/>
-                        <a:t>65.5</a:t>
+                        <a:t>3</a:t>
                       </a:r>
-                    </a:p>
-                  </a:txBody>
-                  <a:tcPr/>
-                </a:tc>
-                <a:tc>
-                  <a:txBody>
-                    <a:bodyPr/>
-                    <a:lstStyle/>
-                    <a:p>
-                      <a:pPr algn="r" fontAlgn="ctr"/>
                       <a:r>
-                        <a:rPr lang="en-US" altLang="ko-KR" sz="1100" b="0" i="0" u="none" strike="noStrike" dirty="0">
-                          <a:solidFill>
-                            <a:srgbClr val="000000"/>
-                          </a:solidFill>
-                          <a:effectLst/>
-                          <a:latin typeface="맑은 고딕" panose="020B0503020000020004" pitchFamily="50" charset="-127"/>
-                          <a:ea typeface="맑은 고딕" panose="020B0503020000020004" pitchFamily="50" charset="-127"/>
-                        </a:rPr>
-                        <a:t>22.7</a:t>
+                        <a:rPr lang="ko-KR" altLang="en-US" dirty="0"/>
+                        <a:t>일</a:t>
                       </a:r>
-                    </a:p>
-                  </a:txBody>
-                  <a:tcPr marL="9525" marR="9525" marT="9525" marB="0" anchor="ctr"/>
-                </a:tc>
-                <a:tc>
-                  <a:txBody>
-                    <a:bodyPr/>
-                    <a:lstStyle/>
-                    <a:p>
-                      <a:pPr latinLnBrk="1"/>
-                      <a:endParaRPr lang="en-US" altLang="ko-KR" dirty="0"/>
-                    </a:p>
-                  </a:txBody>
-                  <a:tcPr/>
-                </a:tc>
-                <a:extLst>
-                  <a:ext uri="{0D108BD9-81ED-4DB2-BD59-A6C34878D82A}">
-                    <a16:rowId xmlns:a16="http://schemas.microsoft.com/office/drawing/2014/main" val="467649143"/>
-                  </a:ext>
-                </a:extLst>
-              </a:tr>
-              <a:tr h="370840">
-                <a:tc>
-                  <a:txBody>
-                    <a:bodyPr/>
-                    <a:lstStyle/>
-                    <a:p>
-                      <a:pPr latinLnBrk="1"/>
-                      <a:r>
-                        <a:rPr lang="en-US" altLang="ko-KR" dirty="0"/>
-                        <a:t>23/06/16</a:t>
-                      </a:r>
-                      <a:endParaRPr lang="ko-KR" altLang="en-US" dirty="0"/>
                     </a:p>
                   </a:txBody>
                   <a:tcPr/>
@@ -6060,251 +8568,19 @@
                       <a:pPr latinLnBrk="1"/>
                       <a:r>
                         <a:rPr lang="en-US" altLang="ko-KR" dirty="0"/>
-                        <a:t>65.0</a:t>
+                        <a:t>32</a:t>
                       </a:r>
-                    </a:p>
-                  </a:txBody>
-                  <a:tcPr/>
-                </a:tc>
-                <a:tc>
-                  <a:txBody>
-                    <a:bodyPr/>
-                    <a:lstStyle/>
-                    <a:p>
-                      <a:pPr algn="r" fontAlgn="ctr"/>
                       <a:r>
-                        <a:rPr lang="en-US" altLang="ko-KR" sz="1100" b="0" i="0" u="none" strike="noStrike">
-                          <a:solidFill>
-                            <a:srgbClr val="000000"/>
-                          </a:solidFill>
-                          <a:effectLst/>
-                          <a:latin typeface="맑은 고딕" panose="020B0503020000020004" pitchFamily="50" charset="-127"/>
-                          <a:ea typeface="맑은 고딕" panose="020B0503020000020004" pitchFamily="50" charset="-127"/>
-                        </a:rPr>
-                        <a:t>22.5</a:t>
+                        <a:rPr lang="ko-KR" altLang="en-US" dirty="0"/>
+                        <a:t>일</a:t>
                       </a:r>
-                    </a:p>
-                  </a:txBody>
-                  <a:tcPr marL="9525" marR="9525" marT="9525" marB="0" anchor="ctr"/>
-                </a:tc>
-                <a:tc>
-                  <a:txBody>
-                    <a:bodyPr/>
-                    <a:lstStyle/>
-                    <a:p>
-                      <a:pPr latinLnBrk="1"/>
-                      <a:endParaRPr lang="en-US" altLang="ko-KR" dirty="0"/>
                     </a:p>
                   </a:txBody>
                   <a:tcPr/>
                 </a:tc>
                 <a:extLst>
                   <a:ext uri="{0D108BD9-81ED-4DB2-BD59-A6C34878D82A}">
-                    <a16:rowId xmlns:a16="http://schemas.microsoft.com/office/drawing/2014/main" val="1605809888"/>
-                  </a:ext>
-                </a:extLst>
-              </a:tr>
-              <a:tr h="370840">
-                <a:tc>
-                  <a:txBody>
-                    <a:bodyPr/>
-                    <a:lstStyle/>
-                    <a:p>
-                      <a:pPr latinLnBrk="1"/>
-                      <a:r>
-                        <a:rPr lang="en-US" altLang="ko-KR" dirty="0"/>
-                        <a:t>23/06/17</a:t>
-                      </a:r>
-                      <a:endParaRPr lang="ko-KR" altLang="en-US" dirty="0"/>
-                    </a:p>
-                  </a:txBody>
-                  <a:tcPr/>
-                </a:tc>
-                <a:tc>
-                  <a:txBody>
-                    <a:bodyPr/>
-                    <a:lstStyle/>
-                    <a:p>
-                      <a:pPr latinLnBrk="1"/>
-                      <a:r>
-                        <a:rPr lang="en-US" altLang="ko-KR" dirty="0"/>
-                        <a:t>64.8</a:t>
-                      </a:r>
-                    </a:p>
-                  </a:txBody>
-                  <a:tcPr/>
-                </a:tc>
-                <a:tc>
-                  <a:txBody>
-                    <a:bodyPr/>
-                    <a:lstStyle/>
-                    <a:p>
-                      <a:pPr algn="r" fontAlgn="ctr"/>
-                      <a:r>
-                        <a:rPr lang="en-US" altLang="ko-KR" sz="1100" b="0" i="0" u="none" strike="noStrike" dirty="0">
-                          <a:solidFill>
-                            <a:srgbClr val="000000"/>
-                          </a:solidFill>
-                          <a:effectLst/>
-                          <a:latin typeface="맑은 고딕" panose="020B0503020000020004" pitchFamily="50" charset="-127"/>
-                          <a:ea typeface="맑은 고딕" panose="020B0503020000020004" pitchFamily="50" charset="-127"/>
-                        </a:rPr>
-                        <a:t>22.4</a:t>
-                      </a:r>
-                    </a:p>
-                  </a:txBody>
-                  <a:tcPr marL="9525" marR="9525" marT="9525" marB="0" anchor="ctr"/>
-                </a:tc>
-                <a:tc>
-                  <a:txBody>
-                    <a:bodyPr/>
-                    <a:lstStyle/>
-                    <a:p>
-                      <a:pPr latinLnBrk="1"/>
-                      <a:endParaRPr lang="en-US" altLang="ko-KR" dirty="0"/>
-                    </a:p>
-                  </a:txBody>
-                  <a:tcPr/>
-                </a:tc>
-                <a:extLst>
-                  <a:ext uri="{0D108BD9-81ED-4DB2-BD59-A6C34878D82A}">
-                    <a16:rowId xmlns:a16="http://schemas.microsoft.com/office/drawing/2014/main" val="854819330"/>
-                  </a:ext>
-                </a:extLst>
-              </a:tr>
-              <a:tr h="370840">
-                <a:tc>
-                  <a:txBody>
-                    <a:bodyPr/>
-                    <a:lstStyle/>
-                    <a:p>
-                      <a:pPr latinLnBrk="1"/>
-                      <a:r>
-                        <a:rPr lang="en-US" altLang="ko-KR" dirty="0"/>
-                        <a:t>23/06/18</a:t>
-                      </a:r>
-                      <a:endParaRPr lang="ko-KR" altLang="en-US" dirty="0"/>
-                    </a:p>
-                  </a:txBody>
-                  <a:tcPr/>
-                </a:tc>
-                <a:tc>
-                  <a:txBody>
-                    <a:bodyPr/>
-                    <a:lstStyle/>
-                    <a:p>
-                      <a:pPr latinLnBrk="1"/>
-                      <a:r>
-                        <a:rPr lang="en-US" altLang="ko-KR" dirty="0"/>
-                        <a:t>64.5</a:t>
-                      </a:r>
-                    </a:p>
-                  </a:txBody>
-                  <a:tcPr/>
-                </a:tc>
-                <a:tc>
-                  <a:txBody>
-                    <a:bodyPr/>
-                    <a:lstStyle/>
-                    <a:p>
-                      <a:pPr algn="r" fontAlgn="ctr"/>
-                      <a:r>
-                        <a:rPr lang="en-US" altLang="ko-KR" sz="1100" b="0" i="0" u="none" strike="noStrike" dirty="0">
-                          <a:solidFill>
-                            <a:srgbClr val="000000"/>
-                          </a:solidFill>
-                          <a:effectLst/>
-                          <a:latin typeface="맑은 고딕" panose="020B0503020000020004" pitchFamily="50" charset="-127"/>
-                          <a:ea typeface="맑은 고딕" panose="020B0503020000020004" pitchFamily="50" charset="-127"/>
-                        </a:rPr>
-                        <a:t>22.3</a:t>
-                      </a:r>
-                    </a:p>
-                  </a:txBody>
-                  <a:tcPr marL="9525" marR="9525" marT="9525" marB="0" anchor="ctr"/>
-                </a:tc>
-                <a:tc>
-                  <a:txBody>
-                    <a:bodyPr/>
-                    <a:lstStyle/>
-                    <a:p>
-                      <a:pPr latinLnBrk="1"/>
-                      <a:endParaRPr lang="en-US" altLang="ko-KR" dirty="0"/>
-                    </a:p>
-                  </a:txBody>
-                  <a:tcPr/>
-                </a:tc>
-                <a:extLst>
-                  <a:ext uri="{0D108BD9-81ED-4DB2-BD59-A6C34878D82A}">
-                    <a16:rowId xmlns:a16="http://schemas.microsoft.com/office/drawing/2014/main" val="168210970"/>
-                  </a:ext>
-                </a:extLst>
-              </a:tr>
-              <a:tr h="370840">
-                <a:tc>
-                  <a:txBody>
-                    <a:bodyPr/>
-                    <a:lstStyle/>
-                    <a:p>
-                      <a:pPr latinLnBrk="1"/>
-                      <a:r>
-                        <a:rPr lang="en-US" altLang="ko-KR" dirty="0"/>
-                        <a:t>23/06/19</a:t>
-                      </a:r>
-                      <a:endParaRPr lang="ko-KR" altLang="en-US" dirty="0"/>
-                    </a:p>
-                  </a:txBody>
-                  <a:tcPr/>
-                </a:tc>
-                <a:tc>
-                  <a:txBody>
-                    <a:bodyPr/>
-                    <a:lstStyle/>
-                    <a:p>
-                      <a:pPr latinLnBrk="1"/>
-                      <a:r>
-                        <a:rPr lang="en-US" altLang="ko-KR" dirty="0"/>
-                        <a:t>64.3</a:t>
-                      </a:r>
-                    </a:p>
-                  </a:txBody>
-                  <a:tcPr/>
-                </a:tc>
-                <a:tc>
-                  <a:txBody>
-                    <a:bodyPr/>
-                    <a:lstStyle/>
-                    <a:p>
-                      <a:pPr algn="r" fontAlgn="ctr"/>
-                      <a:r>
-                        <a:rPr lang="en-US" altLang="ko-KR" sz="1100" b="0" i="0" u="none" strike="noStrike" dirty="0">
-                          <a:solidFill>
-                            <a:srgbClr val="000000"/>
-                          </a:solidFill>
-                          <a:effectLst/>
-                          <a:latin typeface="맑은 고딕" panose="020B0503020000020004" pitchFamily="50" charset="-127"/>
-                          <a:ea typeface="맑은 고딕" panose="020B0503020000020004" pitchFamily="50" charset="-127"/>
-                        </a:rPr>
-                        <a:t>22.2</a:t>
-                      </a:r>
-                    </a:p>
-                  </a:txBody>
-                  <a:tcPr marL="9525" marR="9525" marT="9525" marB="0" anchor="ctr"/>
-                </a:tc>
-                <a:tc>
-                  <a:txBody>
-                    <a:bodyPr/>
-                    <a:lstStyle/>
-                    <a:p>
-                      <a:pPr latinLnBrk="1"/>
-                      <a:endParaRPr lang="en-US" altLang="ko-KR" dirty="0"/>
-                    </a:p>
-                  </a:txBody>
-                  <a:tcPr/>
-                </a:tc>
-                <a:extLst>
-                  <a:ext uri="{0D108BD9-81ED-4DB2-BD59-A6C34878D82A}">
-                    <a16:rowId xmlns:a16="http://schemas.microsoft.com/office/drawing/2014/main" val="4281668628"/>
+                    <a16:rowId xmlns:a16="http://schemas.microsoft.com/office/drawing/2014/main" val="3016933554"/>
                   </a:ext>
                 </a:extLst>
               </a:tr>
@@ -6312,10 +8588,759 @@
           </a:graphicData>
         </a:graphic>
       </p:graphicFrame>
+      <p:sp>
+        <p:nvSpPr>
+          <p:cNvPr id="28" name="TextBox 27">
+            <a:extLst>
+              <a:ext uri="{FF2B5EF4-FFF2-40B4-BE49-F238E27FC236}">
+                <a16:creationId xmlns:a16="http://schemas.microsoft.com/office/drawing/2014/main" id="{37D51C18-2B34-F7B4-6AAF-D96869D51B4C}"/>
+              </a:ext>
+            </a:extLst>
+          </p:cNvPr>
+          <p:cNvSpPr txBox="1"/>
+          <p:nvPr/>
+        </p:nvSpPr>
+        <p:spPr>
+          <a:xfrm>
+            <a:off x="5135418" y="2281382"/>
+            <a:ext cx="4799712" cy="1754326"/>
+          </a:xfrm>
+          <a:prstGeom prst="rect">
+            <a:avLst/>
+          </a:prstGeom>
+          <a:noFill/>
+        </p:spPr>
+        <p:txBody>
+          <a:bodyPr wrap="none" rtlCol="0">
+            <a:spAutoFit/>
+          </a:bodyPr>
+          <a:lstStyle/>
+          <a:p>
+            <a:r>
+              <a:rPr lang="ko-KR" altLang="en-US" dirty="0"/>
+              <a:t>달력에 기록한 내용을 표로 전환하여 보여줌</a:t>
+            </a:r>
+            <a:r>
+              <a:rPr lang="en-US" altLang="ko-KR" dirty="0"/>
+              <a:t>.</a:t>
+            </a:r>
+          </a:p>
+          <a:p>
+            <a:r>
+              <a:rPr lang="ko-KR" altLang="en-US" dirty="0"/>
+              <a:t>첫 주기는 비교대상이 없으므로 제외</a:t>
+            </a:r>
+            <a:endParaRPr lang="en-US" altLang="ko-KR" dirty="0"/>
+          </a:p>
+          <a:p>
+            <a:endParaRPr lang="en-US" altLang="ko-KR" dirty="0"/>
+          </a:p>
+          <a:p>
+            <a:r>
+              <a:rPr lang="ko-KR" altLang="en-US" dirty="0"/>
+              <a:t>아래쪽 예상 시작일의 경우</a:t>
+            </a:r>
+            <a:endParaRPr lang="en-US" altLang="ko-KR" dirty="0"/>
+          </a:p>
+          <a:p>
+            <a:r>
+              <a:rPr lang="ko-KR" altLang="en-US" dirty="0"/>
+              <a:t>생리 기간과 주기를 평균으로 작성하여</a:t>
+            </a:r>
+            <a:endParaRPr lang="en-US" altLang="ko-KR" dirty="0"/>
+          </a:p>
+          <a:p>
+            <a:r>
+              <a:rPr lang="ko-KR" altLang="en-US" dirty="0"/>
+              <a:t>마지막 생리일자 기준으로 예상일자 작성</a:t>
+            </a:r>
+          </a:p>
+        </p:txBody>
+      </p:sp>
     </p:spTree>
     <p:extLst>
       <p:ext uri="{BB962C8B-B14F-4D97-AF65-F5344CB8AC3E}">
-        <p14:creationId xmlns:p14="http://schemas.microsoft.com/office/powerpoint/2010/main" val="2575010914"/>
+        <p14:creationId xmlns:p14="http://schemas.microsoft.com/office/powerpoint/2010/main" val="1295698903"/>
+      </p:ext>
+    </p:extLst>
+  </p:cSld>
+  <p:clrMapOvr>
+    <a:masterClrMapping/>
+  </p:clrMapOvr>
+</p:sld>
+</file>
+
+<file path=ppt/slides/slide6.xml><?xml version="1.0" encoding="utf-8"?>
+<p:sld xmlns:a="http://schemas.openxmlformats.org/drawingml/2006/main" xmlns:r="http://schemas.openxmlformats.org/officeDocument/2006/relationships" xmlns:p="http://schemas.openxmlformats.org/presentationml/2006/main">
+  <p:cSld>
+    <p:spTree>
+      <p:nvGrpSpPr>
+        <p:cNvPr id="1" name=""/>
+        <p:cNvGrpSpPr/>
+        <p:nvPr/>
+      </p:nvGrpSpPr>
+      <p:grpSpPr>
+        <a:xfrm>
+          <a:off x="0" y="0"/>
+          <a:ext cx="0" cy="0"/>
+          <a:chOff x="0" y="0"/>
+          <a:chExt cx="0" cy="0"/>
+        </a:xfrm>
+      </p:grpSpPr>
+      <p:sp>
+        <p:nvSpPr>
+          <p:cNvPr id="13" name="직사각형 12">
+            <a:extLst>
+              <a:ext uri="{FF2B5EF4-FFF2-40B4-BE49-F238E27FC236}">
+                <a16:creationId xmlns:a16="http://schemas.microsoft.com/office/drawing/2014/main" id="{E86917F4-2B98-66A2-69FE-E3F4DB2CF11C}"/>
+              </a:ext>
+            </a:extLst>
+          </p:cNvPr>
+          <p:cNvSpPr/>
+          <p:nvPr/>
+        </p:nvSpPr>
+        <p:spPr>
+          <a:xfrm>
+            <a:off x="729673" y="535709"/>
+            <a:ext cx="3648363" cy="5809673"/>
+          </a:xfrm>
+          <a:prstGeom prst="rect">
+            <a:avLst/>
+          </a:prstGeom>
+          <a:noFill/>
+        </p:spPr>
+        <p:style>
+          <a:lnRef idx="2">
+            <a:schemeClr val="accent1">
+              <a:shade val="15000"/>
+            </a:schemeClr>
+          </a:lnRef>
+          <a:fillRef idx="1">
+            <a:schemeClr val="accent1"/>
+          </a:fillRef>
+          <a:effectRef idx="0">
+            <a:schemeClr val="accent1"/>
+          </a:effectRef>
+          <a:fontRef idx="minor">
+            <a:schemeClr val="lt1"/>
+          </a:fontRef>
+        </p:style>
+        <p:txBody>
+          <a:bodyPr rtlCol="0" anchor="ctr"/>
+          <a:lstStyle/>
+          <a:p>
+            <a:pPr algn="ctr"/>
+            <a:endParaRPr lang="ko-KR" altLang="en-US"/>
+          </a:p>
+        </p:txBody>
+      </p:sp>
+      <p:sp>
+        <p:nvSpPr>
+          <p:cNvPr id="14" name="TextBox 13">
+            <a:extLst>
+              <a:ext uri="{FF2B5EF4-FFF2-40B4-BE49-F238E27FC236}">
+                <a16:creationId xmlns:a16="http://schemas.microsoft.com/office/drawing/2014/main" id="{06DDB355-C046-2FCD-3E29-A9AF4769BF92}"/>
+              </a:ext>
+            </a:extLst>
+          </p:cNvPr>
+          <p:cNvSpPr txBox="1"/>
+          <p:nvPr/>
+        </p:nvSpPr>
+        <p:spPr>
+          <a:xfrm>
+            <a:off x="2240730" y="775855"/>
+            <a:ext cx="646331" cy="369332"/>
+          </a:xfrm>
+          <a:prstGeom prst="rect">
+            <a:avLst/>
+          </a:prstGeom>
+          <a:noFill/>
+        </p:spPr>
+        <p:txBody>
+          <a:bodyPr wrap="none" rtlCol="0">
+            <a:spAutoFit/>
+          </a:bodyPr>
+          <a:lstStyle/>
+          <a:p>
+            <a:r>
+              <a:rPr lang="ko-KR" altLang="en-US"/>
+              <a:t>설정</a:t>
+            </a:r>
+            <a:endParaRPr lang="ko-KR" altLang="en-US" dirty="0"/>
+          </a:p>
+        </p:txBody>
+      </p:sp>
+      <p:sp>
+        <p:nvSpPr>
+          <p:cNvPr id="21" name="직사각형 20">
+            <a:extLst>
+              <a:ext uri="{FF2B5EF4-FFF2-40B4-BE49-F238E27FC236}">
+                <a16:creationId xmlns:a16="http://schemas.microsoft.com/office/drawing/2014/main" id="{76DAF567-759F-C028-D126-0DF40FCA34E7}"/>
+              </a:ext>
+            </a:extLst>
+          </p:cNvPr>
+          <p:cNvSpPr/>
+          <p:nvPr/>
+        </p:nvSpPr>
+        <p:spPr>
+          <a:xfrm>
+            <a:off x="737655" y="5744799"/>
+            <a:ext cx="684745" cy="600583"/>
+          </a:xfrm>
+          <a:prstGeom prst="rect">
+            <a:avLst/>
+          </a:prstGeom>
+          <a:noFill/>
+        </p:spPr>
+        <p:style>
+          <a:lnRef idx="2">
+            <a:schemeClr val="accent1">
+              <a:shade val="15000"/>
+            </a:schemeClr>
+          </a:lnRef>
+          <a:fillRef idx="1">
+            <a:schemeClr val="accent1"/>
+          </a:fillRef>
+          <a:effectRef idx="0">
+            <a:schemeClr val="accent1"/>
+          </a:effectRef>
+          <a:fontRef idx="minor">
+            <a:schemeClr val="lt1"/>
+          </a:fontRef>
+        </p:style>
+        <p:txBody>
+          <a:bodyPr rtlCol="0" anchor="ctr"/>
+          <a:lstStyle/>
+          <a:p>
+            <a:pPr algn="ctr"/>
+            <a:r>
+              <a:rPr lang="ko-KR" altLang="en-US" dirty="0">
+                <a:solidFill>
+                  <a:schemeClr val="tx1"/>
+                </a:solidFill>
+              </a:rPr>
+              <a:t>체중</a:t>
+            </a:r>
+            <a:endParaRPr lang="en-US" altLang="ko-KR" dirty="0">
+              <a:solidFill>
+                <a:schemeClr val="tx1"/>
+              </a:solidFill>
+            </a:endParaRPr>
+          </a:p>
+          <a:p>
+            <a:pPr algn="ctr"/>
+            <a:r>
+              <a:rPr lang="ko-KR" altLang="en-US" dirty="0">
+                <a:solidFill>
+                  <a:schemeClr val="tx1"/>
+                </a:solidFill>
+              </a:rPr>
+              <a:t>관리</a:t>
+            </a:r>
+          </a:p>
+        </p:txBody>
+      </p:sp>
+      <p:sp>
+        <p:nvSpPr>
+          <p:cNvPr id="22" name="직사각형 21">
+            <a:extLst>
+              <a:ext uri="{FF2B5EF4-FFF2-40B4-BE49-F238E27FC236}">
+                <a16:creationId xmlns:a16="http://schemas.microsoft.com/office/drawing/2014/main" id="{6D06F937-FD7E-A954-FCAC-AA39950D9CC3}"/>
+              </a:ext>
+            </a:extLst>
+          </p:cNvPr>
+          <p:cNvSpPr/>
+          <p:nvPr/>
+        </p:nvSpPr>
+        <p:spPr>
+          <a:xfrm>
+            <a:off x="1430382" y="5744798"/>
+            <a:ext cx="764568" cy="600583"/>
+          </a:xfrm>
+          <a:prstGeom prst="rect">
+            <a:avLst/>
+          </a:prstGeom>
+          <a:noFill/>
+        </p:spPr>
+        <p:style>
+          <a:lnRef idx="2">
+            <a:schemeClr val="accent1">
+              <a:shade val="15000"/>
+            </a:schemeClr>
+          </a:lnRef>
+          <a:fillRef idx="1">
+            <a:schemeClr val="accent1"/>
+          </a:fillRef>
+          <a:effectRef idx="0">
+            <a:schemeClr val="accent1"/>
+          </a:effectRef>
+          <a:fontRef idx="minor">
+            <a:schemeClr val="lt1"/>
+          </a:fontRef>
+        </p:style>
+        <p:txBody>
+          <a:bodyPr rtlCol="0" anchor="ctr"/>
+          <a:lstStyle/>
+          <a:p>
+            <a:pPr algn="ctr"/>
+            <a:r>
+              <a:rPr lang="ko-KR" altLang="en-US" sz="1400" dirty="0">
+                <a:solidFill>
+                  <a:schemeClr val="tx1"/>
+                </a:solidFill>
+              </a:rPr>
+              <a:t>그래프</a:t>
+            </a:r>
+            <a:endParaRPr lang="en-US" altLang="ko-KR" sz="1400" dirty="0">
+              <a:solidFill>
+                <a:schemeClr val="tx1"/>
+              </a:solidFill>
+            </a:endParaRPr>
+          </a:p>
+          <a:p>
+            <a:pPr algn="ctr"/>
+            <a:r>
+              <a:rPr lang="ko-KR" altLang="en-US" sz="1400" dirty="0">
+                <a:solidFill>
+                  <a:schemeClr val="tx1"/>
+                </a:solidFill>
+              </a:rPr>
+              <a:t>표시</a:t>
+            </a:r>
+          </a:p>
+        </p:txBody>
+      </p:sp>
+      <p:sp>
+        <p:nvSpPr>
+          <p:cNvPr id="23" name="직사각형 22">
+            <a:extLst>
+              <a:ext uri="{FF2B5EF4-FFF2-40B4-BE49-F238E27FC236}">
+                <a16:creationId xmlns:a16="http://schemas.microsoft.com/office/drawing/2014/main" id="{C2A2A93A-E51F-46B1-7494-ECB3129C8A8B}"/>
+              </a:ext>
+            </a:extLst>
+          </p:cNvPr>
+          <p:cNvSpPr/>
+          <p:nvPr/>
+        </p:nvSpPr>
+        <p:spPr>
+          <a:xfrm>
+            <a:off x="2202932" y="5744798"/>
+            <a:ext cx="803569" cy="600583"/>
+          </a:xfrm>
+          <a:prstGeom prst="rect">
+            <a:avLst/>
+          </a:prstGeom>
+          <a:noFill/>
+        </p:spPr>
+        <p:style>
+          <a:lnRef idx="2">
+            <a:schemeClr val="accent1">
+              <a:shade val="15000"/>
+            </a:schemeClr>
+          </a:lnRef>
+          <a:fillRef idx="1">
+            <a:schemeClr val="accent1"/>
+          </a:fillRef>
+          <a:effectRef idx="0">
+            <a:schemeClr val="accent1"/>
+          </a:effectRef>
+          <a:fontRef idx="minor">
+            <a:schemeClr val="lt1"/>
+          </a:fontRef>
+        </p:style>
+        <p:txBody>
+          <a:bodyPr rtlCol="0" anchor="ctr"/>
+          <a:lstStyle/>
+          <a:p>
+            <a:pPr algn="ctr"/>
+            <a:r>
+              <a:rPr lang="ko-KR" altLang="en-US" dirty="0">
+                <a:solidFill>
+                  <a:schemeClr val="tx1"/>
+                </a:solidFill>
+              </a:rPr>
+              <a:t>생리</a:t>
+            </a:r>
+            <a:endParaRPr lang="en-US" altLang="ko-KR" dirty="0">
+              <a:solidFill>
+                <a:schemeClr val="tx1"/>
+              </a:solidFill>
+            </a:endParaRPr>
+          </a:p>
+          <a:p>
+            <a:pPr algn="ctr"/>
+            <a:r>
+              <a:rPr lang="ko-KR" altLang="en-US" dirty="0">
+                <a:solidFill>
+                  <a:schemeClr val="tx1"/>
+                </a:solidFill>
+              </a:rPr>
+              <a:t>주기</a:t>
+            </a:r>
+          </a:p>
+        </p:txBody>
+      </p:sp>
+      <p:sp>
+        <p:nvSpPr>
+          <p:cNvPr id="24" name="직사각형 23">
+            <a:extLst>
+              <a:ext uri="{FF2B5EF4-FFF2-40B4-BE49-F238E27FC236}">
+                <a16:creationId xmlns:a16="http://schemas.microsoft.com/office/drawing/2014/main" id="{30F3E5F9-962A-ADDD-19CD-D9A1B6A22E6E}"/>
+              </a:ext>
+            </a:extLst>
+          </p:cNvPr>
+          <p:cNvSpPr/>
+          <p:nvPr/>
+        </p:nvSpPr>
+        <p:spPr>
+          <a:xfrm>
+            <a:off x="3001684" y="5749197"/>
+            <a:ext cx="684745" cy="600583"/>
+          </a:xfrm>
+          <a:prstGeom prst="rect">
+            <a:avLst/>
+          </a:prstGeom>
+          <a:noFill/>
+        </p:spPr>
+        <p:style>
+          <a:lnRef idx="2">
+            <a:schemeClr val="accent1">
+              <a:shade val="15000"/>
+            </a:schemeClr>
+          </a:lnRef>
+          <a:fillRef idx="1">
+            <a:schemeClr val="accent1"/>
+          </a:fillRef>
+          <a:effectRef idx="0">
+            <a:schemeClr val="accent1"/>
+          </a:effectRef>
+          <a:fontRef idx="minor">
+            <a:schemeClr val="lt1"/>
+          </a:fontRef>
+        </p:style>
+        <p:txBody>
+          <a:bodyPr rtlCol="0" anchor="ctr"/>
+          <a:lstStyle/>
+          <a:p>
+            <a:pPr algn="ctr"/>
+            <a:r>
+              <a:rPr lang="ko-KR" altLang="en-US" dirty="0">
+                <a:solidFill>
+                  <a:schemeClr val="tx1"/>
+                </a:solidFill>
+              </a:rPr>
+              <a:t>생리</a:t>
+            </a:r>
+            <a:endParaRPr lang="en-US" altLang="ko-KR" dirty="0">
+              <a:solidFill>
+                <a:schemeClr val="tx1"/>
+              </a:solidFill>
+            </a:endParaRPr>
+          </a:p>
+          <a:p>
+            <a:pPr algn="ctr"/>
+            <a:r>
+              <a:rPr lang="ko-KR" altLang="en-US" dirty="0">
+                <a:solidFill>
+                  <a:schemeClr val="tx1"/>
+                </a:solidFill>
+              </a:rPr>
+              <a:t>통계</a:t>
+            </a:r>
+          </a:p>
+        </p:txBody>
+      </p:sp>
+      <p:sp>
+        <p:nvSpPr>
+          <p:cNvPr id="25" name="직사각형 24">
+            <a:extLst>
+              <a:ext uri="{FF2B5EF4-FFF2-40B4-BE49-F238E27FC236}">
+                <a16:creationId xmlns:a16="http://schemas.microsoft.com/office/drawing/2014/main" id="{2B4F8033-E364-63DA-4AF5-A67D2C286210}"/>
+              </a:ext>
+            </a:extLst>
+          </p:cNvPr>
+          <p:cNvSpPr/>
+          <p:nvPr/>
+        </p:nvSpPr>
+        <p:spPr>
+          <a:xfrm>
+            <a:off x="3703647" y="5744798"/>
+            <a:ext cx="659718" cy="605201"/>
+          </a:xfrm>
+          <a:prstGeom prst="rect">
+            <a:avLst/>
+          </a:prstGeom>
+          <a:solidFill>
+            <a:srgbClr val="00B0F0"/>
+          </a:solidFill>
+        </p:spPr>
+        <p:style>
+          <a:lnRef idx="2">
+            <a:schemeClr val="accent1">
+              <a:shade val="15000"/>
+            </a:schemeClr>
+          </a:lnRef>
+          <a:fillRef idx="1">
+            <a:schemeClr val="accent1"/>
+          </a:fillRef>
+          <a:effectRef idx="0">
+            <a:schemeClr val="accent1"/>
+          </a:effectRef>
+          <a:fontRef idx="minor">
+            <a:schemeClr val="lt1"/>
+          </a:fontRef>
+        </p:style>
+        <p:txBody>
+          <a:bodyPr rtlCol="0" anchor="ctr"/>
+          <a:lstStyle/>
+          <a:p>
+            <a:pPr algn="ctr"/>
+            <a:r>
+              <a:rPr lang="ko-KR" altLang="en-US" sz="1200" dirty="0">
+                <a:solidFill>
+                  <a:schemeClr val="tx1"/>
+                </a:solidFill>
+              </a:rPr>
+              <a:t>설정</a:t>
+            </a:r>
+          </a:p>
+        </p:txBody>
+      </p:sp>
+      <p:sp>
+        <p:nvSpPr>
+          <p:cNvPr id="2" name="TextBox 1">
+            <a:extLst>
+              <a:ext uri="{FF2B5EF4-FFF2-40B4-BE49-F238E27FC236}">
+                <a16:creationId xmlns:a16="http://schemas.microsoft.com/office/drawing/2014/main" id="{D70D7267-ECA7-F451-FD5C-8EB00A653CBB}"/>
+              </a:ext>
+            </a:extLst>
+          </p:cNvPr>
+          <p:cNvSpPr txBox="1"/>
+          <p:nvPr/>
+        </p:nvSpPr>
+        <p:spPr>
+          <a:xfrm>
+            <a:off x="1787580" y="1533707"/>
+            <a:ext cx="1420582" cy="369332"/>
+          </a:xfrm>
+          <a:prstGeom prst="rect">
+            <a:avLst/>
+          </a:prstGeom>
+          <a:noFill/>
+        </p:spPr>
+        <p:txBody>
+          <a:bodyPr wrap="none" rtlCol="0">
+            <a:spAutoFit/>
+          </a:bodyPr>
+          <a:lstStyle/>
+          <a:p>
+            <a:r>
+              <a:rPr lang="ko-KR" altLang="en-US" dirty="0"/>
+              <a:t>프로필 설정</a:t>
+            </a:r>
+          </a:p>
+        </p:txBody>
+      </p:sp>
+      <p:sp>
+        <p:nvSpPr>
+          <p:cNvPr id="3" name="TextBox 2">
+            <a:extLst>
+              <a:ext uri="{FF2B5EF4-FFF2-40B4-BE49-F238E27FC236}">
+                <a16:creationId xmlns:a16="http://schemas.microsoft.com/office/drawing/2014/main" id="{D5541FAB-794B-4FC2-A285-607FDA50F2DF}"/>
+              </a:ext>
+            </a:extLst>
+          </p:cNvPr>
+          <p:cNvSpPr txBox="1"/>
+          <p:nvPr/>
+        </p:nvSpPr>
+        <p:spPr>
+          <a:xfrm>
+            <a:off x="6262443" y="1369883"/>
+            <a:ext cx="1733167" cy="2862322"/>
+          </a:xfrm>
+          <a:prstGeom prst="rect">
+            <a:avLst/>
+          </a:prstGeom>
+          <a:noFill/>
+        </p:spPr>
+        <p:txBody>
+          <a:bodyPr wrap="none" rtlCol="0">
+            <a:spAutoFit/>
+          </a:bodyPr>
+          <a:lstStyle/>
+          <a:p>
+            <a:r>
+              <a:rPr lang="ko-KR" altLang="en-US" dirty="0"/>
+              <a:t>프로필 설정</a:t>
+            </a:r>
+            <a:endParaRPr lang="en-US" altLang="ko-KR" dirty="0"/>
+          </a:p>
+          <a:p>
+            <a:r>
+              <a:rPr lang="ko-KR" altLang="en-US" dirty="0"/>
+              <a:t>성별</a:t>
+            </a:r>
+            <a:endParaRPr lang="en-US" altLang="ko-KR" dirty="0"/>
+          </a:p>
+          <a:p>
+            <a:r>
+              <a:rPr lang="ko-KR" altLang="en-US" dirty="0"/>
+              <a:t>나이</a:t>
+            </a:r>
+            <a:r>
+              <a:rPr lang="en-US" altLang="ko-KR" dirty="0"/>
+              <a:t>?</a:t>
+            </a:r>
+          </a:p>
+          <a:p>
+            <a:r>
+              <a:rPr lang="ko-KR" altLang="en-US" dirty="0"/>
+              <a:t>키</a:t>
+            </a:r>
+            <a:endParaRPr lang="en-US" altLang="ko-KR" dirty="0"/>
+          </a:p>
+          <a:p>
+            <a:r>
+              <a:rPr lang="ko-KR" altLang="en-US" dirty="0"/>
+              <a:t>현재 몸무게</a:t>
+            </a:r>
+            <a:endParaRPr lang="en-US" altLang="ko-KR" dirty="0"/>
+          </a:p>
+          <a:p>
+            <a:endParaRPr lang="en-US" altLang="ko-KR" dirty="0"/>
+          </a:p>
+          <a:p>
+            <a:r>
+              <a:rPr lang="ko-KR" altLang="en-US" dirty="0"/>
+              <a:t>평균 생리 주기</a:t>
+            </a:r>
+            <a:endParaRPr lang="en-US" altLang="ko-KR" dirty="0"/>
+          </a:p>
+          <a:p>
+            <a:r>
+              <a:rPr lang="ko-KR" altLang="en-US" dirty="0"/>
+              <a:t>평균 생리일</a:t>
+            </a:r>
+            <a:endParaRPr lang="en-US" altLang="ko-KR" dirty="0"/>
+          </a:p>
+          <a:p>
+            <a:endParaRPr lang="en-US" altLang="ko-KR" dirty="0"/>
+          </a:p>
+          <a:p>
+            <a:endParaRPr lang="ko-KR" altLang="en-US" dirty="0"/>
+          </a:p>
+        </p:txBody>
+      </p:sp>
+      <p:sp>
+        <p:nvSpPr>
+          <p:cNvPr id="4" name="TextBox 3">
+            <a:extLst>
+              <a:ext uri="{FF2B5EF4-FFF2-40B4-BE49-F238E27FC236}">
+                <a16:creationId xmlns:a16="http://schemas.microsoft.com/office/drawing/2014/main" id="{8FB1AA33-BEA6-657A-7A8E-15478E96867E}"/>
+              </a:ext>
+            </a:extLst>
+          </p:cNvPr>
+          <p:cNvSpPr txBox="1"/>
+          <p:nvPr/>
+        </p:nvSpPr>
+        <p:spPr>
+          <a:xfrm>
+            <a:off x="1797621" y="2332654"/>
+            <a:ext cx="1420582" cy="369332"/>
+          </a:xfrm>
+          <a:prstGeom prst="rect">
+            <a:avLst/>
+          </a:prstGeom>
+          <a:noFill/>
+        </p:spPr>
+        <p:txBody>
+          <a:bodyPr wrap="none" rtlCol="0">
+            <a:spAutoFit/>
+          </a:bodyPr>
+          <a:lstStyle/>
+          <a:p>
+            <a:r>
+              <a:rPr lang="ko-KR" altLang="en-US"/>
+              <a:t>데이터 백업</a:t>
+            </a:r>
+          </a:p>
+        </p:txBody>
+      </p:sp>
+      <p:sp>
+        <p:nvSpPr>
+          <p:cNvPr id="5" name="TextBox 4">
+            <a:extLst>
+              <a:ext uri="{FF2B5EF4-FFF2-40B4-BE49-F238E27FC236}">
+                <a16:creationId xmlns:a16="http://schemas.microsoft.com/office/drawing/2014/main" id="{C33FF717-A892-7D61-6724-600F93BCBBFD}"/>
+              </a:ext>
+            </a:extLst>
+          </p:cNvPr>
+          <p:cNvSpPr txBox="1"/>
+          <p:nvPr/>
+        </p:nvSpPr>
+        <p:spPr>
+          <a:xfrm>
+            <a:off x="1647619" y="2942132"/>
+            <a:ext cx="1882247" cy="369332"/>
+          </a:xfrm>
+          <a:prstGeom prst="rect">
+            <a:avLst/>
+          </a:prstGeom>
+          <a:noFill/>
+        </p:spPr>
+        <p:txBody>
+          <a:bodyPr wrap="none" rtlCol="0">
+            <a:spAutoFit/>
+          </a:bodyPr>
+          <a:lstStyle/>
+          <a:p>
+            <a:r>
+              <a:rPr lang="ko-KR" altLang="en-US"/>
+              <a:t>데이터 받아오기</a:t>
+            </a:r>
+            <a:endParaRPr lang="ko-KR" altLang="en-US" dirty="0"/>
+          </a:p>
+        </p:txBody>
+      </p:sp>
+      <p:sp>
+        <p:nvSpPr>
+          <p:cNvPr id="6" name="TextBox 5">
+            <a:extLst>
+              <a:ext uri="{FF2B5EF4-FFF2-40B4-BE49-F238E27FC236}">
+                <a16:creationId xmlns:a16="http://schemas.microsoft.com/office/drawing/2014/main" id="{6B9A886E-5588-B8B3-0FA1-A24529910083}"/>
+              </a:ext>
+            </a:extLst>
+          </p:cNvPr>
+          <p:cNvSpPr txBox="1"/>
+          <p:nvPr/>
+        </p:nvSpPr>
+        <p:spPr>
+          <a:xfrm>
+            <a:off x="1950094" y="3862873"/>
+            <a:ext cx="1189749" cy="369332"/>
+          </a:xfrm>
+          <a:prstGeom prst="rect">
+            <a:avLst/>
+          </a:prstGeom>
+          <a:noFill/>
+        </p:spPr>
+        <p:txBody>
+          <a:bodyPr wrap="none" rtlCol="0">
+            <a:spAutoFit/>
+          </a:bodyPr>
+          <a:lstStyle/>
+          <a:p>
+            <a:r>
+              <a:rPr lang="ko-KR" altLang="en-US" dirty="0"/>
+              <a:t>알림 설정</a:t>
+            </a:r>
+          </a:p>
+        </p:txBody>
+      </p:sp>
+    </p:spTree>
+    <p:extLst>
+      <p:ext uri="{BB962C8B-B14F-4D97-AF65-F5344CB8AC3E}">
+        <p14:creationId xmlns:p14="http://schemas.microsoft.com/office/powerpoint/2010/main" val="2286516301"/>
       </p:ext>
     </p:extLst>
   </p:cSld>

--- a/notion/UI 구상 및 기능 구현.pptx
+++ b/notion/UI 구상 및 기능 구현.pptx
@@ -10,7 +10,10 @@
     <p:sldId id="257" r:id="rId4"/>
     <p:sldId id="261" r:id="rId5"/>
     <p:sldId id="259" r:id="rId6"/>
-    <p:sldId id="262" r:id="rId7"/>
+    <p:sldId id="264" r:id="rId7"/>
+    <p:sldId id="262" r:id="rId8"/>
+    <p:sldId id="265" r:id="rId9"/>
+    <p:sldId id="266" r:id="rId10"/>
   </p:sldIdLst>
   <p:sldSz cx="12192000" cy="6858000"/>
   <p:notesSz cx="6858000" cy="9144000"/>
@@ -1226,7 +1229,7 @@
           <a:p>
             <a:fld id="{C488945D-0AD1-4081-B87C-734B2B0C127B}" type="datetimeFigureOut">
               <a:rPr lang="ko-KR" altLang="en-US" smtClean="0"/>
-              <a:t>2024-11-19</a:t>
+              <a:t>2024-11-25</a:t>
             </a:fld>
             <a:endParaRPr lang="ko-KR" altLang="en-US"/>
           </a:p>
@@ -1424,7 +1427,7 @@
           <a:p>
             <a:fld id="{C488945D-0AD1-4081-B87C-734B2B0C127B}" type="datetimeFigureOut">
               <a:rPr lang="ko-KR" altLang="en-US" smtClean="0"/>
-              <a:t>2024-11-19</a:t>
+              <a:t>2024-11-25</a:t>
             </a:fld>
             <a:endParaRPr lang="ko-KR" altLang="en-US"/>
           </a:p>
@@ -1632,7 +1635,7 @@
           <a:p>
             <a:fld id="{C488945D-0AD1-4081-B87C-734B2B0C127B}" type="datetimeFigureOut">
               <a:rPr lang="ko-KR" altLang="en-US" smtClean="0"/>
-              <a:t>2024-11-19</a:t>
+              <a:t>2024-11-25</a:t>
             </a:fld>
             <a:endParaRPr lang="ko-KR" altLang="en-US"/>
           </a:p>
@@ -1830,7 +1833,7 @@
           <a:p>
             <a:fld id="{C488945D-0AD1-4081-B87C-734B2B0C127B}" type="datetimeFigureOut">
               <a:rPr lang="ko-KR" altLang="en-US" smtClean="0"/>
-              <a:t>2024-11-19</a:t>
+              <a:t>2024-11-25</a:t>
             </a:fld>
             <a:endParaRPr lang="ko-KR" altLang="en-US"/>
           </a:p>
@@ -2105,7 +2108,7 @@
           <a:p>
             <a:fld id="{C488945D-0AD1-4081-B87C-734B2B0C127B}" type="datetimeFigureOut">
               <a:rPr lang="ko-KR" altLang="en-US" smtClean="0"/>
-              <a:t>2024-11-19</a:t>
+              <a:t>2024-11-25</a:t>
             </a:fld>
             <a:endParaRPr lang="ko-KR" altLang="en-US"/>
           </a:p>
@@ -2370,7 +2373,7 @@
           <a:p>
             <a:fld id="{C488945D-0AD1-4081-B87C-734B2B0C127B}" type="datetimeFigureOut">
               <a:rPr lang="ko-KR" altLang="en-US" smtClean="0"/>
-              <a:t>2024-11-19</a:t>
+              <a:t>2024-11-25</a:t>
             </a:fld>
             <a:endParaRPr lang="ko-KR" altLang="en-US"/>
           </a:p>
@@ -2782,7 +2785,7 @@
           <a:p>
             <a:fld id="{C488945D-0AD1-4081-B87C-734B2B0C127B}" type="datetimeFigureOut">
               <a:rPr lang="ko-KR" altLang="en-US" smtClean="0"/>
-              <a:t>2024-11-19</a:t>
+              <a:t>2024-11-25</a:t>
             </a:fld>
             <a:endParaRPr lang="ko-KR" altLang="en-US"/>
           </a:p>
@@ -2923,7 +2926,7 @@
           <a:p>
             <a:fld id="{C488945D-0AD1-4081-B87C-734B2B0C127B}" type="datetimeFigureOut">
               <a:rPr lang="ko-KR" altLang="en-US" smtClean="0"/>
-              <a:t>2024-11-19</a:t>
+              <a:t>2024-11-25</a:t>
             </a:fld>
             <a:endParaRPr lang="ko-KR" altLang="en-US"/>
           </a:p>
@@ -3036,7 +3039,7 @@
           <a:p>
             <a:fld id="{C488945D-0AD1-4081-B87C-734B2B0C127B}" type="datetimeFigureOut">
               <a:rPr lang="ko-KR" altLang="en-US" smtClean="0"/>
-              <a:t>2024-11-19</a:t>
+              <a:t>2024-11-25</a:t>
             </a:fld>
             <a:endParaRPr lang="ko-KR" altLang="en-US"/>
           </a:p>
@@ -3347,7 +3350,7 @@
           <a:p>
             <a:fld id="{C488945D-0AD1-4081-B87C-734B2B0C127B}" type="datetimeFigureOut">
               <a:rPr lang="ko-KR" altLang="en-US" smtClean="0"/>
-              <a:t>2024-11-19</a:t>
+              <a:t>2024-11-25</a:t>
             </a:fld>
             <a:endParaRPr lang="ko-KR" altLang="en-US"/>
           </a:p>
@@ -3635,7 +3638,7 @@
           <a:p>
             <a:fld id="{C488945D-0AD1-4081-B87C-734B2B0C127B}" type="datetimeFigureOut">
               <a:rPr lang="ko-KR" altLang="en-US" smtClean="0"/>
-              <a:t>2024-11-19</a:t>
+              <a:t>2024-11-25</a:t>
             </a:fld>
             <a:endParaRPr lang="ko-KR" altLang="en-US"/>
           </a:p>
@@ -3876,7 +3879,7 @@
           <a:p>
             <a:fld id="{C488945D-0AD1-4081-B87C-734B2B0C127B}" type="datetimeFigureOut">
               <a:rPr lang="ko-KR" altLang="en-US" smtClean="0"/>
-              <a:t>2024-11-19</a:t>
+              <a:t>2024-11-25</a:t>
             </a:fld>
             <a:endParaRPr lang="ko-KR" altLang="en-US"/>
           </a:p>
@@ -4846,6 +4849,106 @@
               <a:rPr lang="ko-KR" altLang="en-US" dirty="0"/>
               <a:t>정수 기입</a:t>
             </a:r>
+          </a:p>
+        </p:txBody>
+      </p:sp>
+      <p:sp>
+        <p:nvSpPr>
+          <p:cNvPr id="6" name="직사각형 5">
+            <a:extLst>
+              <a:ext uri="{FF2B5EF4-FFF2-40B4-BE49-F238E27FC236}">
+                <a16:creationId xmlns:a16="http://schemas.microsoft.com/office/drawing/2014/main" id="{46683B86-141E-C7AF-5C19-4714B01101A8}"/>
+              </a:ext>
+            </a:extLst>
+          </p:cNvPr>
+          <p:cNvSpPr/>
+          <p:nvPr/>
+        </p:nvSpPr>
+        <p:spPr>
+          <a:xfrm>
+            <a:off x="4820478" y="4769402"/>
+            <a:ext cx="2842592" cy="472881"/>
+          </a:xfrm>
+          <a:prstGeom prst="rect">
+            <a:avLst/>
+          </a:prstGeom>
+        </p:spPr>
+        <p:style>
+          <a:lnRef idx="2">
+            <a:schemeClr val="accent1">
+              <a:shade val="15000"/>
+            </a:schemeClr>
+          </a:lnRef>
+          <a:fillRef idx="1">
+            <a:schemeClr val="accent1"/>
+          </a:fillRef>
+          <a:effectRef idx="0">
+            <a:schemeClr val="accent1"/>
+          </a:effectRef>
+          <a:fontRef idx="minor">
+            <a:schemeClr val="lt1"/>
+          </a:fontRef>
+        </p:style>
+        <p:txBody>
+          <a:bodyPr rtlCol="0" anchor="ctr"/>
+          <a:lstStyle/>
+          <a:p>
+            <a:pPr algn="ctr"/>
+            <a:r>
+              <a:rPr lang="en-US" altLang="ko-KR" dirty="0"/>
+              <a:t>First Activation Activity</a:t>
+            </a:r>
+            <a:endParaRPr lang="ko-KR" altLang="en-US" dirty="0"/>
+          </a:p>
+        </p:txBody>
+      </p:sp>
+      <p:sp>
+        <p:nvSpPr>
+          <p:cNvPr id="10" name="직사각형 9">
+            <a:extLst>
+              <a:ext uri="{FF2B5EF4-FFF2-40B4-BE49-F238E27FC236}">
+                <a16:creationId xmlns:a16="http://schemas.microsoft.com/office/drawing/2014/main" id="{8AB92F37-15B6-4B9C-F9A3-227EC28533C9}"/>
+              </a:ext>
+            </a:extLst>
+          </p:cNvPr>
+          <p:cNvSpPr/>
+          <p:nvPr/>
+        </p:nvSpPr>
+        <p:spPr>
+          <a:xfrm>
+            <a:off x="4820478" y="5440901"/>
+            <a:ext cx="4760844" cy="914400"/>
+          </a:xfrm>
+          <a:prstGeom prst="rect">
+            <a:avLst/>
+          </a:prstGeom>
+        </p:spPr>
+        <p:style>
+          <a:lnRef idx="2">
+            <a:schemeClr val="accent1">
+              <a:shade val="15000"/>
+            </a:schemeClr>
+          </a:lnRef>
+          <a:fillRef idx="1">
+            <a:schemeClr val="accent1"/>
+          </a:fillRef>
+          <a:effectRef idx="0">
+            <a:schemeClr val="accent1"/>
+          </a:effectRef>
+          <a:fontRef idx="minor">
+            <a:schemeClr val="lt1"/>
+          </a:fontRef>
+        </p:style>
+        <p:txBody>
+          <a:bodyPr rtlCol="0" anchor="ctr"/>
+          <a:lstStyle/>
+          <a:p>
+            <a:pPr algn="ctr"/>
+            <a:r>
+              <a:rPr lang="en-US" altLang="ko-KR" dirty="0"/>
+              <a:t>Weight Management // Composable Class</a:t>
+            </a:r>
+            <a:endParaRPr lang="ko-KR" altLang="en-US" dirty="0"/>
           </a:p>
         </p:txBody>
       </p:sp>
@@ -5812,6 +5915,106 @@
           </a:p>
         </p:txBody>
       </p:sp>
+      <p:sp>
+        <p:nvSpPr>
+          <p:cNvPr id="5" name="직사각형 4">
+            <a:extLst>
+              <a:ext uri="{FF2B5EF4-FFF2-40B4-BE49-F238E27FC236}">
+                <a16:creationId xmlns:a16="http://schemas.microsoft.com/office/drawing/2014/main" id="{F1B8DCA0-EE56-AC74-5525-5F04374B214F}"/>
+              </a:ext>
+            </a:extLst>
+          </p:cNvPr>
+          <p:cNvSpPr/>
+          <p:nvPr/>
+        </p:nvSpPr>
+        <p:spPr>
+          <a:xfrm>
+            <a:off x="4820478" y="5440901"/>
+            <a:ext cx="4760844" cy="914400"/>
+          </a:xfrm>
+          <a:prstGeom prst="rect">
+            <a:avLst/>
+          </a:prstGeom>
+        </p:spPr>
+        <p:style>
+          <a:lnRef idx="2">
+            <a:schemeClr val="accent1">
+              <a:shade val="15000"/>
+            </a:schemeClr>
+          </a:lnRef>
+          <a:fillRef idx="1">
+            <a:schemeClr val="accent1"/>
+          </a:fillRef>
+          <a:effectRef idx="0">
+            <a:schemeClr val="accent1"/>
+          </a:effectRef>
+          <a:fontRef idx="minor">
+            <a:schemeClr val="lt1"/>
+          </a:fontRef>
+        </p:style>
+        <p:txBody>
+          <a:bodyPr rtlCol="0" anchor="ctr"/>
+          <a:lstStyle/>
+          <a:p>
+            <a:pPr algn="ctr"/>
+            <a:r>
+              <a:rPr lang="en-US" altLang="ko-KR" dirty="0"/>
+              <a:t>Weight Management // Composable Class</a:t>
+            </a:r>
+            <a:endParaRPr lang="ko-KR" altLang="en-US" dirty="0"/>
+          </a:p>
+        </p:txBody>
+      </p:sp>
+      <p:sp>
+        <p:nvSpPr>
+          <p:cNvPr id="7" name="직사각형 6">
+            <a:extLst>
+              <a:ext uri="{FF2B5EF4-FFF2-40B4-BE49-F238E27FC236}">
+                <a16:creationId xmlns:a16="http://schemas.microsoft.com/office/drawing/2014/main" id="{899081EC-0A20-1563-3858-16D83F2CED6F}"/>
+              </a:ext>
+            </a:extLst>
+          </p:cNvPr>
+          <p:cNvSpPr/>
+          <p:nvPr/>
+        </p:nvSpPr>
+        <p:spPr>
+          <a:xfrm>
+            <a:off x="4820478" y="4769402"/>
+            <a:ext cx="3648362" cy="472881"/>
+          </a:xfrm>
+          <a:prstGeom prst="rect">
+            <a:avLst/>
+          </a:prstGeom>
+        </p:spPr>
+        <p:style>
+          <a:lnRef idx="2">
+            <a:schemeClr val="accent1">
+              <a:shade val="15000"/>
+            </a:schemeClr>
+          </a:lnRef>
+          <a:fillRef idx="1">
+            <a:schemeClr val="accent1"/>
+          </a:fillRef>
+          <a:effectRef idx="0">
+            <a:schemeClr val="accent1"/>
+          </a:effectRef>
+          <a:fontRef idx="minor">
+            <a:schemeClr val="lt1"/>
+          </a:fontRef>
+        </p:style>
+        <p:txBody>
+          <a:bodyPr rtlCol="0" anchor="ctr"/>
+          <a:lstStyle/>
+          <a:p>
+            <a:pPr algn="ctr"/>
+            <a:r>
+              <a:rPr lang="en-US" altLang="ko-KR" dirty="0"/>
+              <a:t>Main Activity - Navigation</a:t>
+            </a:r>
+            <a:endParaRPr lang="ko-KR" altLang="en-US" dirty="0"/>
+          </a:p>
+        </p:txBody>
+      </p:sp>
     </p:spTree>
     <p:extLst>
       <p:ext uri="{BB962C8B-B14F-4D97-AF65-F5344CB8AC3E}">
@@ -6766,6 +6969,106 @@
               <a:rPr lang="ko-KR" altLang="en-US" dirty="0"/>
               <a:t> 별로 색상 표기</a:t>
             </a:r>
+          </a:p>
+        </p:txBody>
+      </p:sp>
+      <p:sp>
+        <p:nvSpPr>
+          <p:cNvPr id="2" name="직사각형 1">
+            <a:extLst>
+              <a:ext uri="{FF2B5EF4-FFF2-40B4-BE49-F238E27FC236}">
+                <a16:creationId xmlns:a16="http://schemas.microsoft.com/office/drawing/2014/main" id="{D27C5A71-FBB6-59A4-F27A-EE9C3B9BDF93}"/>
+              </a:ext>
+            </a:extLst>
+          </p:cNvPr>
+          <p:cNvSpPr/>
+          <p:nvPr/>
+        </p:nvSpPr>
+        <p:spPr>
+          <a:xfrm>
+            <a:off x="4820478" y="5440901"/>
+            <a:ext cx="4760844" cy="914400"/>
+          </a:xfrm>
+          <a:prstGeom prst="rect">
+            <a:avLst/>
+          </a:prstGeom>
+        </p:spPr>
+        <p:style>
+          <a:lnRef idx="2">
+            <a:schemeClr val="accent1">
+              <a:shade val="15000"/>
+            </a:schemeClr>
+          </a:lnRef>
+          <a:fillRef idx="1">
+            <a:schemeClr val="accent1"/>
+          </a:fillRef>
+          <a:effectRef idx="0">
+            <a:schemeClr val="accent1"/>
+          </a:effectRef>
+          <a:fontRef idx="minor">
+            <a:schemeClr val="lt1"/>
+          </a:fontRef>
+        </p:style>
+        <p:txBody>
+          <a:bodyPr rtlCol="0" anchor="ctr"/>
+          <a:lstStyle/>
+          <a:p>
+            <a:pPr algn="ctr"/>
+            <a:r>
+              <a:rPr lang="en-US" altLang="ko-KR" dirty="0"/>
+              <a:t>Weight Graph // Composable Class</a:t>
+            </a:r>
+            <a:endParaRPr lang="ko-KR" altLang="en-US" dirty="0"/>
+          </a:p>
+        </p:txBody>
+      </p:sp>
+      <p:sp>
+        <p:nvSpPr>
+          <p:cNvPr id="5" name="직사각형 4">
+            <a:extLst>
+              <a:ext uri="{FF2B5EF4-FFF2-40B4-BE49-F238E27FC236}">
+                <a16:creationId xmlns:a16="http://schemas.microsoft.com/office/drawing/2014/main" id="{B719D890-6D07-80FC-202E-6191A6BD265B}"/>
+              </a:ext>
+            </a:extLst>
+          </p:cNvPr>
+          <p:cNvSpPr/>
+          <p:nvPr/>
+        </p:nvSpPr>
+        <p:spPr>
+          <a:xfrm>
+            <a:off x="4820478" y="4769402"/>
+            <a:ext cx="3648362" cy="472881"/>
+          </a:xfrm>
+          <a:prstGeom prst="rect">
+            <a:avLst/>
+          </a:prstGeom>
+        </p:spPr>
+        <p:style>
+          <a:lnRef idx="2">
+            <a:schemeClr val="accent1">
+              <a:shade val="15000"/>
+            </a:schemeClr>
+          </a:lnRef>
+          <a:fillRef idx="1">
+            <a:schemeClr val="accent1"/>
+          </a:fillRef>
+          <a:effectRef idx="0">
+            <a:schemeClr val="accent1"/>
+          </a:effectRef>
+          <a:fontRef idx="minor">
+            <a:schemeClr val="lt1"/>
+          </a:fontRef>
+        </p:style>
+        <p:txBody>
+          <a:bodyPr rtlCol="0" anchor="ctr"/>
+          <a:lstStyle/>
+          <a:p>
+            <a:pPr algn="ctr"/>
+            <a:r>
+              <a:rPr lang="en-US" altLang="ko-KR" dirty="0"/>
+              <a:t>Main Activity - Navigation</a:t>
+            </a:r>
+            <a:endParaRPr lang="ko-KR" altLang="en-US" dirty="0"/>
           </a:p>
         </p:txBody>
       </p:sp>
@@ -7484,7 +7787,7 @@
         </p:nvSpPr>
         <p:spPr>
           <a:xfrm>
-            <a:off x="6770255" y="2253673"/>
+            <a:off x="6879585" y="960521"/>
             <a:ext cx="4204997" cy="3416320"/>
           </a:xfrm>
           <a:prstGeom prst="rect">
@@ -7696,6 +7999,106 @@
           <a:p>
             <a:pPr algn="ctr"/>
             <a:endParaRPr lang="ko-KR" altLang="en-US"/>
+          </a:p>
+        </p:txBody>
+      </p:sp>
+      <p:sp>
+        <p:nvSpPr>
+          <p:cNvPr id="3" name="직사각형 2">
+            <a:extLst>
+              <a:ext uri="{FF2B5EF4-FFF2-40B4-BE49-F238E27FC236}">
+                <a16:creationId xmlns:a16="http://schemas.microsoft.com/office/drawing/2014/main" id="{DB240185-324E-18FF-AAF3-3B1934B2F4CC}"/>
+              </a:ext>
+            </a:extLst>
+          </p:cNvPr>
+          <p:cNvSpPr/>
+          <p:nvPr/>
+        </p:nvSpPr>
+        <p:spPr>
+          <a:xfrm>
+            <a:off x="4820478" y="5440901"/>
+            <a:ext cx="4760844" cy="914400"/>
+          </a:xfrm>
+          <a:prstGeom prst="rect">
+            <a:avLst/>
+          </a:prstGeom>
+        </p:spPr>
+        <p:style>
+          <a:lnRef idx="2">
+            <a:schemeClr val="accent1">
+              <a:shade val="15000"/>
+            </a:schemeClr>
+          </a:lnRef>
+          <a:fillRef idx="1">
+            <a:schemeClr val="accent1"/>
+          </a:fillRef>
+          <a:effectRef idx="0">
+            <a:schemeClr val="accent1"/>
+          </a:effectRef>
+          <a:fontRef idx="minor">
+            <a:schemeClr val="lt1"/>
+          </a:fontRef>
+        </p:style>
+        <p:txBody>
+          <a:bodyPr rtlCol="0" anchor="ctr"/>
+          <a:lstStyle/>
+          <a:p>
+            <a:pPr algn="ctr"/>
+            <a:r>
+              <a:rPr lang="en-US" altLang="ko-KR" dirty="0"/>
+              <a:t>Period Calendar // Composable Class</a:t>
+            </a:r>
+            <a:endParaRPr lang="ko-KR" altLang="en-US" dirty="0"/>
+          </a:p>
+        </p:txBody>
+      </p:sp>
+      <p:sp>
+        <p:nvSpPr>
+          <p:cNvPr id="6" name="직사각형 5">
+            <a:extLst>
+              <a:ext uri="{FF2B5EF4-FFF2-40B4-BE49-F238E27FC236}">
+                <a16:creationId xmlns:a16="http://schemas.microsoft.com/office/drawing/2014/main" id="{64B4E8C5-DBE9-7FB3-2FF4-21F656D32168}"/>
+              </a:ext>
+            </a:extLst>
+          </p:cNvPr>
+          <p:cNvSpPr/>
+          <p:nvPr/>
+        </p:nvSpPr>
+        <p:spPr>
+          <a:xfrm>
+            <a:off x="4820478" y="4769402"/>
+            <a:ext cx="3648362" cy="472881"/>
+          </a:xfrm>
+          <a:prstGeom prst="rect">
+            <a:avLst/>
+          </a:prstGeom>
+        </p:spPr>
+        <p:style>
+          <a:lnRef idx="2">
+            <a:schemeClr val="accent1">
+              <a:shade val="15000"/>
+            </a:schemeClr>
+          </a:lnRef>
+          <a:fillRef idx="1">
+            <a:schemeClr val="accent1"/>
+          </a:fillRef>
+          <a:effectRef idx="0">
+            <a:schemeClr val="accent1"/>
+          </a:effectRef>
+          <a:fontRef idx="minor">
+            <a:schemeClr val="lt1"/>
+          </a:fontRef>
+        </p:style>
+        <p:txBody>
+          <a:bodyPr rtlCol="0" anchor="ctr"/>
+          <a:lstStyle/>
+          <a:p>
+            <a:pPr algn="ctr"/>
+            <a:r>
+              <a:rPr lang="en-US" altLang="ko-KR" dirty="0"/>
+              <a:t>Main Activity - Navigation</a:t>
+            </a:r>
+            <a:endParaRPr lang="ko-KR" altLang="en-US" dirty="0"/>
           </a:p>
         </p:txBody>
       </p:sp>
@@ -8657,6 +9060,106 @@
           </a:p>
         </p:txBody>
       </p:sp>
+      <p:sp>
+        <p:nvSpPr>
+          <p:cNvPr id="2" name="직사각형 1">
+            <a:extLst>
+              <a:ext uri="{FF2B5EF4-FFF2-40B4-BE49-F238E27FC236}">
+                <a16:creationId xmlns:a16="http://schemas.microsoft.com/office/drawing/2014/main" id="{406B749D-1466-D53A-71D3-BD374D5F3358}"/>
+              </a:ext>
+            </a:extLst>
+          </p:cNvPr>
+          <p:cNvSpPr/>
+          <p:nvPr/>
+        </p:nvSpPr>
+        <p:spPr>
+          <a:xfrm>
+            <a:off x="4820478" y="5440901"/>
+            <a:ext cx="4760844" cy="914400"/>
+          </a:xfrm>
+          <a:prstGeom prst="rect">
+            <a:avLst/>
+          </a:prstGeom>
+        </p:spPr>
+        <p:style>
+          <a:lnRef idx="2">
+            <a:schemeClr val="accent1">
+              <a:shade val="15000"/>
+            </a:schemeClr>
+          </a:lnRef>
+          <a:fillRef idx="1">
+            <a:schemeClr val="accent1"/>
+          </a:fillRef>
+          <a:effectRef idx="0">
+            <a:schemeClr val="accent1"/>
+          </a:effectRef>
+          <a:fontRef idx="minor">
+            <a:schemeClr val="lt1"/>
+          </a:fontRef>
+        </p:style>
+        <p:txBody>
+          <a:bodyPr rtlCol="0" anchor="ctr"/>
+          <a:lstStyle/>
+          <a:p>
+            <a:pPr algn="ctr"/>
+            <a:r>
+              <a:rPr lang="en-US" altLang="ko-KR" dirty="0"/>
+              <a:t>Period Statistics // Composable Class</a:t>
+            </a:r>
+            <a:endParaRPr lang="ko-KR" altLang="en-US" dirty="0"/>
+          </a:p>
+        </p:txBody>
+      </p:sp>
+      <p:sp>
+        <p:nvSpPr>
+          <p:cNvPr id="4" name="직사각형 3">
+            <a:extLst>
+              <a:ext uri="{FF2B5EF4-FFF2-40B4-BE49-F238E27FC236}">
+                <a16:creationId xmlns:a16="http://schemas.microsoft.com/office/drawing/2014/main" id="{8E5DA028-B927-121E-A448-E46B3A5C8AA5}"/>
+              </a:ext>
+            </a:extLst>
+          </p:cNvPr>
+          <p:cNvSpPr/>
+          <p:nvPr/>
+        </p:nvSpPr>
+        <p:spPr>
+          <a:xfrm>
+            <a:off x="4820478" y="4769402"/>
+            <a:ext cx="3648362" cy="472881"/>
+          </a:xfrm>
+          <a:prstGeom prst="rect">
+            <a:avLst/>
+          </a:prstGeom>
+        </p:spPr>
+        <p:style>
+          <a:lnRef idx="2">
+            <a:schemeClr val="accent1">
+              <a:shade val="15000"/>
+            </a:schemeClr>
+          </a:lnRef>
+          <a:fillRef idx="1">
+            <a:schemeClr val="accent1"/>
+          </a:fillRef>
+          <a:effectRef idx="0">
+            <a:schemeClr val="accent1"/>
+          </a:effectRef>
+          <a:fontRef idx="minor">
+            <a:schemeClr val="lt1"/>
+          </a:fontRef>
+        </p:style>
+        <p:txBody>
+          <a:bodyPr rtlCol="0" anchor="ctr"/>
+          <a:lstStyle/>
+          <a:p>
+            <a:pPr algn="ctr"/>
+            <a:r>
+              <a:rPr lang="en-US" altLang="ko-KR" dirty="0"/>
+              <a:t>Main Activity - Navigation</a:t>
+            </a:r>
+            <a:endParaRPr lang="ko-KR" altLang="en-US" dirty="0"/>
+          </a:p>
+        </p:txBody>
+      </p:sp>
     </p:spTree>
     <p:extLst>
       <p:ext uri="{BB962C8B-B14F-4D97-AF65-F5344CB8AC3E}">
@@ -9156,7 +9659,7 @@
         <p:spPr>
           <a:xfrm>
             <a:off x="6262443" y="1369883"/>
-            <a:ext cx="1733167" cy="2862322"/>
+            <a:ext cx="4544834" cy="2585323"/>
           </a:xfrm>
           <a:prstGeom prst="rect">
             <a:avLst/>
@@ -9177,33 +9680,47 @@
           </a:p>
           <a:p>
             <a:r>
+              <a:rPr lang="en-US" altLang="ko-KR" dirty="0"/>
+              <a:t> - </a:t>
+            </a:r>
+            <a:r>
+              <a:rPr lang="ko-KR" altLang="en-US" dirty="0" err="1"/>
+              <a:t>키설정</a:t>
+            </a:r>
+            <a:r>
               <a:rPr lang="ko-KR" altLang="en-US" dirty="0"/>
-              <a:t>성별</a:t>
+              <a:t> 변경 말곤 딱히 </a:t>
+            </a:r>
+            <a:r>
+              <a:rPr lang="ko-KR" altLang="en-US" dirty="0" err="1"/>
+              <a:t>가능한게</a:t>
+            </a:r>
+            <a:r>
+              <a:rPr lang="ko-KR" altLang="en-US" dirty="0"/>
+              <a:t> 없는데</a:t>
             </a:r>
             <a:endParaRPr lang="en-US" altLang="ko-KR" dirty="0"/>
           </a:p>
           <a:p>
             <a:r>
+              <a:rPr lang="en-US" altLang="ko-KR" dirty="0"/>
+              <a:t> - </a:t>
+            </a:r>
+            <a:r>
               <a:rPr lang="ko-KR" altLang="en-US" dirty="0"/>
-              <a:t>나이</a:t>
+              <a:t>나머지는 체중관리</a:t>
             </a:r>
             <a:r>
               <a:rPr lang="en-US" altLang="ko-KR" dirty="0"/>
-              <a:t>?</a:t>
-            </a:r>
-          </a:p>
-          <a:p>
+              <a:t>, </a:t>
+            </a:r>
             <a:r>
               <a:rPr lang="ko-KR" altLang="en-US" dirty="0"/>
-              <a:t>키</a:t>
+              <a:t>생리주기에서 변경</a:t>
             </a:r>
             <a:endParaRPr lang="en-US" altLang="ko-KR" dirty="0"/>
           </a:p>
           <a:p>
-            <a:r>
-              <a:rPr lang="ko-KR" altLang="en-US" dirty="0"/>
-              <a:t>현재 몸무게</a:t>
-            </a:r>
             <a:endParaRPr lang="en-US" altLang="ko-KR" dirty="0"/>
           </a:p>
           <a:p>
@@ -9340,7 +9857,1053 @@
     </p:spTree>
     <p:extLst>
       <p:ext uri="{BB962C8B-B14F-4D97-AF65-F5344CB8AC3E}">
+        <p14:creationId xmlns:p14="http://schemas.microsoft.com/office/powerpoint/2010/main" val="4195052728"/>
+      </p:ext>
+    </p:extLst>
+  </p:cSld>
+  <p:clrMapOvr>
+    <a:masterClrMapping/>
+  </p:clrMapOvr>
+</p:sld>
+</file>
+
+<file path=ppt/slides/slide7.xml><?xml version="1.0" encoding="utf-8"?>
+<p:sld xmlns:a="http://schemas.openxmlformats.org/drawingml/2006/main" xmlns:r="http://schemas.openxmlformats.org/officeDocument/2006/relationships" xmlns:p="http://schemas.openxmlformats.org/presentationml/2006/main">
+  <p:cSld>
+    <p:spTree>
+      <p:nvGrpSpPr>
+        <p:cNvPr id="1" name=""/>
+        <p:cNvGrpSpPr/>
+        <p:nvPr/>
+      </p:nvGrpSpPr>
+      <p:grpSpPr>
+        <a:xfrm>
+          <a:off x="0" y="0"/>
+          <a:ext cx="0" cy="0"/>
+          <a:chOff x="0" y="0"/>
+          <a:chExt cx="0" cy="0"/>
+        </a:xfrm>
+      </p:grpSpPr>
+      <p:sp>
+        <p:nvSpPr>
+          <p:cNvPr id="7" name="TextBox 6">
+            <a:extLst>
+              <a:ext uri="{FF2B5EF4-FFF2-40B4-BE49-F238E27FC236}">
+                <a16:creationId xmlns:a16="http://schemas.microsoft.com/office/drawing/2014/main" id="{1E521036-961B-DAEF-11C3-453980832596}"/>
+              </a:ext>
+            </a:extLst>
+          </p:cNvPr>
+          <p:cNvSpPr txBox="1"/>
+          <p:nvPr/>
+        </p:nvSpPr>
+        <p:spPr>
+          <a:xfrm>
+            <a:off x="1351722" y="1630017"/>
+            <a:ext cx="4855816" cy="1200329"/>
+          </a:xfrm>
+          <a:prstGeom prst="rect">
+            <a:avLst/>
+          </a:prstGeom>
+          <a:noFill/>
+        </p:spPr>
+        <p:txBody>
+          <a:bodyPr wrap="none" rtlCol="0">
+            <a:spAutoFit/>
+          </a:bodyPr>
+          <a:lstStyle/>
+          <a:p>
+            <a:r>
+              <a:rPr lang="ko-KR" altLang="en-US" dirty="0"/>
+              <a:t>기타 확인사항</a:t>
+            </a:r>
+            <a:endParaRPr lang="en-US" altLang="ko-KR" dirty="0"/>
+          </a:p>
+          <a:p>
+            <a:endParaRPr lang="en-US" altLang="ko-KR" dirty="0"/>
+          </a:p>
+          <a:p>
+            <a:r>
+              <a:rPr lang="ko-KR" altLang="en-US" dirty="0"/>
+              <a:t>데이터베이스 </a:t>
+            </a:r>
+            <a:r>
+              <a:rPr lang="en-US" altLang="ko-KR" dirty="0"/>
+              <a:t>: Room </a:t>
+            </a:r>
+            <a:r>
+              <a:rPr lang="ko-KR" altLang="en-US" dirty="0"/>
+              <a:t>사용</a:t>
+            </a:r>
+            <a:endParaRPr lang="en-US" altLang="ko-KR" dirty="0"/>
+          </a:p>
+          <a:p>
+            <a:r>
+              <a:rPr lang="en-US" altLang="ko-KR" dirty="0"/>
+              <a:t>APK</a:t>
+            </a:r>
+            <a:r>
+              <a:rPr lang="ko-KR" altLang="en-US" dirty="0"/>
+              <a:t>파일로 만들어서 배포하는 방법 알아내기</a:t>
+            </a:r>
+            <a:endParaRPr lang="en-US" altLang="ko-KR" dirty="0"/>
+          </a:p>
+        </p:txBody>
+      </p:sp>
+    </p:spTree>
+    <p:extLst>
+      <p:ext uri="{BB962C8B-B14F-4D97-AF65-F5344CB8AC3E}">
         <p14:creationId xmlns:p14="http://schemas.microsoft.com/office/powerpoint/2010/main" val="2286516301"/>
+      </p:ext>
+    </p:extLst>
+  </p:cSld>
+  <p:clrMapOvr>
+    <a:masterClrMapping/>
+  </p:clrMapOvr>
+</p:sld>
+</file>
+
+<file path=ppt/slides/slide8.xml><?xml version="1.0" encoding="utf-8"?>
+<p:sld xmlns:a="http://schemas.openxmlformats.org/drawingml/2006/main" xmlns:r="http://schemas.openxmlformats.org/officeDocument/2006/relationships" xmlns:p="http://schemas.openxmlformats.org/presentationml/2006/main">
+  <p:cSld>
+    <p:spTree>
+      <p:nvGrpSpPr>
+        <p:cNvPr id="1" name=""/>
+        <p:cNvGrpSpPr/>
+        <p:nvPr/>
+      </p:nvGrpSpPr>
+      <p:grpSpPr>
+        <a:xfrm>
+          <a:off x="0" y="0"/>
+          <a:ext cx="0" cy="0"/>
+          <a:chOff x="0" y="0"/>
+          <a:chExt cx="0" cy="0"/>
+        </a:xfrm>
+      </p:grpSpPr>
+      <p:sp>
+        <p:nvSpPr>
+          <p:cNvPr id="4" name="직사각형 3">
+            <a:extLst>
+              <a:ext uri="{FF2B5EF4-FFF2-40B4-BE49-F238E27FC236}">
+                <a16:creationId xmlns:a16="http://schemas.microsoft.com/office/drawing/2014/main" id="{E4C0A2C7-7D32-8F4E-63E2-CB5A64DE9FA2}"/>
+              </a:ext>
+            </a:extLst>
+          </p:cNvPr>
+          <p:cNvSpPr/>
+          <p:nvPr/>
+        </p:nvSpPr>
+        <p:spPr>
+          <a:xfrm>
+            <a:off x="2845907" y="1779105"/>
+            <a:ext cx="974035" cy="665922"/>
+          </a:xfrm>
+          <a:prstGeom prst="rect">
+            <a:avLst/>
+          </a:prstGeom>
+        </p:spPr>
+        <p:style>
+          <a:lnRef idx="2">
+            <a:schemeClr val="accent1">
+              <a:shade val="15000"/>
+            </a:schemeClr>
+          </a:lnRef>
+          <a:fillRef idx="1">
+            <a:schemeClr val="accent1"/>
+          </a:fillRef>
+          <a:effectRef idx="0">
+            <a:schemeClr val="accent1"/>
+          </a:effectRef>
+          <a:fontRef idx="minor">
+            <a:schemeClr val="lt1"/>
+          </a:fontRef>
+        </p:style>
+        <p:txBody>
+          <a:bodyPr rtlCol="0" anchor="ctr"/>
+          <a:lstStyle/>
+          <a:p>
+            <a:pPr algn="ctr"/>
+            <a:r>
+              <a:rPr lang="en-US" altLang="ko-KR" dirty="0"/>
+              <a:t>DAO</a:t>
+            </a:r>
+            <a:endParaRPr lang="ko-KR" altLang="en-US" dirty="0"/>
+          </a:p>
+        </p:txBody>
+      </p:sp>
+      <p:sp>
+        <p:nvSpPr>
+          <p:cNvPr id="5" name="직사각형 4">
+            <a:extLst>
+              <a:ext uri="{FF2B5EF4-FFF2-40B4-BE49-F238E27FC236}">
+                <a16:creationId xmlns:a16="http://schemas.microsoft.com/office/drawing/2014/main" id="{41EC7C70-44BA-DB55-7182-4AC75450C89C}"/>
+              </a:ext>
+            </a:extLst>
+          </p:cNvPr>
+          <p:cNvSpPr/>
+          <p:nvPr/>
+        </p:nvSpPr>
+        <p:spPr>
+          <a:xfrm>
+            <a:off x="1207605" y="1779105"/>
+            <a:ext cx="974035" cy="665922"/>
+          </a:xfrm>
+          <a:prstGeom prst="rect">
+            <a:avLst/>
+          </a:prstGeom>
+        </p:spPr>
+        <p:style>
+          <a:lnRef idx="2">
+            <a:schemeClr val="accent1">
+              <a:shade val="15000"/>
+            </a:schemeClr>
+          </a:lnRef>
+          <a:fillRef idx="1">
+            <a:schemeClr val="accent1"/>
+          </a:fillRef>
+          <a:effectRef idx="0">
+            <a:schemeClr val="accent1"/>
+          </a:effectRef>
+          <a:fontRef idx="minor">
+            <a:schemeClr val="lt1"/>
+          </a:fontRef>
+        </p:style>
+        <p:txBody>
+          <a:bodyPr rtlCol="0" anchor="ctr"/>
+          <a:lstStyle/>
+          <a:p>
+            <a:pPr algn="ctr"/>
+            <a:r>
+              <a:rPr lang="en-US" altLang="ko-KR" dirty="0"/>
+              <a:t>DB</a:t>
+            </a:r>
+            <a:endParaRPr lang="ko-KR" altLang="en-US" dirty="0"/>
+          </a:p>
+        </p:txBody>
+      </p:sp>
+      <p:sp>
+        <p:nvSpPr>
+          <p:cNvPr id="6" name="직사각형 5">
+            <a:extLst>
+              <a:ext uri="{FF2B5EF4-FFF2-40B4-BE49-F238E27FC236}">
+                <a16:creationId xmlns:a16="http://schemas.microsoft.com/office/drawing/2014/main" id="{8D63B6A4-A396-44D1-914B-EAB04E1F0A6A}"/>
+              </a:ext>
+            </a:extLst>
+          </p:cNvPr>
+          <p:cNvSpPr/>
+          <p:nvPr/>
+        </p:nvSpPr>
+        <p:spPr>
+          <a:xfrm>
+            <a:off x="1928195" y="2894772"/>
+            <a:ext cx="974035" cy="665922"/>
+          </a:xfrm>
+          <a:prstGeom prst="rect">
+            <a:avLst/>
+          </a:prstGeom>
+        </p:spPr>
+        <p:style>
+          <a:lnRef idx="2">
+            <a:schemeClr val="accent1">
+              <a:shade val="15000"/>
+            </a:schemeClr>
+          </a:lnRef>
+          <a:fillRef idx="1">
+            <a:schemeClr val="accent1"/>
+          </a:fillRef>
+          <a:effectRef idx="0">
+            <a:schemeClr val="accent1"/>
+          </a:effectRef>
+          <a:fontRef idx="minor">
+            <a:schemeClr val="lt1"/>
+          </a:fontRef>
+        </p:style>
+        <p:txBody>
+          <a:bodyPr rtlCol="0" anchor="ctr"/>
+          <a:lstStyle/>
+          <a:p>
+            <a:pPr algn="ctr"/>
+            <a:r>
+              <a:rPr lang="en-US" altLang="ko-KR" dirty="0"/>
+              <a:t>Entity</a:t>
+            </a:r>
+            <a:endParaRPr lang="ko-KR" altLang="en-US" dirty="0"/>
+          </a:p>
+        </p:txBody>
+      </p:sp>
+      <p:sp>
+        <p:nvSpPr>
+          <p:cNvPr id="7" name="TextBox 6">
+            <a:extLst>
+              <a:ext uri="{FF2B5EF4-FFF2-40B4-BE49-F238E27FC236}">
+                <a16:creationId xmlns:a16="http://schemas.microsoft.com/office/drawing/2014/main" id="{B1280F8C-03B2-E428-535B-9C671D5E1DC2}"/>
+              </a:ext>
+            </a:extLst>
+          </p:cNvPr>
+          <p:cNvSpPr txBox="1"/>
+          <p:nvPr/>
+        </p:nvSpPr>
+        <p:spPr>
+          <a:xfrm>
+            <a:off x="487017" y="327991"/>
+            <a:ext cx="2415213" cy="369332"/>
+          </a:xfrm>
+          <a:prstGeom prst="rect">
+            <a:avLst/>
+          </a:prstGeom>
+          <a:noFill/>
+        </p:spPr>
+        <p:txBody>
+          <a:bodyPr wrap="none" rtlCol="0">
+            <a:spAutoFit/>
+          </a:bodyPr>
+          <a:lstStyle/>
+          <a:p>
+            <a:r>
+              <a:rPr lang="en-US" altLang="ko-KR" dirty="0"/>
+              <a:t>Room DB</a:t>
+            </a:r>
+            <a:r>
+              <a:rPr lang="ko-KR" altLang="en-US" dirty="0"/>
+              <a:t>의 작동원리</a:t>
+            </a:r>
+          </a:p>
+        </p:txBody>
+      </p:sp>
+      <p:sp>
+        <p:nvSpPr>
+          <p:cNvPr id="8" name="직사각형 7">
+            <a:extLst>
+              <a:ext uri="{FF2B5EF4-FFF2-40B4-BE49-F238E27FC236}">
+                <a16:creationId xmlns:a16="http://schemas.microsoft.com/office/drawing/2014/main" id="{192271D5-E98A-BF91-0832-C412895453B0}"/>
+              </a:ext>
+            </a:extLst>
+          </p:cNvPr>
+          <p:cNvSpPr/>
+          <p:nvPr/>
+        </p:nvSpPr>
+        <p:spPr>
+          <a:xfrm>
+            <a:off x="5582477" y="1779105"/>
+            <a:ext cx="1656522" cy="665922"/>
+          </a:xfrm>
+          <a:prstGeom prst="rect">
+            <a:avLst/>
+          </a:prstGeom>
+        </p:spPr>
+        <p:style>
+          <a:lnRef idx="2">
+            <a:schemeClr val="accent1">
+              <a:shade val="15000"/>
+            </a:schemeClr>
+          </a:lnRef>
+          <a:fillRef idx="1">
+            <a:schemeClr val="accent1"/>
+          </a:fillRef>
+          <a:effectRef idx="0">
+            <a:schemeClr val="accent1"/>
+          </a:effectRef>
+          <a:fontRef idx="minor">
+            <a:schemeClr val="lt1"/>
+          </a:fontRef>
+        </p:style>
+        <p:txBody>
+          <a:bodyPr rtlCol="0" anchor="ctr"/>
+          <a:lstStyle/>
+          <a:p>
+            <a:pPr algn="ctr"/>
+            <a:r>
+              <a:rPr lang="en-US" altLang="ko-KR" dirty="0" err="1"/>
+              <a:t>ViewModel</a:t>
+            </a:r>
+            <a:endParaRPr lang="ko-KR" altLang="en-US" dirty="0"/>
+          </a:p>
+        </p:txBody>
+      </p:sp>
+      <p:sp>
+        <p:nvSpPr>
+          <p:cNvPr id="9" name="직사각형 8">
+            <a:extLst>
+              <a:ext uri="{FF2B5EF4-FFF2-40B4-BE49-F238E27FC236}">
+                <a16:creationId xmlns:a16="http://schemas.microsoft.com/office/drawing/2014/main" id="{D53EDB79-5870-3BFF-57E3-CCAC843982D3}"/>
+              </a:ext>
+            </a:extLst>
+          </p:cNvPr>
+          <p:cNvSpPr/>
+          <p:nvPr/>
+        </p:nvSpPr>
+        <p:spPr>
+          <a:xfrm>
+            <a:off x="9327873" y="1779105"/>
+            <a:ext cx="1656522" cy="665922"/>
+          </a:xfrm>
+          <a:prstGeom prst="rect">
+            <a:avLst/>
+          </a:prstGeom>
+        </p:spPr>
+        <p:style>
+          <a:lnRef idx="2">
+            <a:schemeClr val="accent1">
+              <a:shade val="15000"/>
+            </a:schemeClr>
+          </a:lnRef>
+          <a:fillRef idx="1">
+            <a:schemeClr val="accent1"/>
+          </a:fillRef>
+          <a:effectRef idx="0">
+            <a:schemeClr val="accent1"/>
+          </a:effectRef>
+          <a:fontRef idx="minor">
+            <a:schemeClr val="lt1"/>
+          </a:fontRef>
+        </p:style>
+        <p:txBody>
+          <a:bodyPr rtlCol="0" anchor="ctr"/>
+          <a:lstStyle/>
+          <a:p>
+            <a:pPr algn="ctr"/>
+            <a:r>
+              <a:rPr lang="en-US" altLang="ko-KR" dirty="0"/>
+              <a:t>Activity</a:t>
+            </a:r>
+            <a:endParaRPr lang="ko-KR" altLang="en-US" dirty="0"/>
+          </a:p>
+        </p:txBody>
+      </p:sp>
+      <p:sp>
+        <p:nvSpPr>
+          <p:cNvPr id="10" name="타원 9">
+            <a:extLst>
+              <a:ext uri="{FF2B5EF4-FFF2-40B4-BE49-F238E27FC236}">
+                <a16:creationId xmlns:a16="http://schemas.microsoft.com/office/drawing/2014/main" id="{CDBD5432-D749-CB95-614A-6065B88B2567}"/>
+              </a:ext>
+            </a:extLst>
+          </p:cNvPr>
+          <p:cNvSpPr/>
+          <p:nvPr/>
+        </p:nvSpPr>
+        <p:spPr>
+          <a:xfrm>
+            <a:off x="874644" y="879614"/>
+            <a:ext cx="3329608" cy="3130826"/>
+          </a:xfrm>
+          <a:prstGeom prst="ellipse">
+            <a:avLst/>
+          </a:prstGeom>
+          <a:noFill/>
+        </p:spPr>
+        <p:style>
+          <a:lnRef idx="2">
+            <a:schemeClr val="accent1">
+              <a:shade val="15000"/>
+            </a:schemeClr>
+          </a:lnRef>
+          <a:fillRef idx="1">
+            <a:schemeClr val="accent1"/>
+          </a:fillRef>
+          <a:effectRef idx="0">
+            <a:schemeClr val="accent1"/>
+          </a:effectRef>
+          <a:fontRef idx="minor">
+            <a:schemeClr val="lt1"/>
+          </a:fontRef>
+        </p:style>
+        <p:txBody>
+          <a:bodyPr rtlCol="0" anchor="ctr"/>
+          <a:lstStyle/>
+          <a:p>
+            <a:pPr algn="ctr"/>
+            <a:endParaRPr lang="ko-KR" altLang="en-US"/>
+          </a:p>
+        </p:txBody>
+      </p:sp>
+      <p:cxnSp>
+        <p:nvCxnSpPr>
+          <p:cNvPr id="12" name="직선 화살표 연결선 11">
+            <a:extLst>
+              <a:ext uri="{FF2B5EF4-FFF2-40B4-BE49-F238E27FC236}">
+                <a16:creationId xmlns:a16="http://schemas.microsoft.com/office/drawing/2014/main" id="{9F70DB25-FD82-59BE-7507-8406F7FC764F}"/>
+              </a:ext>
+            </a:extLst>
+          </p:cNvPr>
+          <p:cNvCxnSpPr/>
+          <p:nvPr/>
+        </p:nvCxnSpPr>
+        <p:spPr>
+          <a:xfrm>
+            <a:off x="4323522" y="1858617"/>
+            <a:ext cx="1143000" cy="0"/>
+          </a:xfrm>
+          <a:prstGeom prst="straightConnector1">
+            <a:avLst/>
+          </a:prstGeom>
+          <a:ln>
+            <a:tailEnd type="triangle"/>
+          </a:ln>
+        </p:spPr>
+        <p:style>
+          <a:lnRef idx="2">
+            <a:schemeClr val="accent1"/>
+          </a:lnRef>
+          <a:fillRef idx="0">
+            <a:schemeClr val="accent1"/>
+          </a:fillRef>
+          <a:effectRef idx="1">
+            <a:schemeClr val="accent1"/>
+          </a:effectRef>
+          <a:fontRef idx="minor">
+            <a:schemeClr val="tx1"/>
+          </a:fontRef>
+        </p:style>
+      </p:cxnSp>
+      <p:cxnSp>
+        <p:nvCxnSpPr>
+          <p:cNvPr id="13" name="직선 화살표 연결선 12">
+            <a:extLst>
+              <a:ext uri="{FF2B5EF4-FFF2-40B4-BE49-F238E27FC236}">
+                <a16:creationId xmlns:a16="http://schemas.microsoft.com/office/drawing/2014/main" id="{10A784C2-E22F-2978-6A55-9D45053FBD4D}"/>
+              </a:ext>
+            </a:extLst>
+          </p:cNvPr>
+          <p:cNvCxnSpPr/>
+          <p:nvPr/>
+        </p:nvCxnSpPr>
+        <p:spPr>
+          <a:xfrm>
+            <a:off x="7722704" y="1898374"/>
+            <a:ext cx="1143000" cy="0"/>
+          </a:xfrm>
+          <a:prstGeom prst="straightConnector1">
+            <a:avLst/>
+          </a:prstGeom>
+          <a:ln>
+            <a:tailEnd type="triangle"/>
+          </a:ln>
+        </p:spPr>
+        <p:style>
+          <a:lnRef idx="2">
+            <a:schemeClr val="accent1"/>
+          </a:lnRef>
+          <a:fillRef idx="0">
+            <a:schemeClr val="accent1"/>
+          </a:fillRef>
+          <a:effectRef idx="1">
+            <a:schemeClr val="accent1"/>
+          </a:effectRef>
+          <a:fontRef idx="minor">
+            <a:schemeClr val="tx1"/>
+          </a:fontRef>
+        </p:style>
+      </p:cxnSp>
+      <p:cxnSp>
+        <p:nvCxnSpPr>
+          <p:cNvPr id="14" name="직선 화살표 연결선 13">
+            <a:extLst>
+              <a:ext uri="{FF2B5EF4-FFF2-40B4-BE49-F238E27FC236}">
+                <a16:creationId xmlns:a16="http://schemas.microsoft.com/office/drawing/2014/main" id="{215F4BAD-ED77-5C4F-F2AF-0ECDC2192D16}"/>
+              </a:ext>
+            </a:extLst>
+          </p:cNvPr>
+          <p:cNvCxnSpPr>
+            <a:cxnSpLocks/>
+          </p:cNvCxnSpPr>
+          <p:nvPr/>
+        </p:nvCxnSpPr>
+        <p:spPr>
+          <a:xfrm flipH="1">
+            <a:off x="7722704" y="2266122"/>
+            <a:ext cx="1123122" cy="0"/>
+          </a:xfrm>
+          <a:prstGeom prst="straightConnector1">
+            <a:avLst/>
+          </a:prstGeom>
+          <a:ln>
+            <a:tailEnd type="triangle"/>
+          </a:ln>
+        </p:spPr>
+        <p:style>
+          <a:lnRef idx="2">
+            <a:schemeClr val="accent1"/>
+          </a:lnRef>
+          <a:fillRef idx="0">
+            <a:schemeClr val="accent1"/>
+          </a:fillRef>
+          <a:effectRef idx="1">
+            <a:schemeClr val="accent1"/>
+          </a:effectRef>
+          <a:fontRef idx="minor">
+            <a:schemeClr val="tx1"/>
+          </a:fontRef>
+        </p:style>
+      </p:cxnSp>
+      <p:cxnSp>
+        <p:nvCxnSpPr>
+          <p:cNvPr id="17" name="직선 화살표 연결선 16">
+            <a:extLst>
+              <a:ext uri="{FF2B5EF4-FFF2-40B4-BE49-F238E27FC236}">
+                <a16:creationId xmlns:a16="http://schemas.microsoft.com/office/drawing/2014/main" id="{6E464DB9-7B6C-D0E5-500C-A427595EFA4F}"/>
+              </a:ext>
+            </a:extLst>
+          </p:cNvPr>
+          <p:cNvCxnSpPr>
+            <a:cxnSpLocks/>
+          </p:cNvCxnSpPr>
+          <p:nvPr/>
+        </p:nvCxnSpPr>
+        <p:spPr>
+          <a:xfrm flipH="1">
+            <a:off x="4323522" y="2256183"/>
+            <a:ext cx="1123122" cy="0"/>
+          </a:xfrm>
+          <a:prstGeom prst="straightConnector1">
+            <a:avLst/>
+          </a:prstGeom>
+          <a:ln>
+            <a:tailEnd type="triangle"/>
+          </a:ln>
+        </p:spPr>
+        <p:style>
+          <a:lnRef idx="2">
+            <a:schemeClr val="accent1"/>
+          </a:lnRef>
+          <a:fillRef idx="0">
+            <a:schemeClr val="accent1"/>
+          </a:fillRef>
+          <a:effectRef idx="1">
+            <a:schemeClr val="accent1"/>
+          </a:effectRef>
+          <a:fontRef idx="minor">
+            <a:schemeClr val="tx1"/>
+          </a:fontRef>
+        </p:style>
+      </p:cxnSp>
+      <p:sp>
+        <p:nvSpPr>
+          <p:cNvPr id="18" name="TextBox 17">
+            <a:extLst>
+              <a:ext uri="{FF2B5EF4-FFF2-40B4-BE49-F238E27FC236}">
+                <a16:creationId xmlns:a16="http://schemas.microsoft.com/office/drawing/2014/main" id="{65EA5337-8CD8-A461-484B-5FBD19E44665}"/>
+              </a:ext>
+            </a:extLst>
+          </p:cNvPr>
+          <p:cNvSpPr txBox="1"/>
+          <p:nvPr/>
+        </p:nvSpPr>
+        <p:spPr>
+          <a:xfrm>
+            <a:off x="4002935" y="1162374"/>
+            <a:ext cx="1882247" cy="369332"/>
+          </a:xfrm>
+          <a:prstGeom prst="rect">
+            <a:avLst/>
+          </a:prstGeom>
+          <a:noFill/>
+        </p:spPr>
+        <p:txBody>
+          <a:bodyPr wrap="none" rtlCol="0">
+            <a:spAutoFit/>
+          </a:bodyPr>
+          <a:lstStyle/>
+          <a:p>
+            <a:r>
+              <a:rPr lang="ko-KR" altLang="en-US"/>
+              <a:t>데이터 불러오기</a:t>
+            </a:r>
+            <a:endParaRPr lang="ko-KR" altLang="en-US" dirty="0"/>
+          </a:p>
+        </p:txBody>
+      </p:sp>
+      <p:sp>
+        <p:nvSpPr>
+          <p:cNvPr id="19" name="TextBox 18">
+            <a:extLst>
+              <a:ext uri="{FF2B5EF4-FFF2-40B4-BE49-F238E27FC236}">
+                <a16:creationId xmlns:a16="http://schemas.microsoft.com/office/drawing/2014/main" id="{FDB9755B-9D40-A642-7E1B-7CBC08554953}"/>
+              </a:ext>
+            </a:extLst>
+          </p:cNvPr>
+          <p:cNvSpPr txBox="1"/>
+          <p:nvPr/>
+        </p:nvSpPr>
+        <p:spPr>
+          <a:xfrm>
+            <a:off x="4204252" y="2497316"/>
+            <a:ext cx="1420582" cy="369332"/>
+          </a:xfrm>
+          <a:prstGeom prst="rect">
+            <a:avLst/>
+          </a:prstGeom>
+          <a:noFill/>
+        </p:spPr>
+        <p:txBody>
+          <a:bodyPr wrap="none" rtlCol="0">
+            <a:spAutoFit/>
+          </a:bodyPr>
+          <a:lstStyle/>
+          <a:p>
+            <a:r>
+              <a:rPr lang="ko-KR" altLang="en-US" dirty="0"/>
+              <a:t>데이터 저장</a:t>
+            </a:r>
+          </a:p>
+        </p:txBody>
+      </p:sp>
+      <p:sp>
+        <p:nvSpPr>
+          <p:cNvPr id="20" name="TextBox 19">
+            <a:extLst>
+              <a:ext uri="{FF2B5EF4-FFF2-40B4-BE49-F238E27FC236}">
+                <a16:creationId xmlns:a16="http://schemas.microsoft.com/office/drawing/2014/main" id="{27B8C6C9-CF91-9BF1-49C8-77E1ADBA6CC6}"/>
+              </a:ext>
+            </a:extLst>
+          </p:cNvPr>
+          <p:cNvSpPr txBox="1"/>
+          <p:nvPr/>
+        </p:nvSpPr>
+        <p:spPr>
+          <a:xfrm>
+            <a:off x="7445626" y="1214663"/>
+            <a:ext cx="1882247" cy="369332"/>
+          </a:xfrm>
+          <a:prstGeom prst="rect">
+            <a:avLst/>
+          </a:prstGeom>
+          <a:noFill/>
+        </p:spPr>
+        <p:txBody>
+          <a:bodyPr wrap="none" rtlCol="0">
+            <a:spAutoFit/>
+          </a:bodyPr>
+          <a:lstStyle/>
+          <a:p>
+            <a:r>
+              <a:rPr lang="ko-KR" altLang="en-US" dirty="0"/>
+              <a:t>요청데이터 송신</a:t>
+            </a:r>
+          </a:p>
+        </p:txBody>
+      </p:sp>
+      <p:sp>
+        <p:nvSpPr>
+          <p:cNvPr id="21" name="TextBox 20">
+            <a:extLst>
+              <a:ext uri="{FF2B5EF4-FFF2-40B4-BE49-F238E27FC236}">
+                <a16:creationId xmlns:a16="http://schemas.microsoft.com/office/drawing/2014/main" id="{00868D0A-B8EC-D6A9-04E4-592356E42594}"/>
+              </a:ext>
+            </a:extLst>
+          </p:cNvPr>
+          <p:cNvSpPr txBox="1"/>
+          <p:nvPr/>
+        </p:nvSpPr>
+        <p:spPr>
+          <a:xfrm>
+            <a:off x="7573974" y="2527133"/>
+            <a:ext cx="1420582" cy="369332"/>
+          </a:xfrm>
+          <a:prstGeom prst="rect">
+            <a:avLst/>
+          </a:prstGeom>
+          <a:noFill/>
+        </p:spPr>
+        <p:txBody>
+          <a:bodyPr wrap="none" rtlCol="0">
+            <a:spAutoFit/>
+          </a:bodyPr>
+          <a:lstStyle/>
+          <a:p>
+            <a:r>
+              <a:rPr lang="ko-KR" altLang="en-US" dirty="0"/>
+              <a:t>데이터 변경</a:t>
+            </a:r>
+          </a:p>
+        </p:txBody>
+      </p:sp>
+      <p:sp>
+        <p:nvSpPr>
+          <p:cNvPr id="22" name="직사각형 21">
+            <a:extLst>
+              <a:ext uri="{FF2B5EF4-FFF2-40B4-BE49-F238E27FC236}">
+                <a16:creationId xmlns:a16="http://schemas.microsoft.com/office/drawing/2014/main" id="{261D3116-03C0-4443-227F-DC50F2CD30AF}"/>
+              </a:ext>
+            </a:extLst>
+          </p:cNvPr>
+          <p:cNvSpPr/>
+          <p:nvPr/>
+        </p:nvSpPr>
+        <p:spPr>
+          <a:xfrm>
+            <a:off x="3155675" y="4363280"/>
+            <a:ext cx="2534479" cy="2067341"/>
+          </a:xfrm>
+          <a:prstGeom prst="rect">
+            <a:avLst/>
+          </a:prstGeom>
+        </p:spPr>
+        <p:style>
+          <a:lnRef idx="2">
+            <a:schemeClr val="accent1">
+              <a:shade val="15000"/>
+            </a:schemeClr>
+          </a:lnRef>
+          <a:fillRef idx="1">
+            <a:schemeClr val="accent1"/>
+          </a:fillRef>
+          <a:effectRef idx="0">
+            <a:schemeClr val="accent1"/>
+          </a:effectRef>
+          <a:fontRef idx="minor">
+            <a:schemeClr val="lt1"/>
+          </a:fontRef>
+        </p:style>
+        <p:txBody>
+          <a:bodyPr rtlCol="0" anchor="ctr"/>
+          <a:lstStyle/>
+          <a:p>
+            <a:pPr algn="ctr"/>
+            <a:r>
+              <a:rPr lang="en-US" altLang="ko-KR" dirty="0"/>
+              <a:t>Profile Class</a:t>
+            </a:r>
+          </a:p>
+          <a:p>
+            <a:pPr algn="ctr"/>
+            <a:r>
+              <a:rPr lang="ko-KR" altLang="en-US" dirty="0"/>
+              <a:t>개인정보의 형태</a:t>
+            </a:r>
+            <a:endParaRPr lang="en-US" altLang="ko-KR" dirty="0"/>
+          </a:p>
+          <a:p>
+            <a:pPr marL="342900" indent="-342900" algn="ctr">
+              <a:buAutoNum type="arabicPeriod"/>
+            </a:pPr>
+            <a:r>
+              <a:rPr lang="ko-KR" altLang="en-US" dirty="0"/>
+              <a:t>키</a:t>
+            </a:r>
+            <a:endParaRPr lang="en-US" altLang="ko-KR" dirty="0"/>
+          </a:p>
+          <a:p>
+            <a:pPr marL="342900" indent="-342900" algn="ctr">
+              <a:buAutoNum type="arabicPeriod"/>
+            </a:pPr>
+            <a:r>
+              <a:rPr lang="ko-KR" altLang="en-US" dirty="0"/>
+              <a:t>체중 </a:t>
+            </a:r>
+            <a:endParaRPr lang="en-US" altLang="ko-KR" dirty="0"/>
+          </a:p>
+          <a:p>
+            <a:pPr marL="342900" indent="-342900" algn="ctr">
+              <a:buAutoNum type="arabicPeriod"/>
+            </a:pPr>
+            <a:r>
+              <a:rPr lang="ko-KR" altLang="en-US" dirty="0"/>
+              <a:t>생리시작일 모음</a:t>
+            </a:r>
+            <a:endParaRPr lang="en-US" altLang="ko-KR" dirty="0"/>
+          </a:p>
+          <a:p>
+            <a:pPr marL="342900" indent="-342900" algn="ctr">
+              <a:buAutoNum type="arabicPeriod"/>
+            </a:pPr>
+            <a:r>
+              <a:rPr lang="ko-KR" altLang="en-US" dirty="0"/>
+              <a:t>생리기간 모음</a:t>
+            </a:r>
+            <a:endParaRPr lang="en-US" altLang="ko-KR" dirty="0"/>
+          </a:p>
+          <a:p>
+            <a:pPr marL="342900" indent="-342900" algn="ctr">
+              <a:buAutoNum type="arabicPeriod"/>
+            </a:pPr>
+            <a:endParaRPr lang="ko-KR" altLang="en-US" dirty="0"/>
+          </a:p>
+        </p:txBody>
+      </p:sp>
+    </p:spTree>
+    <p:extLst>
+      <p:ext uri="{BB962C8B-B14F-4D97-AF65-F5344CB8AC3E}">
+        <p14:creationId xmlns:p14="http://schemas.microsoft.com/office/powerpoint/2010/main" val="2103981918"/>
+      </p:ext>
+    </p:extLst>
+  </p:cSld>
+  <p:clrMapOvr>
+    <a:masterClrMapping/>
+  </p:clrMapOvr>
+</p:sld>
+</file>
+
+<file path=ppt/slides/slide9.xml><?xml version="1.0" encoding="utf-8"?>
+<p:sld xmlns:a="http://schemas.openxmlformats.org/drawingml/2006/main" xmlns:r="http://schemas.openxmlformats.org/officeDocument/2006/relationships" xmlns:p="http://schemas.openxmlformats.org/presentationml/2006/main">
+  <p:cSld>
+    <p:spTree>
+      <p:nvGrpSpPr>
+        <p:cNvPr id="1" name=""/>
+        <p:cNvGrpSpPr/>
+        <p:nvPr/>
+      </p:nvGrpSpPr>
+      <p:grpSpPr>
+        <a:xfrm>
+          <a:off x="0" y="0"/>
+          <a:ext cx="0" cy="0"/>
+          <a:chOff x="0" y="0"/>
+          <a:chExt cx="0" cy="0"/>
+        </a:xfrm>
+      </p:grpSpPr>
+      <p:sp>
+        <p:nvSpPr>
+          <p:cNvPr id="4" name="TextBox 3">
+            <a:extLst>
+              <a:ext uri="{FF2B5EF4-FFF2-40B4-BE49-F238E27FC236}">
+                <a16:creationId xmlns:a16="http://schemas.microsoft.com/office/drawing/2014/main" id="{D7DDF6F7-0F44-7928-95DE-EB0DCECF6AB0}"/>
+              </a:ext>
+            </a:extLst>
+          </p:cNvPr>
+          <p:cNvSpPr txBox="1"/>
+          <p:nvPr/>
+        </p:nvSpPr>
+        <p:spPr>
+          <a:xfrm>
+            <a:off x="626165" y="238539"/>
+            <a:ext cx="1882247" cy="369332"/>
+          </a:xfrm>
+          <a:prstGeom prst="rect">
+            <a:avLst/>
+          </a:prstGeom>
+          <a:noFill/>
+        </p:spPr>
+        <p:txBody>
+          <a:bodyPr wrap="none" rtlCol="0">
+            <a:spAutoFit/>
+          </a:bodyPr>
+          <a:lstStyle/>
+          <a:p>
+            <a:r>
+              <a:rPr lang="ko-KR" altLang="en-US" dirty="0"/>
+              <a:t>화면전환의 방법</a:t>
+            </a:r>
+          </a:p>
+        </p:txBody>
+      </p:sp>
+      <p:sp>
+        <p:nvSpPr>
+          <p:cNvPr id="5" name="직사각형 4">
+            <a:extLst>
+              <a:ext uri="{FF2B5EF4-FFF2-40B4-BE49-F238E27FC236}">
+                <a16:creationId xmlns:a16="http://schemas.microsoft.com/office/drawing/2014/main" id="{85B248D2-A65A-6D92-8B5D-76099D4B636D}"/>
+              </a:ext>
+            </a:extLst>
+          </p:cNvPr>
+          <p:cNvSpPr/>
+          <p:nvPr/>
+        </p:nvSpPr>
+        <p:spPr>
+          <a:xfrm>
+            <a:off x="993913" y="813425"/>
+            <a:ext cx="2514600" cy="556591"/>
+          </a:xfrm>
+          <a:prstGeom prst="rect">
+            <a:avLst/>
+          </a:prstGeom>
+        </p:spPr>
+        <p:style>
+          <a:lnRef idx="2">
+            <a:schemeClr val="accent1">
+              <a:shade val="15000"/>
+            </a:schemeClr>
+          </a:lnRef>
+          <a:fillRef idx="1">
+            <a:schemeClr val="accent1"/>
+          </a:fillRef>
+          <a:effectRef idx="0">
+            <a:schemeClr val="accent1"/>
+          </a:effectRef>
+          <a:fontRef idx="minor">
+            <a:schemeClr val="lt1"/>
+          </a:fontRef>
+        </p:style>
+        <p:txBody>
+          <a:bodyPr rtlCol="0" anchor="ctr"/>
+          <a:lstStyle/>
+          <a:p>
+            <a:pPr algn="ctr"/>
+            <a:r>
+              <a:rPr lang="en-US" altLang="ko-KR" dirty="0"/>
+              <a:t>Activity </a:t>
+            </a:r>
+            <a:r>
+              <a:rPr lang="ko-KR" altLang="en-US" dirty="0"/>
+              <a:t>전환 </a:t>
+            </a:r>
+            <a:r>
+              <a:rPr lang="en-US" altLang="ko-KR" dirty="0"/>
+              <a:t>: Intent</a:t>
+            </a:r>
+            <a:endParaRPr lang="ko-KR" altLang="en-US" dirty="0"/>
+          </a:p>
+        </p:txBody>
+      </p:sp>
+      <p:sp>
+        <p:nvSpPr>
+          <p:cNvPr id="6" name="직사각형 5">
+            <a:extLst>
+              <a:ext uri="{FF2B5EF4-FFF2-40B4-BE49-F238E27FC236}">
+                <a16:creationId xmlns:a16="http://schemas.microsoft.com/office/drawing/2014/main" id="{15E3A8C0-A181-FD7F-CF1A-171A6BC67D43}"/>
+              </a:ext>
+            </a:extLst>
+          </p:cNvPr>
+          <p:cNvSpPr/>
+          <p:nvPr/>
+        </p:nvSpPr>
+        <p:spPr>
+          <a:xfrm>
+            <a:off x="993913" y="3636139"/>
+            <a:ext cx="3140765" cy="556591"/>
+          </a:xfrm>
+          <a:prstGeom prst="rect">
+            <a:avLst/>
+          </a:prstGeom>
+        </p:spPr>
+        <p:style>
+          <a:lnRef idx="2">
+            <a:schemeClr val="accent1">
+              <a:shade val="15000"/>
+            </a:schemeClr>
+          </a:lnRef>
+          <a:fillRef idx="1">
+            <a:schemeClr val="accent1"/>
+          </a:fillRef>
+          <a:effectRef idx="0">
+            <a:schemeClr val="accent1"/>
+          </a:effectRef>
+          <a:fontRef idx="minor">
+            <a:schemeClr val="lt1"/>
+          </a:fontRef>
+        </p:style>
+        <p:txBody>
+          <a:bodyPr rtlCol="0" anchor="ctr"/>
+          <a:lstStyle/>
+          <a:p>
+            <a:pPr algn="ctr"/>
+            <a:r>
+              <a:rPr lang="en-US" altLang="ko-KR" dirty="0"/>
+              <a:t>Compose </a:t>
+            </a:r>
+            <a:r>
+              <a:rPr lang="ko-KR" altLang="en-US" dirty="0"/>
+              <a:t>전환 </a:t>
+            </a:r>
+            <a:r>
+              <a:rPr lang="en-US" altLang="ko-KR" dirty="0"/>
+              <a:t>: Navigation</a:t>
+            </a:r>
+            <a:endParaRPr lang="ko-KR" altLang="en-US" dirty="0"/>
+          </a:p>
+        </p:txBody>
+      </p:sp>
+    </p:spTree>
+    <p:extLst>
+      <p:ext uri="{BB962C8B-B14F-4D97-AF65-F5344CB8AC3E}">
+        <p14:creationId xmlns:p14="http://schemas.microsoft.com/office/powerpoint/2010/main" val="2114723158"/>
       </p:ext>
     </p:extLst>
   </p:cSld>
